--- a/labs/lab11_RNA-Seq.pptx
+++ b/labs/lab11_RNA-Seq.pptx
@@ -5,21 +5,22 @@
     <p:sldMasterId id="2147483648" r:id="rId1"/>
   </p:sldMasterIdLst>
   <p:notesMasterIdLst>
-    <p:notesMasterId r:id="rId14"/>
+    <p:notesMasterId r:id="rId15"/>
   </p:notesMasterIdLst>
   <p:sldIdLst>
     <p:sldId id="256" r:id="rId2"/>
     <p:sldId id="322" r:id="rId3"/>
     <p:sldId id="333" r:id="rId4"/>
-    <p:sldId id="334" r:id="rId5"/>
-    <p:sldId id="340" r:id="rId6"/>
-    <p:sldId id="342" r:id="rId7"/>
-    <p:sldId id="341" r:id="rId8"/>
-    <p:sldId id="336" r:id="rId9"/>
-    <p:sldId id="343" r:id="rId10"/>
-    <p:sldId id="345" r:id="rId11"/>
-    <p:sldId id="337" r:id="rId12"/>
-    <p:sldId id="346" r:id="rId13"/>
+    <p:sldId id="348" r:id="rId5"/>
+    <p:sldId id="334" r:id="rId6"/>
+    <p:sldId id="340" r:id="rId7"/>
+    <p:sldId id="347" r:id="rId8"/>
+    <p:sldId id="342" r:id="rId9"/>
+    <p:sldId id="341" r:id="rId10"/>
+    <p:sldId id="336" r:id="rId11"/>
+    <p:sldId id="343" r:id="rId12"/>
+    <p:sldId id="345" r:id="rId13"/>
+    <p:sldId id="337" r:id="rId14"/>
   </p:sldIdLst>
   <p:sldSz cx="9144000" cy="6858000" type="screen4x3"/>
   <p:notesSz cx="6858000" cy="9144000"/>
@@ -203,7 +204,7 @@
           <a:p>
             <a:fld id="{08E6E0A8-E17C-C949-B17E-7A1A6494483A}" type="datetimeFigureOut">
               <a:rPr lang="en-US" smtClean="0"/>
-              <a:t>4/20/17</a:t>
+              <a:t>4/24/17</a:t>
             </a:fld>
             <a:endParaRPr lang="en-US"/>
           </a:p>
@@ -536,7 +537,7 @@
           <a:p>
             <a:fld id="{DC2B8C24-ACAE-AE41-B565-178ED93271F0}" type="slidenum">
               <a:rPr lang="en-US" smtClean="0"/>
-              <a:t>9</a:t>
+              <a:t>11</a:t>
             </a:fld>
             <a:endParaRPr lang="en-US"/>
           </a:p>
@@ -736,7 +737,7 @@
           <a:p>
             <a:fld id="{42B8B0BE-C8D7-EB48-AD68-71DB5002F24B}" type="datetimeFigureOut">
               <a:rPr lang="en-US" smtClean="0"/>
-              <a:t>4/20/17</a:t>
+              <a:t>4/24/17</a:t>
             </a:fld>
             <a:endParaRPr lang="en-US"/>
           </a:p>
@@ -906,7 +907,7 @@
           <a:p>
             <a:fld id="{42B8B0BE-C8D7-EB48-AD68-71DB5002F24B}" type="datetimeFigureOut">
               <a:rPr lang="en-US" smtClean="0"/>
-              <a:t>4/20/17</a:t>
+              <a:t>4/24/17</a:t>
             </a:fld>
             <a:endParaRPr lang="en-US"/>
           </a:p>
@@ -1086,7 +1087,7 @@
           <a:p>
             <a:fld id="{42B8B0BE-C8D7-EB48-AD68-71DB5002F24B}" type="datetimeFigureOut">
               <a:rPr lang="en-US" smtClean="0"/>
-              <a:t>4/20/17</a:t>
+              <a:t>4/24/17</a:t>
             </a:fld>
             <a:endParaRPr lang="en-US"/>
           </a:p>
@@ -1256,7 +1257,7 @@
           <a:p>
             <a:fld id="{42B8B0BE-C8D7-EB48-AD68-71DB5002F24B}" type="datetimeFigureOut">
               <a:rPr lang="en-US" smtClean="0"/>
-              <a:t>4/20/17</a:t>
+              <a:t>4/24/17</a:t>
             </a:fld>
             <a:endParaRPr lang="en-US"/>
           </a:p>
@@ -1502,7 +1503,7 @@
           <a:p>
             <a:fld id="{42B8B0BE-C8D7-EB48-AD68-71DB5002F24B}" type="datetimeFigureOut">
               <a:rPr lang="en-US" smtClean="0"/>
-              <a:t>4/20/17</a:t>
+              <a:t>4/24/17</a:t>
             </a:fld>
             <a:endParaRPr lang="en-US"/>
           </a:p>
@@ -1790,7 +1791,7 @@
           <a:p>
             <a:fld id="{42B8B0BE-C8D7-EB48-AD68-71DB5002F24B}" type="datetimeFigureOut">
               <a:rPr lang="en-US" smtClean="0"/>
-              <a:t>4/20/17</a:t>
+              <a:t>4/24/17</a:t>
             </a:fld>
             <a:endParaRPr lang="en-US"/>
           </a:p>
@@ -2212,7 +2213,7 @@
           <a:p>
             <a:fld id="{42B8B0BE-C8D7-EB48-AD68-71DB5002F24B}" type="datetimeFigureOut">
               <a:rPr lang="en-US" smtClean="0"/>
-              <a:t>4/20/17</a:t>
+              <a:t>4/24/17</a:t>
             </a:fld>
             <a:endParaRPr lang="en-US"/>
           </a:p>
@@ -2330,7 +2331,7 @@
           <a:p>
             <a:fld id="{42B8B0BE-C8D7-EB48-AD68-71DB5002F24B}" type="datetimeFigureOut">
               <a:rPr lang="en-US" smtClean="0"/>
-              <a:t>4/20/17</a:t>
+              <a:t>4/24/17</a:t>
             </a:fld>
             <a:endParaRPr lang="en-US"/>
           </a:p>
@@ -2425,7 +2426,7 @@
           <a:p>
             <a:fld id="{42B8B0BE-C8D7-EB48-AD68-71DB5002F24B}" type="datetimeFigureOut">
               <a:rPr lang="en-US" smtClean="0"/>
-              <a:t>4/20/17</a:t>
+              <a:t>4/24/17</a:t>
             </a:fld>
             <a:endParaRPr lang="en-US"/>
           </a:p>
@@ -2702,7 +2703,7 @@
           <a:p>
             <a:fld id="{42B8B0BE-C8D7-EB48-AD68-71DB5002F24B}" type="datetimeFigureOut">
               <a:rPr lang="en-US" smtClean="0"/>
-              <a:t>4/20/17</a:t>
+              <a:t>4/24/17</a:t>
             </a:fld>
             <a:endParaRPr lang="en-US"/>
           </a:p>
@@ -2955,7 +2956,7 @@
           <a:p>
             <a:fld id="{42B8B0BE-C8D7-EB48-AD68-71DB5002F24B}" type="datetimeFigureOut">
               <a:rPr lang="en-US" smtClean="0"/>
-              <a:t>4/20/17</a:t>
+              <a:t>4/24/17</a:t>
             </a:fld>
             <a:endParaRPr lang="en-US"/>
           </a:p>
@@ -3168,7 +3169,7 @@
           <a:p>
             <a:fld id="{42B8B0BE-C8D7-EB48-AD68-71DB5002F24B}" type="datetimeFigureOut">
               <a:rPr lang="en-US" smtClean="0"/>
-              <a:t>4/20/17</a:t>
+              <a:t>4/24/17</a:t>
             </a:fld>
             <a:endParaRPr lang="en-US"/>
           </a:p>
@@ -3695,34 +3696,16 @@
         </p:nvSpPr>
         <p:spPr/>
         <p:txBody>
-          <a:bodyPr/>
-          <a:lstStyle/>
-          <a:p>
-            <a:r>
-              <a:rPr lang="en-US" dirty="0" smtClean="0"/>
-              <a:t>GSNAP to align </a:t>
-            </a:r>
-            <a:r>
-              <a:rPr lang="en-US" b="1" dirty="0">
-                <a:solidFill>
-                  <a:srgbClr val="FF0000"/>
-                </a:solidFill>
-              </a:rPr>
-              <a:t>P</a:t>
-            </a:r>
-            <a:r>
-              <a:rPr lang="en-US" b="1" dirty="0" smtClean="0">
-                <a:solidFill>
-                  <a:srgbClr val="FF0000"/>
-                </a:solidFill>
-              </a:rPr>
-              <a:t>E</a:t>
-            </a:r>
-            <a:r>
-              <a:rPr lang="en-US" dirty="0" smtClean="0"/>
-              <a:t> reads to the reference genome</a:t>
-            </a:r>
-            <a:endParaRPr lang="en-US" dirty="0"/>
+          <a:bodyPr>
+            <a:normAutofit/>
+          </a:bodyPr>
+          <a:lstStyle/>
+          <a:p>
+            <a:r>
+              <a:rPr lang="en-US" sz="3200" dirty="0" smtClean="0"/>
+              <a:t>Reference-guided assembly</a:t>
+            </a:r>
+            <a:endParaRPr lang="en-US" sz="3200" dirty="0"/>
           </a:p>
         </p:txBody>
       </p:sp>
@@ -3738,555 +3721,62 @@
         </p:nvSpPr>
         <p:spPr>
           <a:xfrm>
-            <a:off x="239208" y="1497010"/>
-            <a:ext cx="8709407" cy="5146067"/>
+            <a:off x="1785816" y="1851445"/>
+            <a:ext cx="6244492" cy="1975739"/>
           </a:xfrm>
-          <a:solidFill>
-            <a:srgbClr val="DBEEF4"/>
-          </a:solidFill>
         </p:spPr>
         <p:txBody>
           <a:bodyPr>
-            <a:noAutofit/>
+            <a:normAutofit/>
           </a:bodyPr>
           <a:lstStyle/>
           <a:p>
-            <a:pPr marL="0" indent="0">
-              <a:buNone/>
+            <a:pPr marL="514350" indent="-514350">
+              <a:buFont typeface="+mj-lt"/>
+              <a:buAutoNum type="arabicPeriod"/>
             </a:pPr>
             <a:r>
-              <a:rPr lang="en-US" sz="2000" dirty="0" err="1">
-                <a:latin typeface="Courier"/>
-                <a:cs typeface="Courier"/>
-              </a:rPr>
-              <a:t>refpath</a:t>
-            </a:r>
-            <a:r>
-              <a:rPr lang="en-US" sz="2000" dirty="0" smtClean="0">
-                <a:latin typeface="Courier"/>
-                <a:cs typeface="Courier"/>
-              </a:rPr>
-              <a:t>=</a:t>
-            </a:r>
-            <a:r>
-              <a:rPr lang="en-US" sz="1400" dirty="0">
-                <a:latin typeface="Courier"/>
-                <a:cs typeface="Courier"/>
-              </a:rPr>
-              <a:t>/homes/liu3zhen/teaching/BA17/Lab11_RNAassembly/ref</a:t>
-            </a:r>
-            <a:endParaRPr lang="en-US" sz="1400" dirty="0" smtClean="0">
-              <a:latin typeface="Courier"/>
-              <a:cs typeface="Courier"/>
-            </a:endParaRPr>
-          </a:p>
-          <a:p>
-            <a:pPr marL="0" indent="0">
-              <a:buNone/>
+              <a:rPr lang="en-US" sz="3200" dirty="0" smtClean="0"/>
+              <a:t>Index a reference genome</a:t>
+            </a:r>
+          </a:p>
+          <a:p>
+            <a:pPr marL="514350" indent="-514350">
+              <a:buFont typeface="+mj-lt"/>
+              <a:buAutoNum type="arabicPeriod"/>
             </a:pPr>
             <a:r>
-              <a:rPr lang="en-US" sz="2000" dirty="0" err="1" smtClean="0">
-                <a:latin typeface="Courier"/>
-                <a:cs typeface="Courier"/>
-              </a:rPr>
-              <a:t>db</a:t>
-            </a:r>
-            <a:r>
-              <a:rPr lang="en-US" sz="2000" dirty="0" smtClean="0">
-                <a:latin typeface="Courier"/>
-                <a:cs typeface="Courier"/>
-              </a:rPr>
-              <a:t>=ref</a:t>
-            </a:r>
-            <a:endParaRPr lang="en-US" sz="2000" dirty="0">
-              <a:latin typeface="Courier"/>
-              <a:cs typeface="Courier"/>
-            </a:endParaRPr>
-          </a:p>
-          <a:p>
-            <a:pPr marL="0" indent="0">
-              <a:buNone/>
+              <a:rPr lang="en-US" sz="3200" dirty="0" smtClean="0"/>
+              <a:t>Alignment (reads to reference)</a:t>
+            </a:r>
+          </a:p>
+          <a:p>
+            <a:pPr marL="514350" indent="-514350">
+              <a:buFont typeface="+mj-lt"/>
+              <a:buAutoNum type="arabicPeriod"/>
             </a:pPr>
             <a:r>
-              <a:rPr lang="en-US" sz="2000" dirty="0">
-                <a:latin typeface="Courier"/>
-                <a:cs typeface="Courier"/>
-              </a:rPr>
-              <a:t>fq1</a:t>
-            </a:r>
-            <a:r>
-              <a:rPr lang="en-US" sz="2000" dirty="0" smtClean="0">
-                <a:latin typeface="Courier"/>
-                <a:cs typeface="Courier"/>
-              </a:rPr>
-              <a:t>=../</a:t>
-            </a:r>
-            <a:r>
-              <a:rPr lang="en-US" sz="2000" dirty="0" err="1" smtClean="0">
-                <a:latin typeface="Courier"/>
-                <a:cs typeface="Courier"/>
-              </a:rPr>
-              <a:t>denovo</a:t>
-            </a:r>
-            <a:r>
-              <a:rPr lang="en-US" sz="2000" dirty="0" smtClean="0">
-                <a:latin typeface="Courier"/>
-                <a:cs typeface="Courier"/>
-              </a:rPr>
-              <a:t>/read1.fq</a:t>
-            </a:r>
-            <a:endParaRPr lang="en-US" sz="2000" dirty="0">
-              <a:latin typeface="Courier"/>
-              <a:cs typeface="Courier"/>
-            </a:endParaRPr>
-          </a:p>
-          <a:p>
-            <a:pPr marL="0" indent="0">
-              <a:buNone/>
+              <a:rPr lang="en-US" sz="3200" dirty="0"/>
+              <a:t>A</a:t>
+            </a:r>
+            <a:r>
+              <a:rPr lang="en-US" sz="3200" dirty="0" smtClean="0"/>
+              <a:t>ssembly</a:t>
+            </a:r>
+          </a:p>
+          <a:p>
+            <a:pPr marL="514350" indent="-514350">
+              <a:buFont typeface="+mj-lt"/>
+              <a:buAutoNum type="arabicPeriod"/>
             </a:pPr>
-            <a:r>
-              <a:rPr lang="en-US" sz="2000" dirty="0">
-                <a:latin typeface="Courier"/>
-                <a:cs typeface="Courier"/>
-              </a:rPr>
-              <a:t>fq2=../</a:t>
-            </a:r>
-            <a:r>
-              <a:rPr lang="en-US" sz="2000" dirty="0" err="1">
-                <a:latin typeface="Courier"/>
-                <a:cs typeface="Courier"/>
-              </a:rPr>
-              <a:t>denovo</a:t>
-            </a:r>
-            <a:r>
-              <a:rPr lang="en-US" sz="2000" dirty="0">
-                <a:latin typeface="Courier"/>
-                <a:cs typeface="Courier"/>
-              </a:rPr>
-              <a:t>/read2</a:t>
-            </a:r>
-            <a:r>
-              <a:rPr lang="en-US" sz="2000" dirty="0" smtClean="0">
-                <a:latin typeface="Courier"/>
-                <a:cs typeface="Courier"/>
-              </a:rPr>
-              <a:t>.fq</a:t>
-            </a:r>
-            <a:endParaRPr lang="en-US" sz="2000" dirty="0">
-              <a:latin typeface="Courier"/>
-              <a:cs typeface="Courier"/>
-            </a:endParaRPr>
-          </a:p>
-          <a:p>
-            <a:pPr marL="0" indent="0">
-              <a:buNone/>
-            </a:pPr>
-            <a:r>
-              <a:rPr lang="en-US" sz="2000" dirty="0">
-                <a:latin typeface="Courier"/>
-                <a:cs typeface="Courier"/>
-              </a:rPr>
-              <a:t>out</a:t>
-            </a:r>
-            <a:r>
-              <a:rPr lang="en-US" sz="2000" dirty="0" smtClean="0">
-                <a:latin typeface="Courier"/>
-                <a:cs typeface="Courier"/>
-              </a:rPr>
-              <a:t>=</a:t>
-            </a:r>
-            <a:r>
-              <a:rPr lang="en-US" sz="2000" dirty="0" err="1" smtClean="0">
-                <a:latin typeface="Courier"/>
-                <a:cs typeface="Courier"/>
-              </a:rPr>
-              <a:t>aln</a:t>
-            </a:r>
-            <a:endParaRPr lang="en-US" sz="2000" dirty="0" smtClean="0">
-              <a:latin typeface="Courier"/>
-              <a:cs typeface="Courier"/>
-            </a:endParaRPr>
-          </a:p>
-          <a:p>
-            <a:pPr marL="0" indent="0">
-              <a:buNone/>
-            </a:pPr>
-            <a:endParaRPr lang="en-US" sz="2000" dirty="0" smtClean="0">
-              <a:latin typeface="Courier"/>
-              <a:cs typeface="Courier"/>
-            </a:endParaRPr>
-          </a:p>
-          <a:p>
-            <a:pPr marL="0" indent="0">
-              <a:buNone/>
-            </a:pPr>
-            <a:r>
-              <a:rPr lang="en-US" sz="2000" dirty="0" smtClean="0">
-                <a:latin typeface="Courier"/>
-                <a:cs typeface="Courier"/>
-              </a:rPr>
-              <a:t>### alignment</a:t>
-            </a:r>
-            <a:endParaRPr lang="en-US" sz="2000" dirty="0">
-              <a:latin typeface="Courier"/>
-              <a:cs typeface="Courier"/>
-            </a:endParaRPr>
-          </a:p>
-          <a:p>
-            <a:pPr marL="0" indent="0">
-              <a:buNone/>
-            </a:pPr>
-            <a:r>
-              <a:rPr lang="en-US" sz="2000" dirty="0" err="1" smtClean="0">
-                <a:latin typeface="Courier"/>
-                <a:cs typeface="Courier"/>
-              </a:rPr>
-              <a:t>gsnap</a:t>
-            </a:r>
-            <a:r>
-              <a:rPr lang="en-US" sz="2000" dirty="0" smtClean="0">
-                <a:latin typeface="Courier"/>
-                <a:cs typeface="Courier"/>
-              </a:rPr>
-              <a:t> </a:t>
-            </a:r>
-            <a:r>
-              <a:rPr lang="en-US" sz="2000" dirty="0">
-                <a:latin typeface="Courier"/>
-                <a:cs typeface="Courier"/>
-              </a:rPr>
-              <a:t>-D $</a:t>
-            </a:r>
-            <a:r>
-              <a:rPr lang="en-US" sz="2000" dirty="0" err="1">
-                <a:latin typeface="Courier"/>
-                <a:cs typeface="Courier"/>
-              </a:rPr>
-              <a:t>refpath</a:t>
-            </a:r>
-            <a:r>
-              <a:rPr lang="en-US" sz="2000" dirty="0">
-                <a:latin typeface="Courier"/>
-                <a:cs typeface="Courier"/>
-              </a:rPr>
-              <a:t> -d $</a:t>
-            </a:r>
-            <a:r>
-              <a:rPr lang="en-US" sz="2000" dirty="0" err="1">
-                <a:latin typeface="Courier"/>
-                <a:cs typeface="Courier"/>
-              </a:rPr>
-              <a:t>db</a:t>
-            </a:r>
-            <a:r>
-              <a:rPr lang="en-US" sz="2000" dirty="0">
-                <a:latin typeface="Courier"/>
-                <a:cs typeface="Courier"/>
-              </a:rPr>
-              <a:t> </a:t>
-            </a:r>
-            <a:r>
-              <a:rPr lang="en-US" sz="2000" dirty="0" smtClean="0">
-                <a:latin typeface="Courier"/>
-                <a:cs typeface="Courier"/>
-              </a:rPr>
-              <a:t> </a:t>
-            </a:r>
-            <a:r>
-              <a:rPr lang="en-US" sz="2000" dirty="0">
-                <a:latin typeface="Courier"/>
-                <a:cs typeface="Courier"/>
-              </a:rPr>
-              <a:t>-B 2 -N 1 -</a:t>
-            </a:r>
-            <a:r>
-              <a:rPr lang="en-US" sz="2000" dirty="0" err="1">
-                <a:latin typeface="Courier"/>
-                <a:cs typeface="Courier"/>
-              </a:rPr>
-              <a:t>i</a:t>
-            </a:r>
-            <a:r>
-              <a:rPr lang="en-US" sz="2000" dirty="0">
-                <a:latin typeface="Courier"/>
-                <a:cs typeface="Courier"/>
-              </a:rPr>
-              <a:t> 2 -n 3 -t 4 \</a:t>
-            </a:r>
-          </a:p>
-          <a:p>
-            <a:pPr marL="0" indent="0">
-              <a:buNone/>
-            </a:pPr>
-            <a:r>
-              <a:rPr lang="en-US" sz="2000" dirty="0">
-                <a:latin typeface="Courier"/>
-                <a:cs typeface="Courier"/>
-              </a:rPr>
-              <a:t>  --format=</a:t>
-            </a:r>
-            <a:r>
-              <a:rPr lang="en-US" sz="2000" dirty="0" err="1">
-                <a:latin typeface="Courier"/>
-                <a:cs typeface="Courier"/>
-              </a:rPr>
-              <a:t>sam</a:t>
-            </a:r>
-            <a:r>
-              <a:rPr lang="en-US" sz="2000" dirty="0">
-                <a:latin typeface="Courier"/>
-                <a:cs typeface="Courier"/>
-              </a:rPr>
-              <a:t> $fq1 $fq2 </a:t>
-            </a:r>
-            <a:r>
-              <a:rPr lang="en-US" sz="2000" dirty="0" smtClean="0">
-                <a:latin typeface="Courier"/>
-                <a:cs typeface="Courier"/>
-              </a:rPr>
-              <a:t>&gt;</a:t>
-            </a:r>
-            <a:r>
-              <a:rPr lang="en-US" sz="2000" dirty="0">
-                <a:latin typeface="Courier"/>
-                <a:cs typeface="Courier"/>
-              </a:rPr>
-              <a:t>$</a:t>
-            </a:r>
-            <a:r>
-              <a:rPr lang="en-US" sz="2000" dirty="0" err="1">
-                <a:latin typeface="Courier"/>
-                <a:cs typeface="Courier"/>
-              </a:rPr>
-              <a:t>out.sam</a:t>
-            </a:r>
-            <a:endParaRPr lang="en-US" sz="2000" dirty="0">
-              <a:latin typeface="Courier"/>
-              <a:cs typeface="Courier"/>
-            </a:endParaRPr>
-          </a:p>
-          <a:p>
-            <a:pPr marL="0" indent="0">
-              <a:buNone/>
-            </a:pPr>
-            <a:endParaRPr lang="en-US" sz="2000" dirty="0" smtClean="0">
-              <a:latin typeface="Courier"/>
-              <a:cs typeface="Courier"/>
-            </a:endParaRPr>
-          </a:p>
-          <a:p>
-            <a:pPr marL="0" indent="0">
-              <a:buNone/>
-            </a:pPr>
-            <a:r>
-              <a:rPr lang="en-US" sz="2000" dirty="0" smtClean="0">
-                <a:latin typeface="Courier"/>
-                <a:cs typeface="Courier"/>
-              </a:rPr>
-              <a:t>#</a:t>
-            </a:r>
-            <a:r>
-              <a:rPr lang="en-US" sz="2000" dirty="0">
-                <a:latin typeface="Courier"/>
-                <a:cs typeface="Courier"/>
-              </a:rPr>
-              <a:t>## sorted, indexed BAM</a:t>
-            </a:r>
-          </a:p>
-          <a:p>
-            <a:pPr marL="0" indent="0">
-              <a:buNone/>
-            </a:pPr>
-            <a:r>
-              <a:rPr lang="en-US" sz="2000" dirty="0" err="1" smtClean="0">
-                <a:latin typeface="Courier"/>
-                <a:cs typeface="Courier"/>
-              </a:rPr>
-              <a:t>samtools</a:t>
-            </a:r>
-            <a:r>
-              <a:rPr lang="en-US" sz="2000" dirty="0" smtClean="0">
-                <a:latin typeface="Courier"/>
-                <a:cs typeface="Courier"/>
-              </a:rPr>
-              <a:t> </a:t>
-            </a:r>
-            <a:r>
-              <a:rPr lang="en-US" sz="2000" dirty="0">
-                <a:latin typeface="Courier"/>
-                <a:cs typeface="Courier"/>
-              </a:rPr>
-              <a:t>view -</a:t>
-            </a:r>
-            <a:r>
-              <a:rPr lang="en-US" sz="2000" dirty="0" err="1">
-                <a:latin typeface="Courier"/>
-                <a:cs typeface="Courier"/>
-              </a:rPr>
-              <a:t>bS</a:t>
-            </a:r>
-            <a:r>
-              <a:rPr lang="en-US" sz="2000" dirty="0">
-                <a:latin typeface="Courier"/>
-                <a:cs typeface="Courier"/>
-              </a:rPr>
-              <a:t> $</a:t>
-            </a:r>
-            <a:r>
-              <a:rPr lang="en-US" sz="2000" dirty="0" err="1">
-                <a:latin typeface="Courier"/>
-                <a:cs typeface="Courier"/>
-              </a:rPr>
-              <a:t>out.sam</a:t>
-            </a:r>
-            <a:r>
-              <a:rPr lang="en-US" sz="2000" dirty="0">
-                <a:latin typeface="Courier"/>
-                <a:cs typeface="Courier"/>
-              </a:rPr>
-              <a:t> -o $</a:t>
-            </a:r>
-            <a:r>
-              <a:rPr lang="en-US" sz="2000" dirty="0" err="1">
-                <a:latin typeface="Courier"/>
-                <a:cs typeface="Courier"/>
-              </a:rPr>
-              <a:t>out.tmp</a:t>
-            </a:r>
-            <a:endParaRPr lang="en-US" sz="2000" dirty="0">
-              <a:latin typeface="Courier"/>
-              <a:cs typeface="Courier"/>
-            </a:endParaRPr>
-          </a:p>
-          <a:p>
-            <a:pPr marL="0" indent="0">
-              <a:buNone/>
-            </a:pPr>
-            <a:r>
-              <a:rPr lang="en-US" sz="2000" dirty="0" err="1" smtClean="0">
-                <a:latin typeface="Courier"/>
-                <a:cs typeface="Courier"/>
-              </a:rPr>
-              <a:t>samtools</a:t>
-            </a:r>
-            <a:r>
-              <a:rPr lang="en-US" sz="2000" dirty="0" smtClean="0">
-                <a:latin typeface="Courier"/>
-                <a:cs typeface="Courier"/>
-              </a:rPr>
-              <a:t> </a:t>
-            </a:r>
-            <a:r>
-              <a:rPr lang="en-US" sz="2000" dirty="0">
-                <a:latin typeface="Courier"/>
-                <a:cs typeface="Courier"/>
-              </a:rPr>
-              <a:t>sort $</a:t>
-            </a:r>
-            <a:r>
-              <a:rPr lang="en-US" sz="2000" dirty="0" err="1">
-                <a:latin typeface="Courier"/>
-                <a:cs typeface="Courier"/>
-              </a:rPr>
-              <a:t>out.tmp</a:t>
-            </a:r>
-            <a:r>
-              <a:rPr lang="en-US" sz="2000" dirty="0">
-                <a:latin typeface="Courier"/>
-                <a:cs typeface="Courier"/>
-              </a:rPr>
-              <a:t> $out</a:t>
-            </a:r>
-          </a:p>
-          <a:p>
-            <a:pPr marL="0" indent="0">
-              <a:buNone/>
-            </a:pPr>
-            <a:r>
-              <a:rPr lang="en-US" sz="2000" dirty="0" err="1" smtClean="0">
-                <a:latin typeface="Courier"/>
-                <a:cs typeface="Courier"/>
-              </a:rPr>
-              <a:t>samtools</a:t>
-            </a:r>
-            <a:r>
-              <a:rPr lang="en-US" sz="2000" dirty="0" smtClean="0">
-                <a:latin typeface="Courier"/>
-                <a:cs typeface="Courier"/>
-              </a:rPr>
-              <a:t> </a:t>
-            </a:r>
-            <a:r>
-              <a:rPr lang="en-US" sz="2000" dirty="0">
-                <a:latin typeface="Courier"/>
-                <a:cs typeface="Courier"/>
-              </a:rPr>
-              <a:t>index $</a:t>
-            </a:r>
-            <a:r>
-              <a:rPr lang="en-US" sz="2000" dirty="0" err="1" smtClean="0">
-                <a:latin typeface="Courier"/>
-                <a:cs typeface="Courier"/>
-              </a:rPr>
-              <a:t>out.bam</a:t>
-            </a:r>
-            <a:endParaRPr lang="en-US" sz="2000" dirty="0">
-              <a:latin typeface="Courier"/>
-              <a:cs typeface="Courier"/>
-            </a:endParaRPr>
-          </a:p>
-        </p:txBody>
-      </p:sp>
-      <p:sp>
-        <p:nvSpPr>
-          <p:cNvPr id="4" name="TextBox 3"/>
-          <p:cNvSpPr txBox="1"/>
-          <p:nvPr/>
-        </p:nvSpPr>
-        <p:spPr>
-          <a:xfrm>
-            <a:off x="239208" y="967911"/>
-            <a:ext cx="3595330" cy="523220"/>
-          </a:xfrm>
-          <a:prstGeom prst="rect">
-            <a:avLst/>
-          </a:prstGeom>
-          <a:noFill/>
-        </p:spPr>
-        <p:txBody>
-          <a:bodyPr wrap="none" rtlCol="0">
-            <a:spAutoFit/>
-          </a:bodyPr>
-          <a:lstStyle/>
-          <a:p>
-            <a:r>
-              <a:rPr lang="en-US" sz="2800" dirty="0" smtClean="0">
-                <a:solidFill>
-                  <a:srgbClr val="FF0000"/>
-                </a:solidFill>
-              </a:rPr>
-              <a:t>@directory: </a:t>
-            </a:r>
-            <a:r>
-              <a:rPr lang="en-US" sz="2800" dirty="0" err="1" smtClean="0">
-                <a:solidFill>
-                  <a:srgbClr val="FF0000"/>
-                </a:solidFill>
-              </a:rPr>
-              <a:t>ref_guided</a:t>
-            </a:r>
-            <a:endParaRPr lang="en-US" sz="2800" dirty="0">
-              <a:solidFill>
-                <a:srgbClr val="FF0000"/>
-              </a:solidFill>
-            </a:endParaRPr>
+            <a:endParaRPr lang="en-US" sz="3200" dirty="0"/>
           </a:p>
         </p:txBody>
       </p:sp>
     </p:spTree>
     <p:extLst>
       <p:ext uri="{BB962C8B-B14F-4D97-AF65-F5344CB8AC3E}">
-        <p14:creationId xmlns:p14="http://schemas.microsoft.com/office/powerpoint/2010/main" val="1882354872"/>
+        <p14:creationId xmlns:p14="http://schemas.microsoft.com/office/powerpoint/2010/main" val="1271655136"/>
       </p:ext>
     </p:extLst>
   </p:cSld>
@@ -4337,7 +3827,7 @@
           <a:p>
             <a:r>
               <a:rPr lang="en-US" dirty="0" smtClean="0"/>
-              <a:t>reference-guided assembly</a:t>
+              <a:t>Index the reference genome for alignments</a:t>
             </a:r>
             <a:endParaRPr lang="en-US" dirty="0"/>
           </a:p>
@@ -4355,8 +3845,8 @@
         </p:nvSpPr>
         <p:spPr>
           <a:xfrm>
-            <a:off x="457200" y="3786930"/>
-            <a:ext cx="8229600" cy="1409124"/>
+            <a:off x="126294" y="1835324"/>
+            <a:ext cx="8947536" cy="2968267"/>
           </a:xfrm>
         </p:spPr>
         <p:txBody>
@@ -4369,99 +3859,169 @@
               <a:buNone/>
             </a:pPr>
             <a:r>
-              <a:rPr lang="en-US" dirty="0">
-                <a:latin typeface="Courier"/>
-                <a:cs typeface="Courier"/>
-              </a:rPr>
-              <a:t> Trinity --</a:t>
-            </a:r>
-            <a:r>
-              <a:rPr lang="en-US" dirty="0" err="1">
-                <a:latin typeface="Courier"/>
-                <a:cs typeface="Courier"/>
-              </a:rPr>
-              <a:t>genome_guided_bam</a:t>
-            </a:r>
-            <a:r>
-              <a:rPr lang="en-US" dirty="0">
+              <a:rPr lang="en-US" sz="2000" dirty="0" smtClean="0">
+                <a:latin typeface="Courier"/>
+                <a:cs typeface="Courier"/>
+              </a:rPr>
+              <a:t>### make a link</a:t>
+            </a:r>
+          </a:p>
+          <a:p>
+            <a:pPr marL="0" indent="0">
+              <a:buNone/>
+            </a:pPr>
+            <a:r>
+              <a:rPr lang="en-US" sz="2000" dirty="0" err="1" smtClean="0">
+                <a:latin typeface="Courier"/>
+                <a:cs typeface="Courier"/>
+              </a:rPr>
+              <a:t>ln</a:t>
+            </a:r>
+            <a:r>
+              <a:rPr lang="en-US" sz="2000" dirty="0" smtClean="0">
+                <a:latin typeface="Courier"/>
+                <a:cs typeface="Courier"/>
+              </a:rPr>
+              <a:t> -s </a:t>
+            </a:r>
+            <a:r>
+              <a:rPr lang="en-US" sz="2000" dirty="0">
+                <a:solidFill>
+                  <a:srgbClr val="7F7F7F"/>
+                </a:solidFill>
+                <a:latin typeface="Courier"/>
+                <a:cs typeface="Courier"/>
+              </a:rPr>
+              <a:t>/homes/liu3zhen/teaching/BA17/Lab11_RNAassembly/ref/</a:t>
+            </a:r>
+            <a:r>
+              <a:rPr lang="en-US" sz="2000" dirty="0" err="1" smtClean="0">
+                <a:solidFill>
+                  <a:srgbClr val="7F7F7F"/>
+                </a:solidFill>
+                <a:latin typeface="Courier"/>
+                <a:cs typeface="Courier"/>
+              </a:rPr>
+              <a:t>SC_reference.fa</a:t>
+            </a:r>
+            <a:r>
+              <a:rPr lang="en-US" sz="2000" dirty="0" smtClean="0">
+                <a:solidFill>
+                  <a:srgbClr val="7F7F7F"/>
+                </a:solidFill>
                 <a:latin typeface="Courier"/>
                 <a:cs typeface="Courier"/>
               </a:rPr>
               <a:t> </a:t>
             </a:r>
             <a:r>
-              <a:rPr lang="en-US" dirty="0" err="1" smtClean="0">
-                <a:latin typeface="Courier"/>
-                <a:cs typeface="Courier"/>
-              </a:rPr>
-              <a:t>aln.bam</a:t>
-            </a:r>
-            <a:r>
-              <a:rPr lang="en-US" dirty="0" smtClean="0">
-                <a:latin typeface="Courier"/>
-                <a:cs typeface="Courier"/>
-              </a:rPr>
-              <a:t> </a:t>
-            </a:r>
-            <a:r>
-              <a:rPr lang="en-US" dirty="0">
-                <a:latin typeface="Courier"/>
-                <a:cs typeface="Courier"/>
-              </a:rPr>
-              <a:t>\</a:t>
-            </a:r>
+              <a:rPr lang="en-US" sz="2000" dirty="0" err="1" smtClean="0">
+                <a:latin typeface="Courier"/>
+                <a:cs typeface="Courier"/>
+              </a:rPr>
+              <a:t>ref.fas</a:t>
+            </a:r>
+            <a:endParaRPr lang="en-US" sz="2000" dirty="0" smtClean="0">
+              <a:latin typeface="Courier"/>
+              <a:cs typeface="Courier"/>
+            </a:endParaRPr>
           </a:p>
           <a:p>
             <a:pPr marL="0" indent="0">
               <a:buNone/>
             </a:pPr>
-            <a:r>
-              <a:rPr lang="en-US" dirty="0">
-                <a:latin typeface="Courier"/>
-                <a:cs typeface="Courier"/>
-              </a:rPr>
-              <a:t>         --</a:t>
-            </a:r>
-            <a:r>
-              <a:rPr lang="en-US" dirty="0" err="1">
-                <a:latin typeface="Courier"/>
-                <a:cs typeface="Courier"/>
-              </a:rPr>
-              <a:t>genome_guided_max_intron</a:t>
-            </a:r>
-            <a:r>
-              <a:rPr lang="en-US" dirty="0">
-                <a:latin typeface="Courier"/>
-                <a:cs typeface="Courier"/>
-              </a:rPr>
-              <a:t> 10000 \</a:t>
-            </a:r>
+            <a:endParaRPr lang="en-US" sz="2000" dirty="0" smtClean="0">
+              <a:latin typeface="Courier"/>
+              <a:cs typeface="Courier"/>
+            </a:endParaRPr>
           </a:p>
           <a:p>
             <a:pPr marL="0" indent="0">
               <a:buNone/>
             </a:pPr>
             <a:r>
-              <a:rPr lang="en-US" dirty="0">
-                <a:latin typeface="Courier"/>
-                <a:cs typeface="Courier"/>
-              </a:rPr>
-              <a:t>         --</a:t>
-            </a:r>
-            <a:r>
-              <a:rPr lang="en-US" dirty="0" err="1">
-                <a:latin typeface="Courier"/>
-                <a:cs typeface="Courier"/>
-              </a:rPr>
-              <a:t>max_memory</a:t>
-            </a:r>
-            <a:r>
-              <a:rPr lang="en-US" dirty="0">
-                <a:latin typeface="Courier"/>
-                <a:cs typeface="Courier"/>
-              </a:rPr>
-              <a:t> 10G --CPU 10 </a:t>
-            </a:r>
+              <a:rPr lang="en-US" sz="2000" dirty="0">
+                <a:latin typeface="Courier"/>
+                <a:cs typeface="Courier"/>
+              </a:rPr>
+              <a:t>### index reference </a:t>
+            </a:r>
+            <a:r>
+              <a:rPr lang="en-US" sz="2000" dirty="0" smtClean="0">
+                <a:latin typeface="Courier"/>
+                <a:cs typeface="Courier"/>
+              </a:rPr>
+              <a:t>genome</a:t>
+            </a:r>
+            <a:endParaRPr lang="en-US" sz="2000" dirty="0">
+              <a:latin typeface="Courier"/>
+              <a:cs typeface="Courier"/>
+            </a:endParaRPr>
+          </a:p>
+          <a:p>
+            <a:pPr marL="0" indent="0">
+              <a:buNone/>
+            </a:pPr>
+            <a:r>
+              <a:rPr lang="en-US" sz="2000" dirty="0">
+                <a:latin typeface="Courier"/>
+                <a:cs typeface="Courier"/>
+              </a:rPr>
+              <a:t>/homes/liu3zhen/software/bin/</a:t>
+            </a:r>
+            <a:r>
+              <a:rPr lang="en-US" sz="2000" dirty="0" err="1" smtClean="0">
+                <a:latin typeface="Courier"/>
+                <a:cs typeface="Courier"/>
+              </a:rPr>
+              <a:t>gmap_buildgmap_build</a:t>
+            </a:r>
+            <a:r>
+              <a:rPr lang="en-US" sz="2000" dirty="0" smtClean="0">
+                <a:latin typeface="Courier"/>
+                <a:cs typeface="Courier"/>
+              </a:rPr>
+              <a:t> \</a:t>
+            </a:r>
+          </a:p>
+          <a:p>
+            <a:pPr marL="0" indent="0">
+              <a:buNone/>
+            </a:pPr>
+            <a:r>
+              <a:rPr lang="en-US" sz="2000" dirty="0" smtClean="0">
+                <a:latin typeface="Courier"/>
+                <a:cs typeface="Courier"/>
+              </a:rPr>
+              <a:t>  -</a:t>
+            </a:r>
+            <a:r>
+              <a:rPr lang="en-US" sz="2000" dirty="0">
+                <a:latin typeface="Courier"/>
+                <a:cs typeface="Courier"/>
+              </a:rPr>
+              <a:t>D . -d ref </a:t>
+            </a:r>
+            <a:r>
+              <a:rPr lang="en-US" sz="2000" dirty="0" err="1" smtClean="0">
+                <a:latin typeface="Courier"/>
+                <a:cs typeface="Courier"/>
+              </a:rPr>
+              <a:t>ref.fas</a:t>
+            </a:r>
+            <a:endParaRPr lang="en-US" sz="2000" dirty="0" smtClean="0">
+              <a:latin typeface="Courier"/>
+              <a:cs typeface="Courier"/>
+            </a:endParaRPr>
+          </a:p>
+          <a:p>
+            <a:pPr marL="0" indent="0">
+              <a:buNone/>
+            </a:pPr>
+            <a:endParaRPr lang="en-US" sz="2000" dirty="0">
+              <a:latin typeface="Courier"/>
+              <a:cs typeface="Courier"/>
+            </a:endParaRPr>
           </a:p>
         </p:txBody>
       </p:sp>
@@ -4473,8 +4033,8 @@
         </p:nvSpPr>
         <p:spPr>
           <a:xfrm>
-            <a:off x="644769" y="6058251"/>
-            <a:ext cx="6558206" cy="276999"/>
+            <a:off x="2325076" y="5385005"/>
+            <a:ext cx="4457070" cy="523220"/>
           </a:xfrm>
           <a:prstGeom prst="rect">
             <a:avLst/>
@@ -4488,124 +4048,14 @@
           <a:lstStyle/>
           <a:p>
             <a:r>
-              <a:rPr lang="en-US" sz="1200" dirty="0"/>
-              <a:t>https://</a:t>
-            </a:r>
-            <a:r>
-              <a:rPr lang="en-US" sz="1200" dirty="0" err="1"/>
-              <a:t>github.com</a:t>
-            </a:r>
-            <a:r>
-              <a:rPr lang="en-US" sz="1200" dirty="0"/>
-              <a:t>/</a:t>
-            </a:r>
-            <a:r>
-              <a:rPr lang="en-US" sz="1200" dirty="0" err="1"/>
-              <a:t>trinityrnaseq</a:t>
-            </a:r>
-            <a:r>
-              <a:rPr lang="en-US" sz="1200" dirty="0"/>
-              <a:t>/</a:t>
-            </a:r>
-            <a:r>
-              <a:rPr lang="en-US" sz="1200" dirty="0" err="1"/>
-              <a:t>trinityrnaseq</a:t>
-            </a:r>
-            <a:r>
-              <a:rPr lang="en-US" sz="1200" dirty="0"/>
-              <a:t>/wiki/Genome-Guided-Trinity-</a:t>
-            </a:r>
-            <a:r>
-              <a:rPr lang="en-US" sz="1200" dirty="0" err="1"/>
-              <a:t>Transcriptome</a:t>
-            </a:r>
-            <a:r>
-              <a:rPr lang="en-US" sz="1200" dirty="0"/>
-              <a:t>-Assembly</a:t>
-            </a:r>
-          </a:p>
-        </p:txBody>
-      </p:sp>
-      <p:sp>
-        <p:nvSpPr>
-          <p:cNvPr id="5" name="TextBox 4"/>
-          <p:cNvSpPr txBox="1"/>
-          <p:nvPr/>
-        </p:nvSpPr>
-        <p:spPr>
-          <a:xfrm>
-            <a:off x="457200" y="1362758"/>
-            <a:ext cx="8412813" cy="1200328"/>
-          </a:xfrm>
-          <a:prstGeom prst="rect">
-            <a:avLst/>
-          </a:prstGeom>
-          <a:noFill/>
-        </p:spPr>
-        <p:txBody>
-          <a:bodyPr wrap="square" rtlCol="0">
-            <a:spAutoFit/>
-          </a:bodyPr>
-          <a:lstStyle/>
-          <a:p>
-            <a:r>
-              <a:rPr lang="en-US" sz="2400" dirty="0" smtClean="0"/>
-              <a:t>Trinity </a:t>
-            </a:r>
-            <a:r>
-              <a:rPr lang="en-US" sz="2400" dirty="0"/>
-              <a:t>offers a method whereby reads are first aligned to the genome, partitioned according to locus, followed by de novo </a:t>
-            </a:r>
-            <a:r>
-              <a:rPr lang="en-US" sz="2400" dirty="0" err="1"/>
-              <a:t>transcriptome</a:t>
-            </a:r>
-            <a:r>
-              <a:rPr lang="en-US" sz="2400" dirty="0"/>
-              <a:t> assembly at each locus.</a:t>
-            </a:r>
-          </a:p>
-        </p:txBody>
-      </p:sp>
-      <p:sp>
-        <p:nvSpPr>
-          <p:cNvPr id="6" name="TextBox 5"/>
-          <p:cNvSpPr txBox="1"/>
-          <p:nvPr/>
-        </p:nvSpPr>
-        <p:spPr>
-          <a:xfrm>
-            <a:off x="457200" y="3028983"/>
-            <a:ext cx="4569806" cy="646331"/>
-          </a:xfrm>
-          <a:prstGeom prst="rect">
-            <a:avLst/>
-          </a:prstGeom>
-          <a:noFill/>
-        </p:spPr>
-        <p:txBody>
-          <a:bodyPr wrap="none" rtlCol="0">
-            <a:spAutoFit/>
-          </a:bodyPr>
-          <a:lstStyle/>
-          <a:p>
-            <a:r>
-              <a:rPr lang="en-US" sz="3600" dirty="0" smtClean="0">
+              <a:rPr lang="en-US" sz="2800" dirty="0" smtClean="0">
                 <a:solidFill>
                   <a:srgbClr val="FF0000"/>
                 </a:solidFill>
               </a:rPr>
-              <a:t>@directory: </a:t>
-            </a:r>
-            <a:r>
-              <a:rPr lang="en-US" sz="3600" dirty="0" err="1" smtClean="0">
-                <a:solidFill>
-                  <a:srgbClr val="FF0000"/>
-                </a:solidFill>
-              </a:rPr>
-              <a:t>ref_guided</a:t>
-            </a:r>
-            <a:endParaRPr lang="en-US" sz="3600" dirty="0">
+              <a:t>skip due to long running time</a:t>
+            </a:r>
+            <a:endParaRPr lang="en-US" sz="2800" dirty="0">
               <a:solidFill>
                 <a:srgbClr val="FF0000"/>
               </a:solidFill>
@@ -4616,7 +4066,7 @@
     </p:spTree>
     <p:extLst>
       <p:ext uri="{BB962C8B-B14F-4D97-AF65-F5344CB8AC3E}">
-        <p14:creationId xmlns:p14="http://schemas.microsoft.com/office/powerpoint/2010/main" val="1693968744"/>
+        <p14:creationId xmlns:p14="http://schemas.microsoft.com/office/powerpoint/2010/main" val="2762056711"/>
       </p:ext>
     </p:extLst>
   </p:cSld>
@@ -4667,7 +4117,27 @@
           <a:p>
             <a:r>
               <a:rPr lang="en-US" dirty="0" smtClean="0"/>
-              <a:t>reinstall Perl</a:t>
+              <a:t>GSNAP to align </a:t>
+            </a:r>
+            <a:r>
+              <a:rPr lang="en-US" b="1" dirty="0">
+                <a:solidFill>
+                  <a:srgbClr val="FF0000"/>
+                </a:solidFill>
+              </a:rPr>
+              <a:t>P</a:t>
+            </a:r>
+            <a:r>
+              <a:rPr lang="en-US" b="1" dirty="0" smtClean="0">
+                <a:solidFill>
+                  <a:srgbClr val="FF0000"/>
+                </a:solidFill>
+              </a:rPr>
+              <a:t>E</a:t>
+            </a:r>
+            <a:r>
+              <a:rPr lang="en-US" dirty="0" smtClean="0"/>
+              <a:t> reads to the reference genome</a:t>
             </a:r>
             <a:endParaRPr lang="en-US" dirty="0"/>
           </a:p>
@@ -4685,216 +4155,926 @@
         </p:nvSpPr>
         <p:spPr>
           <a:xfrm>
-            <a:off x="457200" y="1384876"/>
-            <a:ext cx="8229600" cy="3787347"/>
+            <a:off x="101233" y="1497010"/>
+            <a:ext cx="8981864" cy="5146067"/>
           </a:xfrm>
+          <a:solidFill>
+            <a:srgbClr val="DBEEF4"/>
+          </a:solidFill>
         </p:spPr>
         <p:txBody>
-          <a:bodyPr/>
+          <a:bodyPr>
+            <a:noAutofit/>
+          </a:bodyPr>
           <a:lstStyle/>
           <a:p>
             <a:pPr marL="0" indent="0">
               <a:buNone/>
             </a:pPr>
             <a:r>
-              <a:rPr lang="en-US" dirty="0"/>
-              <a:t>curl -L http://</a:t>
-            </a:r>
-            <a:r>
-              <a:rPr lang="en-US" dirty="0" err="1"/>
-              <a:t>install.perlbrew.pl</a:t>
-            </a:r>
-            <a:r>
-              <a:rPr lang="en-US" dirty="0"/>
-              <a:t> | bash</a:t>
-            </a:r>
+              <a:rPr lang="en-US" sz="2000" dirty="0" err="1">
+                <a:latin typeface="Courier"/>
+                <a:cs typeface="Courier"/>
+              </a:rPr>
+              <a:t>refpath</a:t>
+            </a:r>
+            <a:r>
+              <a:rPr lang="en-US" sz="2000" dirty="0" smtClean="0">
+                <a:latin typeface="Courier"/>
+                <a:cs typeface="Courier"/>
+              </a:rPr>
+              <a:t>=</a:t>
+            </a:r>
+            <a:r>
+              <a:rPr lang="en-US" sz="1400" dirty="0">
+                <a:latin typeface="Courier"/>
+                <a:cs typeface="Courier"/>
+              </a:rPr>
+              <a:t>/homes/liu3zhen/teaching/BA17/Lab11_RNAassembly/ref</a:t>
+            </a:r>
+            <a:endParaRPr lang="en-US" sz="1400" dirty="0" smtClean="0">
+              <a:latin typeface="Courier"/>
+              <a:cs typeface="Courier"/>
+            </a:endParaRPr>
           </a:p>
           <a:p>
             <a:pPr marL="0" indent="0">
               <a:buNone/>
             </a:pPr>
             <a:r>
-              <a:rPr lang="en-US" dirty="0"/>
-              <a:t>#Make sure that ~/.</a:t>
-            </a:r>
-            <a:r>
-              <a:rPr lang="en-US" dirty="0" err="1"/>
-              <a:t>bash_profile</a:t>
-            </a:r>
-            <a:r>
-              <a:rPr lang="en-US" dirty="0"/>
-              <a:t> exists</a:t>
-            </a:r>
+              <a:rPr lang="en-US" sz="2000" dirty="0" err="1" smtClean="0">
+                <a:latin typeface="Courier"/>
+                <a:cs typeface="Courier"/>
+              </a:rPr>
+              <a:t>db</a:t>
+            </a:r>
+            <a:r>
+              <a:rPr lang="en-US" sz="2000" dirty="0" smtClean="0">
+                <a:latin typeface="Courier"/>
+                <a:cs typeface="Courier"/>
+              </a:rPr>
+              <a:t>=ref</a:t>
+            </a:r>
+            <a:endParaRPr lang="en-US" sz="2000" dirty="0">
+              <a:latin typeface="Courier"/>
+              <a:cs typeface="Courier"/>
+            </a:endParaRPr>
           </a:p>
           <a:p>
             <a:pPr marL="0" indent="0">
               <a:buNone/>
             </a:pPr>
             <a:r>
-              <a:rPr lang="en-US" dirty="0"/>
-              <a:t>if [ ! -f ~/.</a:t>
-            </a:r>
-            <a:r>
-              <a:rPr lang="en-US" dirty="0" err="1"/>
-              <a:t>bash_profile</a:t>
-            </a:r>
-            <a:r>
-              <a:rPr lang="en-US" dirty="0"/>
-              <a:t> ]; then </a:t>
-            </a:r>
-            <a:r>
-              <a:rPr lang="en-US" dirty="0" err="1"/>
-              <a:t>cp</a:t>
-            </a:r>
-            <a:r>
-              <a:rPr lang="en-US" dirty="0"/>
-              <a:t> /</a:t>
-            </a:r>
-            <a:r>
-              <a:rPr lang="en-US" dirty="0" err="1"/>
-              <a:t>etc</a:t>
-            </a:r>
-            <a:r>
-              <a:rPr lang="en-US" dirty="0"/>
+              <a:rPr lang="en-US" sz="2000" dirty="0">
+                <a:latin typeface="Courier"/>
+                <a:cs typeface="Courier"/>
+              </a:rPr>
+              <a:t>fq1</a:t>
+            </a:r>
+            <a:r>
+              <a:rPr lang="en-US" sz="2000" dirty="0" smtClean="0">
+                <a:latin typeface="Courier"/>
+                <a:cs typeface="Courier"/>
+              </a:rPr>
+              <a:t>=../</a:t>
+            </a:r>
+            <a:r>
+              <a:rPr lang="en-US" sz="2000" dirty="0" err="1" smtClean="0">
+                <a:latin typeface="Courier"/>
+                <a:cs typeface="Courier"/>
+              </a:rPr>
+              <a:t>denovo</a:t>
+            </a:r>
+            <a:r>
+              <a:rPr lang="en-US" sz="2000" dirty="0" smtClean="0">
+                <a:latin typeface="Courier"/>
+                <a:cs typeface="Courier"/>
+              </a:rPr>
+              <a:t>/read1.fq</a:t>
+            </a:r>
+            <a:endParaRPr lang="en-US" sz="2000" dirty="0">
+              <a:latin typeface="Courier"/>
+              <a:cs typeface="Courier"/>
+            </a:endParaRPr>
+          </a:p>
+          <a:p>
+            <a:pPr marL="0" indent="0">
+              <a:buNone/>
+            </a:pPr>
+            <a:r>
+              <a:rPr lang="en-US" sz="2000" dirty="0">
+                <a:latin typeface="Courier"/>
+                <a:cs typeface="Courier"/>
+              </a:rPr>
+              <a:t>fq2=../</a:t>
+            </a:r>
+            <a:r>
+              <a:rPr lang="en-US" sz="2000" dirty="0" err="1">
+                <a:latin typeface="Courier"/>
+                <a:cs typeface="Courier"/>
+              </a:rPr>
+              <a:t>denovo</a:t>
+            </a:r>
+            <a:r>
+              <a:rPr lang="en-US" sz="2000" dirty="0">
+                <a:latin typeface="Courier"/>
+                <a:cs typeface="Courier"/>
+              </a:rPr>
+              <a:t>/read2</a:t>
+            </a:r>
+            <a:r>
+              <a:rPr lang="en-US" sz="2000" dirty="0" smtClean="0">
+                <a:latin typeface="Courier"/>
+                <a:cs typeface="Courier"/>
+              </a:rPr>
+              <a:t>.fq</a:t>
+            </a:r>
+            <a:endParaRPr lang="en-US" sz="2000" dirty="0">
+              <a:latin typeface="Courier"/>
+              <a:cs typeface="Courier"/>
+            </a:endParaRPr>
+          </a:p>
+          <a:p>
+            <a:pPr marL="0" indent="0">
+              <a:buNone/>
+            </a:pPr>
+            <a:r>
+              <a:rPr lang="en-US" sz="2000" dirty="0">
+                <a:latin typeface="Courier"/>
+                <a:cs typeface="Courier"/>
+              </a:rPr>
+              <a:t>out</a:t>
+            </a:r>
+            <a:r>
+              <a:rPr lang="en-US" sz="2000" dirty="0" smtClean="0">
+                <a:latin typeface="Courier"/>
+                <a:cs typeface="Courier"/>
+              </a:rPr>
+              <a:t>=</a:t>
+            </a:r>
+            <a:r>
+              <a:rPr lang="en-US" sz="2000" dirty="0" err="1" smtClean="0">
+                <a:latin typeface="Courier"/>
+                <a:cs typeface="Courier"/>
+              </a:rPr>
+              <a:t>aln</a:t>
+            </a:r>
+            <a:endParaRPr lang="en-US" sz="2000" dirty="0" smtClean="0">
+              <a:latin typeface="Courier"/>
+              <a:cs typeface="Courier"/>
+            </a:endParaRPr>
+          </a:p>
+          <a:p>
+            <a:pPr marL="0" indent="0">
+              <a:buNone/>
+            </a:pPr>
+            <a:endParaRPr lang="en-US" sz="2000" dirty="0" smtClean="0">
+              <a:latin typeface="Courier"/>
+              <a:cs typeface="Courier"/>
+            </a:endParaRPr>
+          </a:p>
+          <a:p>
+            <a:pPr marL="0" indent="0">
+              <a:buNone/>
+            </a:pPr>
+            <a:r>
+              <a:rPr lang="en-US" sz="2000" dirty="0" smtClean="0">
+                <a:latin typeface="Courier"/>
+                <a:cs typeface="Courier"/>
+              </a:rPr>
+              <a:t>### alignment</a:t>
+            </a:r>
+            <a:endParaRPr lang="en-US" sz="2000" dirty="0">
+              <a:latin typeface="Courier"/>
+              <a:cs typeface="Courier"/>
+            </a:endParaRPr>
+          </a:p>
+          <a:p>
+            <a:pPr marL="0" indent="0">
+              <a:buNone/>
+            </a:pPr>
+            <a:r>
+              <a:rPr lang="en-US" sz="2000" dirty="0">
+                <a:latin typeface="Courier"/>
+                <a:cs typeface="Courier"/>
+              </a:rPr>
+              <a:t>/homes/liu3zhen/software/bin</a:t>
+            </a:r>
+            <a:r>
+              <a:rPr lang="en-US" sz="2000" dirty="0" smtClean="0">
+                <a:latin typeface="Courier"/>
+                <a:cs typeface="Courier"/>
+              </a:rPr>
               <a:t>/</a:t>
             </a:r>
             <a:r>
-              <a:rPr lang="en-US" dirty="0" err="1"/>
-              <a:t>skel</a:t>
-            </a:r>
-            <a:r>
-              <a:rPr lang="en-US" dirty="0"/>
-              <a:t>/.</a:t>
-            </a:r>
-            <a:r>
-              <a:rPr lang="en-US" dirty="0" err="1"/>
-              <a:t>bash_profile</a:t>
-            </a:r>
-            <a:r>
-              <a:rPr lang="en-US" dirty="0"/>
+              <a:rPr lang="en-US" sz="2000" dirty="0" err="1" smtClean="0">
+                <a:latin typeface="Courier"/>
+                <a:cs typeface="Courier"/>
+              </a:rPr>
+              <a:t>gsnap</a:t>
+            </a:r>
+            <a:r>
+              <a:rPr lang="en-US" sz="2000" dirty="0" smtClean="0">
+                <a:latin typeface="Courier"/>
+                <a:cs typeface="Courier"/>
+              </a:rPr>
               <a:t> </a:t>
             </a:r>
-            <a:endParaRPr lang="en-US" dirty="0" smtClean="0"/>
+            <a:r>
+              <a:rPr lang="en-US" sz="2000" dirty="0">
+                <a:latin typeface="Courier"/>
+                <a:cs typeface="Courier"/>
+              </a:rPr>
+              <a:t>-D $</a:t>
+            </a:r>
+            <a:r>
+              <a:rPr lang="en-US" sz="2000" dirty="0" err="1">
+                <a:latin typeface="Courier"/>
+                <a:cs typeface="Courier"/>
+              </a:rPr>
+              <a:t>refpath</a:t>
+            </a:r>
+            <a:r>
+              <a:rPr lang="en-US" sz="2000" dirty="0">
+                <a:latin typeface="Courier"/>
+                <a:cs typeface="Courier"/>
+              </a:rPr>
+              <a:t> -d $</a:t>
+            </a:r>
+            <a:r>
+              <a:rPr lang="en-US" sz="2000" dirty="0" err="1" smtClean="0">
+                <a:latin typeface="Courier"/>
+                <a:cs typeface="Courier"/>
+              </a:rPr>
+              <a:t>db</a:t>
+            </a:r>
+            <a:r>
+              <a:rPr lang="en-US" sz="2000" dirty="0">
+                <a:latin typeface="Courier"/>
+                <a:cs typeface="Courier"/>
+              </a:rPr>
+              <a:t> </a:t>
+            </a:r>
+            <a:r>
+              <a:rPr lang="en-US" sz="2000" dirty="0" smtClean="0">
+                <a:latin typeface="Courier"/>
+                <a:cs typeface="Courier"/>
+              </a:rPr>
+              <a:t>\</a:t>
+            </a:r>
           </a:p>
           <a:p>
             <a:pPr marL="0" indent="0">
               <a:buNone/>
             </a:pPr>
             <a:r>
-              <a:rPr lang="en-US" dirty="0" smtClean="0"/>
-              <a:t>~</a:t>
-            </a:r>
-            <a:r>
-              <a:rPr lang="en-US" dirty="0"/>
-              <a:t>/.</a:t>
-            </a:r>
-            <a:r>
-              <a:rPr lang="en-US" dirty="0" err="1"/>
-              <a:t>bash_profile</a:t>
-            </a:r>
-            <a:r>
-              <a:rPr lang="en-US" dirty="0"/>
-              <a:t>; fi</a:t>
-            </a:r>
+              <a:rPr lang="en-US" sz="2000" dirty="0" smtClean="0">
+                <a:latin typeface="Courier"/>
+                <a:cs typeface="Courier"/>
+              </a:rPr>
+              <a:t>-</a:t>
+            </a:r>
+            <a:r>
+              <a:rPr lang="en-US" sz="2000" dirty="0">
+                <a:latin typeface="Courier"/>
+                <a:cs typeface="Courier"/>
+              </a:rPr>
+              <a:t>B 2 -N 1 -</a:t>
+            </a:r>
+            <a:r>
+              <a:rPr lang="en-US" sz="2000" dirty="0" err="1">
+                <a:latin typeface="Courier"/>
+                <a:cs typeface="Courier"/>
+              </a:rPr>
+              <a:t>i</a:t>
+            </a:r>
+            <a:r>
+              <a:rPr lang="en-US" sz="2000" dirty="0">
+                <a:latin typeface="Courier"/>
+                <a:cs typeface="Courier"/>
+              </a:rPr>
+              <a:t> 2 -n 3 -t 4 </a:t>
+            </a:r>
+            <a:r>
+              <a:rPr lang="en-US" sz="2000" dirty="0" smtClean="0">
+                <a:latin typeface="Courier"/>
+                <a:cs typeface="Courier"/>
+              </a:rPr>
+              <a:t>-</a:t>
+            </a:r>
+            <a:r>
+              <a:rPr lang="en-US" sz="2000" dirty="0">
+                <a:latin typeface="Courier"/>
+                <a:cs typeface="Courier"/>
+              </a:rPr>
+              <a:t>-format=</a:t>
+            </a:r>
+            <a:r>
+              <a:rPr lang="en-US" sz="2000" dirty="0" err="1">
+                <a:latin typeface="Courier"/>
+                <a:cs typeface="Courier"/>
+              </a:rPr>
+              <a:t>sam</a:t>
+            </a:r>
+            <a:r>
+              <a:rPr lang="en-US" sz="2000" dirty="0">
+                <a:latin typeface="Courier"/>
+                <a:cs typeface="Courier"/>
+              </a:rPr>
+              <a:t> $fq1 $fq2 </a:t>
+            </a:r>
+            <a:r>
+              <a:rPr lang="en-US" sz="2000" dirty="0" smtClean="0">
+                <a:latin typeface="Courier"/>
+                <a:cs typeface="Courier"/>
+              </a:rPr>
+              <a:t>&gt;</a:t>
+            </a:r>
+            <a:r>
+              <a:rPr lang="en-US" sz="2000" dirty="0">
+                <a:latin typeface="Courier"/>
+                <a:cs typeface="Courier"/>
+              </a:rPr>
+              <a:t>$</a:t>
+            </a:r>
+            <a:r>
+              <a:rPr lang="en-US" sz="2000" dirty="0" err="1">
+                <a:latin typeface="Courier"/>
+                <a:cs typeface="Courier"/>
+              </a:rPr>
+              <a:t>out.sam</a:t>
+            </a:r>
+            <a:endParaRPr lang="en-US" sz="2000" dirty="0">
+              <a:latin typeface="Courier"/>
+              <a:cs typeface="Courier"/>
+            </a:endParaRPr>
           </a:p>
           <a:p>
             <a:pPr marL="0" indent="0">
               <a:buNone/>
             </a:pPr>
-            <a:r>
-              <a:rPr lang="en-US" dirty="0"/>
-              <a:t>echo "source ~/perl5/</a:t>
-            </a:r>
-            <a:r>
-              <a:rPr lang="en-US" dirty="0" err="1"/>
-              <a:t>perlbrew</a:t>
-            </a:r>
-            <a:r>
-              <a:rPr lang="en-US" dirty="0"/>
-              <a:t>/</a:t>
-            </a:r>
-            <a:r>
-              <a:rPr lang="en-US" dirty="0" err="1"/>
-              <a:t>etc</a:t>
-            </a:r>
-            <a:r>
-              <a:rPr lang="en-US" dirty="0"/>
-              <a:t>/</a:t>
-            </a:r>
-            <a:r>
-              <a:rPr lang="en-US" dirty="0" err="1"/>
-              <a:t>bashrc</a:t>
-            </a:r>
-            <a:r>
-              <a:rPr lang="en-US" dirty="0"/>
-              <a:t>" &gt;&gt; ~/.</a:t>
-            </a:r>
-            <a:r>
-              <a:rPr lang="en-US" dirty="0" err="1"/>
-              <a:t>bash_profile</a:t>
-            </a:r>
-            <a:endParaRPr lang="en-US" dirty="0"/>
+            <a:endParaRPr lang="en-US" sz="2000" dirty="0" smtClean="0">
+              <a:latin typeface="Courier"/>
+              <a:cs typeface="Courier"/>
+            </a:endParaRPr>
           </a:p>
           <a:p>
             <a:pPr marL="0" indent="0">
               <a:buNone/>
             </a:pPr>
             <a:r>
-              <a:rPr lang="en-US" dirty="0"/>
-              <a:t>source ~/.</a:t>
-            </a:r>
-            <a:r>
-              <a:rPr lang="en-US" dirty="0" err="1"/>
-              <a:t>bash_profile</a:t>
-            </a:r>
-            <a:endParaRPr lang="en-US" dirty="0"/>
+              <a:rPr lang="en-US" sz="2000" dirty="0" smtClean="0">
+                <a:latin typeface="Courier"/>
+                <a:cs typeface="Courier"/>
+              </a:rPr>
+              <a:t>#</a:t>
+            </a:r>
+            <a:r>
+              <a:rPr lang="en-US" sz="2000" dirty="0">
+                <a:latin typeface="Courier"/>
+                <a:cs typeface="Courier"/>
+              </a:rPr>
+              <a:t>## sorted, indexed BAM</a:t>
+            </a:r>
           </a:p>
           <a:p>
             <a:pPr marL="0" indent="0">
               <a:buNone/>
             </a:pPr>
             <a:r>
-              <a:rPr lang="en-US" dirty="0" err="1"/>
-              <a:t>perlbrew</a:t>
-            </a:r>
-            <a:r>
-              <a:rPr lang="en-US" dirty="0"/>
-              <a:t> install -f -n -D </a:t>
-            </a:r>
-            <a:r>
-              <a:rPr lang="en-US" dirty="0" err="1"/>
-              <a:t>usethreads</a:t>
-            </a:r>
-            <a:r>
-              <a:rPr lang="en-US" dirty="0"/>
-              <a:t> perl-5.22.3</a:t>
-            </a:r>
+              <a:rPr lang="en-US" sz="2000" dirty="0" err="1" smtClean="0">
+                <a:latin typeface="Courier"/>
+                <a:cs typeface="Courier"/>
+              </a:rPr>
+              <a:t>samtools</a:t>
+            </a:r>
+            <a:r>
+              <a:rPr lang="en-US" sz="2000" dirty="0" smtClean="0">
+                <a:latin typeface="Courier"/>
+                <a:cs typeface="Courier"/>
+              </a:rPr>
+              <a:t> </a:t>
+            </a:r>
+            <a:r>
+              <a:rPr lang="en-US" sz="2000" dirty="0">
+                <a:latin typeface="Courier"/>
+                <a:cs typeface="Courier"/>
+              </a:rPr>
+              <a:t>view -</a:t>
+            </a:r>
+            <a:r>
+              <a:rPr lang="en-US" sz="2000" dirty="0" err="1">
+                <a:latin typeface="Courier"/>
+                <a:cs typeface="Courier"/>
+              </a:rPr>
+              <a:t>bS</a:t>
+            </a:r>
+            <a:r>
+              <a:rPr lang="en-US" sz="2000" dirty="0">
+                <a:latin typeface="Courier"/>
+                <a:cs typeface="Courier"/>
+              </a:rPr>
+              <a:t> $</a:t>
+            </a:r>
+            <a:r>
+              <a:rPr lang="en-US" sz="2000" dirty="0" err="1">
+                <a:latin typeface="Courier"/>
+                <a:cs typeface="Courier"/>
+              </a:rPr>
+              <a:t>out.sam</a:t>
+            </a:r>
+            <a:r>
+              <a:rPr lang="en-US" sz="2000" dirty="0">
+                <a:latin typeface="Courier"/>
+                <a:cs typeface="Courier"/>
+              </a:rPr>
+              <a:t> -o $</a:t>
+            </a:r>
+            <a:r>
+              <a:rPr lang="en-US" sz="2000" dirty="0" err="1">
+                <a:latin typeface="Courier"/>
+                <a:cs typeface="Courier"/>
+              </a:rPr>
+              <a:t>out.tmp</a:t>
+            </a:r>
+            <a:endParaRPr lang="en-US" sz="2000" dirty="0">
+              <a:latin typeface="Courier"/>
+              <a:cs typeface="Courier"/>
+            </a:endParaRPr>
           </a:p>
           <a:p>
             <a:pPr marL="0" indent="0">
               <a:buNone/>
             </a:pPr>
             <a:r>
-              <a:rPr lang="en-US" dirty="0" err="1"/>
-              <a:t>perlbrew</a:t>
-            </a:r>
-            <a:r>
-              <a:rPr lang="en-US" dirty="0"/>
-              <a:t> switch perl-5.22.3</a:t>
-            </a:r>
+              <a:rPr lang="en-US" sz="2000" dirty="0" err="1" smtClean="0">
+                <a:latin typeface="Courier"/>
+                <a:cs typeface="Courier"/>
+              </a:rPr>
+              <a:t>samtools</a:t>
+            </a:r>
+            <a:r>
+              <a:rPr lang="en-US" sz="2000" dirty="0" smtClean="0">
+                <a:latin typeface="Courier"/>
+                <a:cs typeface="Courier"/>
+              </a:rPr>
+              <a:t> </a:t>
+            </a:r>
+            <a:r>
+              <a:rPr lang="en-US" sz="2000" dirty="0">
+                <a:latin typeface="Courier"/>
+                <a:cs typeface="Courier"/>
+              </a:rPr>
+              <a:t>sort $</a:t>
+            </a:r>
+            <a:r>
+              <a:rPr lang="en-US" sz="2000" dirty="0" err="1">
+                <a:latin typeface="Courier"/>
+                <a:cs typeface="Courier"/>
+              </a:rPr>
+              <a:t>out.tmp</a:t>
+            </a:r>
+            <a:r>
+              <a:rPr lang="en-US" sz="2000" dirty="0">
+                <a:latin typeface="Courier"/>
+                <a:cs typeface="Courier"/>
+              </a:rPr>
+              <a:t> $out</a:t>
+            </a:r>
+          </a:p>
+          <a:p>
+            <a:pPr marL="0" indent="0">
+              <a:buNone/>
+            </a:pPr>
+            <a:r>
+              <a:rPr lang="en-US" sz="2000" dirty="0" err="1" smtClean="0">
+                <a:latin typeface="Courier"/>
+                <a:cs typeface="Courier"/>
+              </a:rPr>
+              <a:t>samtools</a:t>
+            </a:r>
+            <a:r>
+              <a:rPr lang="en-US" sz="2000" dirty="0" smtClean="0">
+                <a:latin typeface="Courier"/>
+                <a:cs typeface="Courier"/>
+              </a:rPr>
+              <a:t> </a:t>
+            </a:r>
+            <a:r>
+              <a:rPr lang="en-US" sz="2000" dirty="0">
+                <a:latin typeface="Courier"/>
+                <a:cs typeface="Courier"/>
+              </a:rPr>
+              <a:t>index $</a:t>
+            </a:r>
+            <a:r>
+              <a:rPr lang="en-US" sz="2000" dirty="0" err="1" smtClean="0">
+                <a:latin typeface="Courier"/>
+                <a:cs typeface="Courier"/>
+              </a:rPr>
+              <a:t>out.bam</a:t>
+            </a:r>
+            <a:endParaRPr lang="en-US" sz="2000" dirty="0">
+              <a:latin typeface="Courier"/>
+              <a:cs typeface="Courier"/>
+            </a:endParaRPr>
+          </a:p>
+        </p:txBody>
+      </p:sp>
+      <p:sp>
+        <p:nvSpPr>
+          <p:cNvPr id="4" name="TextBox 3"/>
+          <p:cNvSpPr txBox="1"/>
+          <p:nvPr/>
+        </p:nvSpPr>
+        <p:spPr>
+          <a:xfrm>
+            <a:off x="239208" y="967911"/>
+            <a:ext cx="3595330" cy="523220"/>
+          </a:xfrm>
+          <a:prstGeom prst="rect">
+            <a:avLst/>
+          </a:prstGeom>
+          <a:noFill/>
+        </p:spPr>
+        <p:txBody>
+          <a:bodyPr wrap="none" rtlCol="0">
+            <a:spAutoFit/>
+          </a:bodyPr>
+          <a:lstStyle/>
+          <a:p>
+            <a:r>
+              <a:rPr lang="en-US" sz="2800" dirty="0" smtClean="0">
+                <a:solidFill>
+                  <a:srgbClr val="FF0000"/>
+                </a:solidFill>
+              </a:rPr>
+              <a:t>@directory: </a:t>
+            </a:r>
+            <a:r>
+              <a:rPr lang="en-US" sz="2800" dirty="0" err="1" smtClean="0">
+                <a:solidFill>
+                  <a:srgbClr val="FF0000"/>
+                </a:solidFill>
+              </a:rPr>
+              <a:t>ref_guided</a:t>
+            </a:r>
+            <a:endParaRPr lang="en-US" sz="2800" dirty="0">
+              <a:solidFill>
+                <a:srgbClr val="FF0000"/>
+              </a:solidFill>
+            </a:endParaRPr>
           </a:p>
         </p:txBody>
       </p:sp>
     </p:spTree>
     <p:extLst>
       <p:ext uri="{BB962C8B-B14F-4D97-AF65-F5344CB8AC3E}">
-        <p14:creationId xmlns:p14="http://schemas.microsoft.com/office/powerpoint/2010/main" val="1596813395"/>
+        <p14:creationId xmlns:p14="http://schemas.microsoft.com/office/powerpoint/2010/main" val="1882354872"/>
       </p:ext>
     </p:extLst>
   </p:cSld>
   <p:clrMapOvr>
     <a:masterClrMapping/>
   </p:clrMapOvr>
+  <p:timing>
+    <p:tnLst>
+      <p:par>
+        <p:cTn xmlns:p14="http://schemas.microsoft.com/office/powerpoint/2010/main" id="1" dur="indefinite" restart="never" nodeType="tmRoot"/>
+      </p:par>
+    </p:tnLst>
+  </p:timing>
+</p:sld>
+</file>
+
+<file path=ppt/slides/slide13.xml><?xml version="1.0" encoding="utf-8"?>
+<p:sld xmlns:a="http://schemas.openxmlformats.org/drawingml/2006/main" xmlns:r="http://schemas.openxmlformats.org/officeDocument/2006/relationships" xmlns:p="http://schemas.openxmlformats.org/presentationml/2006/main">
+  <p:cSld>
+    <p:spTree>
+      <p:nvGrpSpPr>
+        <p:cNvPr id="1" name=""/>
+        <p:cNvGrpSpPr/>
+        <p:nvPr/>
+      </p:nvGrpSpPr>
+      <p:grpSpPr>
+        <a:xfrm>
+          <a:off x="0" y="0"/>
+          <a:ext cx="0" cy="0"/>
+          <a:chOff x="0" y="0"/>
+          <a:chExt cx="0" cy="0"/>
+        </a:xfrm>
+      </p:grpSpPr>
+      <p:sp>
+        <p:nvSpPr>
+          <p:cNvPr id="2" name="Title 1"/>
+          <p:cNvSpPr>
+            <a:spLocks noGrp="1"/>
+          </p:cNvSpPr>
+          <p:nvPr>
+            <p:ph type="title"/>
+          </p:nvPr>
+        </p:nvSpPr>
+        <p:spPr/>
+        <p:txBody>
+          <a:bodyPr/>
+          <a:lstStyle/>
+          <a:p>
+            <a:r>
+              <a:rPr lang="en-US" dirty="0" smtClean="0"/>
+              <a:t>reference-guided assembly</a:t>
+            </a:r>
+            <a:endParaRPr lang="en-US" dirty="0"/>
+          </a:p>
+        </p:txBody>
+      </p:sp>
+      <p:sp>
+        <p:nvSpPr>
+          <p:cNvPr id="3" name="Content Placeholder 2"/>
+          <p:cNvSpPr>
+            <a:spLocks noGrp="1"/>
+          </p:cNvSpPr>
+          <p:nvPr>
+            <p:ph idx="1"/>
+          </p:nvPr>
+        </p:nvSpPr>
+        <p:spPr>
+          <a:xfrm>
+            <a:off x="457200" y="3786930"/>
+            <a:ext cx="8229600" cy="1409124"/>
+          </a:xfrm>
+        </p:spPr>
+        <p:txBody>
+          <a:bodyPr>
+            <a:normAutofit/>
+          </a:bodyPr>
+          <a:lstStyle/>
+          <a:p>
+            <a:pPr marL="0" indent="0">
+              <a:buNone/>
+            </a:pPr>
+            <a:r>
+              <a:rPr lang="en-US" dirty="0">
+                <a:latin typeface="Courier"/>
+                <a:cs typeface="Courier"/>
+              </a:rPr>
+              <a:t> Trinity --</a:t>
+            </a:r>
+            <a:r>
+              <a:rPr lang="en-US" dirty="0" err="1">
+                <a:latin typeface="Courier"/>
+                <a:cs typeface="Courier"/>
+              </a:rPr>
+              <a:t>genome_guided_bam</a:t>
+            </a:r>
+            <a:r>
+              <a:rPr lang="en-US" dirty="0">
+                <a:latin typeface="Courier"/>
+                <a:cs typeface="Courier"/>
+              </a:rPr>
+              <a:t> </a:t>
+            </a:r>
+            <a:r>
+              <a:rPr lang="en-US" dirty="0" err="1" smtClean="0">
+                <a:latin typeface="Courier"/>
+                <a:cs typeface="Courier"/>
+              </a:rPr>
+              <a:t>aln.bam</a:t>
+            </a:r>
+            <a:r>
+              <a:rPr lang="en-US" dirty="0" smtClean="0">
+                <a:latin typeface="Courier"/>
+                <a:cs typeface="Courier"/>
+              </a:rPr>
+              <a:t> </a:t>
+            </a:r>
+            <a:r>
+              <a:rPr lang="en-US" dirty="0">
+                <a:latin typeface="Courier"/>
+                <a:cs typeface="Courier"/>
+              </a:rPr>
+              <a:t>\</a:t>
+            </a:r>
+          </a:p>
+          <a:p>
+            <a:pPr marL="0" indent="0">
+              <a:buNone/>
+            </a:pPr>
+            <a:r>
+              <a:rPr lang="en-US" dirty="0">
+                <a:latin typeface="Courier"/>
+                <a:cs typeface="Courier"/>
+              </a:rPr>
+              <a:t>         --</a:t>
+            </a:r>
+            <a:r>
+              <a:rPr lang="en-US" dirty="0" err="1">
+                <a:latin typeface="Courier"/>
+                <a:cs typeface="Courier"/>
+              </a:rPr>
+              <a:t>genome_guided_max_intron</a:t>
+            </a:r>
+            <a:r>
+              <a:rPr lang="en-US" dirty="0">
+                <a:latin typeface="Courier"/>
+                <a:cs typeface="Courier"/>
+              </a:rPr>
+              <a:t> 10000 \</a:t>
+            </a:r>
+          </a:p>
+          <a:p>
+            <a:pPr marL="0" indent="0">
+              <a:buNone/>
+            </a:pPr>
+            <a:r>
+              <a:rPr lang="en-US" dirty="0">
+                <a:latin typeface="Courier"/>
+                <a:cs typeface="Courier"/>
+              </a:rPr>
+              <a:t>         --</a:t>
+            </a:r>
+            <a:r>
+              <a:rPr lang="en-US" dirty="0" err="1">
+                <a:latin typeface="Courier"/>
+                <a:cs typeface="Courier"/>
+              </a:rPr>
+              <a:t>max_memory</a:t>
+            </a:r>
+            <a:r>
+              <a:rPr lang="en-US" dirty="0">
+                <a:latin typeface="Courier"/>
+                <a:cs typeface="Courier"/>
+              </a:rPr>
+              <a:t> 10G --CPU 10 </a:t>
+            </a:r>
+          </a:p>
+        </p:txBody>
+      </p:sp>
+      <p:sp>
+        <p:nvSpPr>
+          <p:cNvPr id="4" name="TextBox 3"/>
+          <p:cNvSpPr txBox="1"/>
+          <p:nvPr/>
+        </p:nvSpPr>
+        <p:spPr>
+          <a:xfrm>
+            <a:off x="644769" y="6058251"/>
+            <a:ext cx="6558206" cy="276999"/>
+          </a:xfrm>
+          <a:prstGeom prst="rect">
+            <a:avLst/>
+          </a:prstGeom>
+          <a:noFill/>
+        </p:spPr>
+        <p:txBody>
+          <a:bodyPr wrap="none" rtlCol="0">
+            <a:spAutoFit/>
+          </a:bodyPr>
+          <a:lstStyle/>
+          <a:p>
+            <a:r>
+              <a:rPr lang="en-US" sz="1200" dirty="0"/>
+              <a:t>https://</a:t>
+            </a:r>
+            <a:r>
+              <a:rPr lang="en-US" sz="1200" dirty="0" err="1"/>
+              <a:t>github.com</a:t>
+            </a:r>
+            <a:r>
+              <a:rPr lang="en-US" sz="1200" dirty="0"/>
+              <a:t>/</a:t>
+            </a:r>
+            <a:r>
+              <a:rPr lang="en-US" sz="1200" dirty="0" err="1"/>
+              <a:t>trinityrnaseq</a:t>
+            </a:r>
+            <a:r>
+              <a:rPr lang="en-US" sz="1200" dirty="0"/>
+              <a:t>/</a:t>
+            </a:r>
+            <a:r>
+              <a:rPr lang="en-US" sz="1200" dirty="0" err="1"/>
+              <a:t>trinityrnaseq</a:t>
+            </a:r>
+            <a:r>
+              <a:rPr lang="en-US" sz="1200" dirty="0"/>
+              <a:t>/wiki/Genome-Guided-Trinity-</a:t>
+            </a:r>
+            <a:r>
+              <a:rPr lang="en-US" sz="1200" dirty="0" err="1"/>
+              <a:t>Transcriptome</a:t>
+            </a:r>
+            <a:r>
+              <a:rPr lang="en-US" sz="1200" dirty="0"/>
+              <a:t>-Assembly</a:t>
+            </a:r>
+          </a:p>
+        </p:txBody>
+      </p:sp>
+      <p:sp>
+        <p:nvSpPr>
+          <p:cNvPr id="5" name="TextBox 4"/>
+          <p:cNvSpPr txBox="1"/>
+          <p:nvPr/>
+        </p:nvSpPr>
+        <p:spPr>
+          <a:xfrm>
+            <a:off x="457200" y="1362758"/>
+            <a:ext cx="8412813" cy="1200328"/>
+          </a:xfrm>
+          <a:prstGeom prst="rect">
+            <a:avLst/>
+          </a:prstGeom>
+          <a:noFill/>
+        </p:spPr>
+        <p:txBody>
+          <a:bodyPr wrap="square" rtlCol="0">
+            <a:spAutoFit/>
+          </a:bodyPr>
+          <a:lstStyle/>
+          <a:p>
+            <a:r>
+              <a:rPr lang="en-US" sz="2400" dirty="0" smtClean="0"/>
+              <a:t>Trinity </a:t>
+            </a:r>
+            <a:r>
+              <a:rPr lang="en-US" sz="2400" dirty="0"/>
+              <a:t>offers a method whereby reads are first aligned to the genome, partitioned according to locus, followed by de novo </a:t>
+            </a:r>
+            <a:r>
+              <a:rPr lang="en-US" sz="2400" dirty="0" err="1"/>
+              <a:t>transcriptome</a:t>
+            </a:r>
+            <a:r>
+              <a:rPr lang="en-US" sz="2400" dirty="0"/>
+              <a:t> assembly at each locus.</a:t>
+            </a:r>
+          </a:p>
+        </p:txBody>
+      </p:sp>
+      <p:sp>
+        <p:nvSpPr>
+          <p:cNvPr id="6" name="TextBox 5"/>
+          <p:cNvSpPr txBox="1"/>
+          <p:nvPr/>
+        </p:nvSpPr>
+        <p:spPr>
+          <a:xfrm>
+            <a:off x="457200" y="3028983"/>
+            <a:ext cx="4569806" cy="646331"/>
+          </a:xfrm>
+          <a:prstGeom prst="rect">
+            <a:avLst/>
+          </a:prstGeom>
+          <a:noFill/>
+        </p:spPr>
+        <p:txBody>
+          <a:bodyPr wrap="none" rtlCol="0">
+            <a:spAutoFit/>
+          </a:bodyPr>
+          <a:lstStyle/>
+          <a:p>
+            <a:r>
+              <a:rPr lang="en-US" sz="3600" dirty="0" smtClean="0">
+                <a:solidFill>
+                  <a:srgbClr val="FF0000"/>
+                </a:solidFill>
+              </a:rPr>
+              <a:t>@directory: </a:t>
+            </a:r>
+            <a:r>
+              <a:rPr lang="en-US" sz="3600" dirty="0" err="1" smtClean="0">
+                <a:solidFill>
+                  <a:srgbClr val="FF0000"/>
+                </a:solidFill>
+              </a:rPr>
+              <a:t>ref_guided</a:t>
+            </a:r>
+            <a:endParaRPr lang="en-US" sz="3600" dirty="0">
+              <a:solidFill>
+                <a:srgbClr val="FF0000"/>
+              </a:solidFill>
+            </a:endParaRPr>
+          </a:p>
+        </p:txBody>
+      </p:sp>
+    </p:spTree>
+    <p:extLst>
+      <p:ext uri="{BB962C8B-B14F-4D97-AF65-F5344CB8AC3E}">
+        <p14:creationId xmlns:p14="http://schemas.microsoft.com/office/powerpoint/2010/main" val="1693968744"/>
+      </p:ext>
+    </p:extLst>
+  </p:cSld>
+  <p:clrMapOvr>
+    <a:masterClrMapping/>
+  </p:clrMapOvr>
+  <p:timing>
+    <p:tnLst>
+      <p:par>
+        <p:cTn xmlns:p14="http://schemas.microsoft.com/office/powerpoint/2010/main" id="1" dur="indefinite" restart="never" nodeType="tmRoot"/>
+      </p:par>
+    </p:tnLst>
+  </p:timing>
 </p:sld>
 </file>
 
@@ -5189,7 +5369,7 @@
           <a:p>
             <a:r>
               <a:rPr lang="en-US" dirty="0" smtClean="0"/>
-              <a:t>Data</a:t>
+              <a:t>reinstall Perl</a:t>
             </a:r>
             <a:endParaRPr lang="en-US" dirty="0"/>
           </a:p>
@@ -5207,8 +5387,8 @@
         </p:nvSpPr>
         <p:spPr>
           <a:xfrm>
-            <a:off x="457200" y="2342261"/>
-            <a:ext cx="8229600" cy="3128508"/>
+            <a:off x="457200" y="1384876"/>
+            <a:ext cx="8229600" cy="3787347"/>
           </a:xfrm>
         </p:spPr>
         <p:txBody>
@@ -5219,8 +5399,104 @@
               <a:buNone/>
             </a:pPr>
             <a:r>
+              <a:rPr lang="en-US" dirty="0"/>
+              <a:t>curl -L http://</a:t>
+            </a:r>
+            <a:r>
+              <a:rPr lang="en-US" dirty="0" err="1"/>
+              <a:t>install.perlbrew.pl</a:t>
+            </a:r>
+            <a:r>
+              <a:rPr lang="en-US" dirty="0"/>
+              <a:t> | bash</a:t>
+            </a:r>
+          </a:p>
+          <a:p>
+            <a:pPr marL="0" indent="0">
+              <a:buNone/>
+            </a:pPr>
+            <a:r>
+              <a:rPr lang="en-US" dirty="0"/>
+              <a:t>#Make sure that ~/.</a:t>
+            </a:r>
+            <a:r>
+              <a:rPr lang="en-US" dirty="0" err="1"/>
+              <a:t>bash_profile</a:t>
+            </a:r>
+            <a:r>
+              <a:rPr lang="en-US" dirty="0"/>
+              <a:t> exists</a:t>
+            </a:r>
+          </a:p>
+          <a:p>
+            <a:pPr marL="0" indent="0">
+              <a:buNone/>
+            </a:pPr>
+            <a:r>
+              <a:rPr lang="en-US" dirty="0"/>
+              <a:t>if [ ! -f ~/.</a:t>
+            </a:r>
+            <a:r>
+              <a:rPr lang="en-US" dirty="0" err="1"/>
+              <a:t>bash_profile</a:t>
+            </a:r>
+            <a:r>
+              <a:rPr lang="en-US" dirty="0"/>
+              <a:t> ]; then </a:t>
+            </a:r>
+            <a:r>
+              <a:rPr lang="en-US" dirty="0" err="1"/>
+              <a:t>cp</a:t>
+            </a:r>
+            <a:r>
+              <a:rPr lang="en-US" dirty="0"/>
+              <a:t> /</a:t>
+            </a:r>
+            <a:r>
+              <a:rPr lang="en-US" dirty="0" err="1"/>
+              <a:t>etc</a:t>
+            </a:r>
+            <a:r>
+              <a:rPr lang="en-US" dirty="0"/>
+              <a:t>/</a:t>
+            </a:r>
+            <a:r>
+              <a:rPr lang="en-US" dirty="0" err="1"/>
+              <a:t>skel</a:t>
+            </a:r>
+            <a:r>
+              <a:rPr lang="en-US" dirty="0"/>
+              <a:t>/.</a:t>
+            </a:r>
+            <a:r>
+              <a:rPr lang="en-US" dirty="0" err="1"/>
+              <a:t>bash_profile</a:t>
+            </a:r>
+            <a:r>
+              <a:rPr lang="en-US" dirty="0"/>
+              <a:t> </a:t>
+            </a:r>
+            <a:endParaRPr lang="en-US" dirty="0" smtClean="0"/>
+          </a:p>
+          <a:p>
+            <a:pPr marL="0" indent="0">
+              <a:buNone/>
+            </a:pPr>
+            <a:r>
               <a:rPr lang="en-US" dirty="0" smtClean="0"/>
-              <a:t># make a soft links:</a:t>
+              <a:t>~</a:t>
+            </a:r>
+            <a:r>
+              <a:rPr lang="en-US" dirty="0"/>
+              <a:t>/.</a:t>
+            </a:r>
+            <a:r>
+              <a:rPr lang="en-US" dirty="0" err="1"/>
+              <a:t>bash_profile</a:t>
+            </a:r>
+            <a:r>
+              <a:rPr lang="en-US" dirty="0"/>
+              <a:t>; fi</a:t>
             </a:r>
           </a:p>
           <a:p>
@@ -5228,201 +5504,106 @@
               <a:buNone/>
             </a:pPr>
             <a:r>
-              <a:rPr lang="en-US" dirty="0" err="1" smtClean="0"/>
-              <a:t>ln</a:t>
-            </a:r>
-            <a:r>
-              <a:rPr lang="en-US" dirty="0" smtClean="0"/>
-              <a:t> –s </a:t>
-            </a:r>
-            <a:r>
-              <a:rPr lang="en-US" dirty="0">
-                <a:solidFill>
-                  <a:schemeClr val="bg1">
-                    <a:lumMod val="50000"/>
-                  </a:schemeClr>
-                </a:solidFill>
-              </a:rPr>
-              <a:t>/homes/liu3zhen/teaching/BA17/Lab11_RNAassembly/</a:t>
-            </a:r>
-            <a:r>
-              <a:rPr lang="en-US" dirty="0" smtClean="0">
-                <a:solidFill>
-                  <a:schemeClr val="bg1">
-                    <a:lumMod val="50000"/>
-                  </a:schemeClr>
-                </a:solidFill>
-              </a:rPr>
-              <a:t>trim/</a:t>
-            </a:r>
-            <a:r>
-              <a:rPr lang="tr-TR" dirty="0">
-                <a:solidFill>
-                  <a:schemeClr val="bg1">
-                    <a:lumMod val="50000"/>
-                  </a:schemeClr>
-                </a:solidFill>
-              </a:rPr>
-              <a:t>SRR3183780.R1.pair.fq</a:t>
-            </a:r>
-            <a:r>
-              <a:rPr lang="en-US" dirty="0" smtClean="0">
-                <a:solidFill>
-                  <a:schemeClr val="bg1">
-                    <a:lumMod val="50000"/>
-                  </a:schemeClr>
-                </a:solidFill>
-              </a:rPr>
-              <a:t> </a:t>
-            </a:r>
-            <a:r>
-              <a:rPr lang="en-US" dirty="0" smtClean="0"/>
-              <a:t>read1</a:t>
-            </a:r>
-            <a:r>
               <a:rPr lang="en-US" dirty="0"/>
-              <a:t>.fq</a:t>
-            </a:r>
+              <a:t>echo "source ~/perl5/</a:t>
+            </a:r>
+            <a:r>
+              <a:rPr lang="en-US" dirty="0" err="1"/>
+              <a:t>perlbrew</a:t>
+            </a:r>
+            <a:r>
+              <a:rPr lang="en-US" dirty="0"/>
+              <a:t>/</a:t>
+            </a:r>
+            <a:r>
+              <a:rPr lang="en-US" dirty="0" err="1"/>
+              <a:t>etc</a:t>
+            </a:r>
+            <a:r>
+              <a:rPr lang="en-US" dirty="0"/>
+              <a:t>/</a:t>
+            </a:r>
+            <a:r>
+              <a:rPr lang="en-US" dirty="0" err="1"/>
+              <a:t>bashrc</a:t>
+            </a:r>
+            <a:r>
+              <a:rPr lang="en-US" dirty="0"/>
+              <a:t>" &gt;&gt; ~/.</a:t>
+            </a:r>
+            <a:r>
+              <a:rPr lang="en-US" dirty="0" err="1"/>
+              <a:t>bash_profile</a:t>
+            </a:r>
+            <a:endParaRPr lang="en-US" dirty="0"/>
           </a:p>
           <a:p>
             <a:pPr marL="0" indent="0">
               <a:buNone/>
             </a:pPr>
-            <a:endParaRPr lang="en-US" dirty="0" smtClean="0"/>
+            <a:r>
+              <a:rPr lang="en-US" dirty="0"/>
+              <a:t>source ~/.</a:t>
+            </a:r>
+            <a:r>
+              <a:rPr lang="en-US" dirty="0" err="1"/>
+              <a:t>bash_profile</a:t>
+            </a:r>
+            <a:endParaRPr lang="en-US" dirty="0"/>
           </a:p>
           <a:p>
             <a:pPr marL="0" indent="0">
               <a:buNone/>
             </a:pPr>
             <a:r>
-              <a:rPr lang="en-US" dirty="0" err="1" smtClean="0"/>
-              <a:t>ln</a:t>
-            </a:r>
-            <a:r>
-              <a:rPr lang="en-US" dirty="0" smtClean="0"/>
-              <a:t> </a:t>
+              <a:rPr lang="en-US" dirty="0" err="1"/>
+              <a:t>perlbrew</a:t>
             </a:r>
             <a:r>
               <a:rPr lang="en-US" dirty="0"/>
-              <a:t>-s </a:t>
-            </a:r>
-            <a:r>
-              <a:rPr lang="en-US" dirty="0">
-                <a:solidFill>
-                  <a:schemeClr val="bg1">
-                    <a:lumMod val="50000"/>
-                  </a:schemeClr>
-                </a:solidFill>
-              </a:rPr>
-              <a:t>/homes/liu3zhen/teaching/BA17/Lab11_RNAassembly/trim/</a:t>
-            </a:r>
-            <a:r>
-              <a:rPr lang="tr-TR" dirty="0">
-                <a:solidFill>
-                  <a:schemeClr val="bg1">
-                    <a:lumMod val="50000"/>
-                  </a:schemeClr>
-                </a:solidFill>
-              </a:rPr>
-              <a:t>SRR3183780.</a:t>
-            </a:r>
-            <a:r>
-              <a:rPr lang="tr-TR" dirty="0" smtClean="0">
-                <a:solidFill>
-                  <a:schemeClr val="bg1">
-                    <a:lumMod val="50000"/>
-                  </a:schemeClr>
-                </a:solidFill>
-              </a:rPr>
-              <a:t>R2.</a:t>
-            </a:r>
-            <a:r>
-              <a:rPr lang="tr-TR" dirty="0">
-                <a:solidFill>
-                  <a:schemeClr val="bg1">
-                    <a:lumMod val="50000"/>
-                  </a:schemeClr>
-                </a:solidFill>
-              </a:rPr>
-              <a:t>pair.fq</a:t>
-            </a:r>
-            <a:r>
-              <a:rPr lang="en-US" dirty="0">
-                <a:solidFill>
-                  <a:schemeClr val="bg1">
-                    <a:lumMod val="50000"/>
-                  </a:schemeClr>
-                </a:solidFill>
-              </a:rPr>
-              <a:t> </a:t>
-            </a:r>
-            <a:r>
-              <a:rPr lang="en-US" dirty="0" smtClean="0"/>
-              <a:t>read2</a:t>
+              <a:t> install -f -n -D </a:t>
+            </a:r>
+            <a:r>
+              <a:rPr lang="en-US" dirty="0" err="1"/>
+              <a:t>usethreads</a:t>
             </a:r>
             <a:r>
               <a:rPr lang="en-US" dirty="0"/>
-              <a:t>.fq</a:t>
-            </a:r>
-          </a:p>
-        </p:txBody>
-      </p:sp>
-      <p:sp>
-        <p:nvSpPr>
-          <p:cNvPr id="4" name="TextBox 3"/>
-          <p:cNvSpPr txBox="1"/>
-          <p:nvPr/>
-        </p:nvSpPr>
-        <p:spPr>
-          <a:xfrm>
-            <a:off x="457200" y="1406769"/>
-            <a:ext cx="3937947" cy="646331"/>
-          </a:xfrm>
-          <a:prstGeom prst="rect">
-            <a:avLst/>
-          </a:prstGeom>
-          <a:noFill/>
-        </p:spPr>
-        <p:txBody>
-          <a:bodyPr wrap="none" rtlCol="0">
-            <a:spAutoFit/>
-          </a:bodyPr>
-          <a:lstStyle/>
-          <a:p>
-            <a:r>
-              <a:rPr lang="en-US" sz="3600" dirty="0" smtClean="0">
-                <a:solidFill>
-                  <a:srgbClr val="FF0000"/>
-                </a:solidFill>
-              </a:rPr>
-              <a:t>@directory: </a:t>
-            </a:r>
-            <a:r>
-              <a:rPr lang="en-US" sz="3600" dirty="0" err="1" smtClean="0">
-                <a:solidFill>
-                  <a:srgbClr val="FF0000"/>
-                </a:solidFill>
-              </a:rPr>
-              <a:t>denovo</a:t>
-            </a:r>
-            <a:endParaRPr lang="en-US" sz="3600" dirty="0">
-              <a:solidFill>
-                <a:srgbClr val="FF0000"/>
-              </a:solidFill>
-            </a:endParaRPr>
+              <a:t> perl-5.22.3</a:t>
+            </a:r>
+          </a:p>
+          <a:p>
+            <a:pPr marL="0" indent="0">
+              <a:buNone/>
+            </a:pPr>
+            <a:r>
+              <a:rPr lang="en-US" dirty="0" err="1"/>
+              <a:t>perlbrew</a:t>
+            </a:r>
+            <a:r>
+              <a:rPr lang="en-US" dirty="0"/>
+              <a:t> switch perl-5.22.3</a:t>
+            </a:r>
           </a:p>
         </p:txBody>
       </p:sp>
     </p:spTree>
     <p:extLst>
       <p:ext uri="{BB962C8B-B14F-4D97-AF65-F5344CB8AC3E}">
-        <p14:creationId xmlns:p14="http://schemas.microsoft.com/office/powerpoint/2010/main" val="4279123950"/>
+        <p14:creationId xmlns:p14="http://schemas.microsoft.com/office/powerpoint/2010/main" val="4188187713"/>
       </p:ext>
     </p:extLst>
   </p:cSld>
   <p:clrMapOvr>
     <a:masterClrMapping/>
   </p:clrMapOvr>
+  <p:timing>
+    <p:tnLst>
+      <p:par>
+        <p:cTn xmlns:p14="http://schemas.microsoft.com/office/powerpoint/2010/main" id="1" dur="indefinite" restart="never" nodeType="tmRoot"/>
+      </p:par>
+    </p:tnLst>
+  </p:timing>
 </p:sld>
 </file>
 
@@ -5460,15 +5641,7 @@
           <a:p>
             <a:r>
               <a:rPr lang="en-US" dirty="0" smtClean="0"/>
-              <a:t>Trinity de novo </a:t>
-            </a:r>
-            <a:r>
-              <a:rPr lang="en-US" dirty="0" err="1" smtClean="0"/>
-              <a:t>transcriptome</a:t>
-            </a:r>
-            <a:r>
-              <a:rPr lang="en-US" dirty="0" smtClean="0"/>
-              <a:t> assembly</a:t>
+              <a:t>Data</a:t>
             </a:r>
             <a:endParaRPr lang="en-US" dirty="0"/>
           </a:p>
@@ -5486,30 +5659,162 @@
         </p:nvSpPr>
         <p:spPr>
           <a:xfrm>
-            <a:off x="217100" y="1285316"/>
-            <a:ext cx="8781714" cy="503991"/>
+            <a:off x="457200" y="2342261"/>
+            <a:ext cx="8229600" cy="3128508"/>
           </a:xfrm>
         </p:spPr>
         <p:txBody>
-          <a:bodyPr>
-            <a:normAutofit/>
-          </a:bodyPr>
+          <a:bodyPr/>
           <a:lstStyle/>
           <a:p>
             <a:pPr marL="0" indent="0">
               <a:buNone/>
             </a:pPr>
             <a:r>
-              <a:rPr lang="en-US" sz="2000" dirty="0"/>
-              <a:t>PATH=$PATH</a:t>
-            </a:r>
-            <a:r>
-              <a:rPr lang="en-US" sz="2000" dirty="0" smtClean="0"/>
-              <a:t>:</a:t>
-            </a:r>
-            <a:r>
-              <a:rPr lang="en-US" sz="2000" dirty="0"/>
-              <a:t>/homes/liu3zhen/software/trinity/trinityrnaseq-Trinity-v2.4.0</a:t>
+              <a:rPr lang="en-US" dirty="0" smtClean="0"/>
+              <a:t># make a soft links:</a:t>
+            </a:r>
+          </a:p>
+          <a:p>
+            <a:pPr marL="0" indent="0">
+              <a:buNone/>
+            </a:pPr>
+            <a:r>
+              <a:rPr lang="en-US" dirty="0" err="1" smtClean="0"/>
+              <a:t>ln</a:t>
+            </a:r>
+            <a:r>
+              <a:rPr lang="en-US" dirty="0" smtClean="0"/>
+              <a:t> –s </a:t>
+            </a:r>
+            <a:r>
+              <a:rPr lang="en-US" dirty="0">
+                <a:solidFill>
+                  <a:schemeClr val="bg1">
+                    <a:lumMod val="50000"/>
+                  </a:schemeClr>
+                </a:solidFill>
+              </a:rPr>
+              <a:t>/homes/liu3zhen/teaching/BA17/Lab11_RNAassembly/</a:t>
+            </a:r>
+            <a:r>
+              <a:rPr lang="en-US" dirty="0" smtClean="0">
+                <a:solidFill>
+                  <a:schemeClr val="bg1">
+                    <a:lumMod val="50000"/>
+                  </a:schemeClr>
+                </a:solidFill>
+              </a:rPr>
+              <a:t>trim/</a:t>
+            </a:r>
+            <a:r>
+              <a:rPr lang="tr-TR" dirty="0">
+                <a:solidFill>
+                  <a:schemeClr val="bg1">
+                    <a:lumMod val="50000"/>
+                  </a:schemeClr>
+                </a:solidFill>
+              </a:rPr>
+              <a:t>SRR3183780.R1.pair.fq</a:t>
+            </a:r>
+            <a:r>
+              <a:rPr lang="en-US" dirty="0" smtClean="0">
+                <a:solidFill>
+                  <a:schemeClr val="bg1">
+                    <a:lumMod val="50000"/>
+                  </a:schemeClr>
+                </a:solidFill>
+              </a:rPr>
+              <a:t> </a:t>
+            </a:r>
+            <a:r>
+              <a:rPr lang="en-US" dirty="0" smtClean="0"/>
+              <a:t>read1</a:t>
+            </a:r>
+            <a:r>
+              <a:rPr lang="en-US" dirty="0"/>
+              <a:t>.fq</a:t>
+            </a:r>
+          </a:p>
+          <a:p>
+            <a:pPr marL="0" indent="0">
+              <a:buNone/>
+            </a:pPr>
+            <a:endParaRPr lang="en-US" dirty="0" smtClean="0"/>
+          </a:p>
+          <a:p>
+            <a:pPr marL="0" indent="0">
+              <a:buNone/>
+            </a:pPr>
+            <a:r>
+              <a:rPr lang="en-US" dirty="0" err="1" smtClean="0"/>
+              <a:t>ln</a:t>
+            </a:r>
+            <a:r>
+              <a:rPr lang="en-US" dirty="0" smtClean="0"/>
+              <a:t> </a:t>
+            </a:r>
+            <a:r>
+              <a:rPr lang="en-US" dirty="0"/>
+              <a:t>-s </a:t>
+            </a:r>
+            <a:r>
+              <a:rPr lang="en-US" dirty="0">
+                <a:solidFill>
+                  <a:schemeClr val="bg1">
+                    <a:lumMod val="50000"/>
+                  </a:schemeClr>
+                </a:solidFill>
+              </a:rPr>
+              <a:t>/homes/liu3zhen/teaching/BA17/Lab11_RNAassembly/trim/</a:t>
+            </a:r>
+            <a:r>
+              <a:rPr lang="tr-TR" dirty="0">
+                <a:solidFill>
+                  <a:schemeClr val="bg1">
+                    <a:lumMod val="50000"/>
+                  </a:schemeClr>
+                </a:solidFill>
+              </a:rPr>
+              <a:t>SRR3183780.</a:t>
+            </a:r>
+            <a:r>
+              <a:rPr lang="tr-TR" dirty="0" smtClean="0">
+                <a:solidFill>
+                  <a:schemeClr val="bg1">
+                    <a:lumMod val="50000"/>
+                  </a:schemeClr>
+                </a:solidFill>
+              </a:rPr>
+              <a:t>R2.</a:t>
+            </a:r>
+            <a:r>
+              <a:rPr lang="tr-TR" dirty="0">
+                <a:solidFill>
+                  <a:schemeClr val="bg1">
+                    <a:lumMod val="50000"/>
+                  </a:schemeClr>
+                </a:solidFill>
+              </a:rPr>
+              <a:t>pair.fq</a:t>
+            </a:r>
+            <a:r>
+              <a:rPr lang="en-US" dirty="0">
+                <a:solidFill>
+                  <a:schemeClr val="bg1">
+                    <a:lumMod val="50000"/>
+                  </a:schemeClr>
+                </a:solidFill>
+              </a:rPr>
+              <a:t> </a:t>
+            </a:r>
+            <a:r>
+              <a:rPr lang="en-US" dirty="0" smtClean="0"/>
+              <a:t>read2</a:t>
+            </a:r>
+            <a:r>
+              <a:rPr lang="en-US" dirty="0"/>
+              <a:t>.fq</a:t>
             </a:r>
           </a:p>
         </p:txBody>
@@ -5522,345 +5827,7 @@
         </p:nvSpPr>
         <p:spPr>
           <a:xfrm>
-            <a:off x="308950" y="3016825"/>
-            <a:ext cx="8611712" cy="3046988"/>
-          </a:xfrm>
-          <a:prstGeom prst="rect">
-            <a:avLst/>
-          </a:prstGeom>
-          <a:solidFill>
-            <a:schemeClr val="accent5">
-              <a:lumMod val="20000"/>
-              <a:lumOff val="80000"/>
-            </a:schemeClr>
-          </a:solidFill>
-        </p:spPr>
-        <p:txBody>
-          <a:bodyPr wrap="square" rtlCol="0">
-            <a:spAutoFit/>
-          </a:bodyPr>
-          <a:lstStyle/>
-          <a:p>
-            <a:r>
-              <a:rPr lang="en-US" sz="2400" dirty="0">
-                <a:latin typeface="Courier"/>
-                <a:cs typeface="Courier"/>
-              </a:rPr>
-              <a:t>#!/bin/bash</a:t>
-            </a:r>
-          </a:p>
-          <a:p>
-            <a:r>
-              <a:rPr lang="nl-NL" sz="2400" dirty="0">
-                <a:latin typeface="Courier"/>
-                <a:cs typeface="Courier"/>
-              </a:rPr>
-              <a:t>#$ -</a:t>
-            </a:r>
-            <a:r>
-              <a:rPr lang="nl-NL" sz="2400" dirty="0" err="1">
-                <a:latin typeface="Courier"/>
-                <a:cs typeface="Courier"/>
-              </a:rPr>
-              <a:t>cwd</a:t>
-            </a:r>
-            <a:endParaRPr lang="nl-NL" sz="2400" dirty="0">
-              <a:latin typeface="Courier"/>
-              <a:cs typeface="Courier"/>
-            </a:endParaRPr>
-          </a:p>
-          <a:p>
-            <a:r>
-              <a:rPr lang="nl-NL" sz="2400" dirty="0">
-                <a:latin typeface="Courier"/>
-                <a:cs typeface="Courier"/>
-              </a:rPr>
-              <a:t>#$ -l mem=4G,h_rt=12:00:00</a:t>
-            </a:r>
-          </a:p>
-          <a:p>
-            <a:r>
-              <a:rPr lang="en-US" sz="2400" dirty="0">
-                <a:latin typeface="Courier"/>
-                <a:cs typeface="Courier"/>
-              </a:rPr>
-              <a:t>#$ -</a:t>
-            </a:r>
-            <a:r>
-              <a:rPr lang="en-US" sz="2400" dirty="0" err="1">
-                <a:latin typeface="Courier"/>
-                <a:cs typeface="Courier"/>
-              </a:rPr>
-              <a:t>pe</a:t>
-            </a:r>
-            <a:r>
-              <a:rPr lang="en-US" sz="2400" dirty="0">
-                <a:latin typeface="Courier"/>
-                <a:cs typeface="Courier"/>
-              </a:rPr>
-              <a:t> single 4</a:t>
-            </a:r>
-          </a:p>
-          <a:p>
-            <a:r>
-              <a:rPr lang="es-ES_tradnl" sz="2400" dirty="0">
-                <a:latin typeface="Courier"/>
-                <a:cs typeface="Courier"/>
-              </a:rPr>
-              <a:t>#$ -j </a:t>
-            </a:r>
-            <a:r>
-              <a:rPr lang="es-ES_tradnl" sz="2400" dirty="0" smtClean="0">
-                <a:latin typeface="Courier"/>
-                <a:cs typeface="Courier"/>
-              </a:rPr>
-              <a:t>y</a:t>
-            </a:r>
-            <a:endParaRPr lang="es-ES_tradnl" sz="2400" dirty="0">
-              <a:latin typeface="Courier"/>
-              <a:cs typeface="Courier"/>
-            </a:endParaRPr>
-          </a:p>
-          <a:p>
-            <a:r>
-              <a:rPr lang="es-ES_tradnl" sz="2400" dirty="0" smtClean="0">
-                <a:latin typeface="Courier"/>
-                <a:cs typeface="Courier"/>
-              </a:rPr>
-              <a:t>Trinity </a:t>
-            </a:r>
-            <a:r>
-              <a:rPr lang="es-ES_tradnl" sz="2400" dirty="0">
-                <a:latin typeface="Courier"/>
-                <a:cs typeface="Courier"/>
-              </a:rPr>
-              <a:t>--</a:t>
-            </a:r>
-            <a:r>
-              <a:rPr lang="es-ES_tradnl" sz="2400" dirty="0" err="1">
-                <a:latin typeface="Courier"/>
-                <a:cs typeface="Courier"/>
-              </a:rPr>
-              <a:t>seqType</a:t>
-            </a:r>
-            <a:r>
-              <a:rPr lang="es-ES_tradnl" sz="2400" dirty="0">
-                <a:latin typeface="Courier"/>
-                <a:cs typeface="Courier"/>
-              </a:rPr>
-              <a:t> </a:t>
-            </a:r>
-            <a:r>
-              <a:rPr lang="es-ES_tradnl" sz="2400" dirty="0" err="1">
-                <a:latin typeface="Courier"/>
-                <a:cs typeface="Courier"/>
-              </a:rPr>
-              <a:t>fq</a:t>
-            </a:r>
-            <a:r>
-              <a:rPr lang="es-ES_tradnl" sz="2400" dirty="0">
-                <a:latin typeface="Courier"/>
-                <a:cs typeface="Courier"/>
-              </a:rPr>
-              <a:t> --</a:t>
-            </a:r>
-            <a:r>
-              <a:rPr lang="es-ES_tradnl" sz="2400" dirty="0" err="1">
-                <a:latin typeface="Courier"/>
-                <a:cs typeface="Courier"/>
-              </a:rPr>
-              <a:t>max_memory</a:t>
-            </a:r>
-            <a:r>
-              <a:rPr lang="es-ES_tradnl" sz="2400" dirty="0">
-                <a:latin typeface="Courier"/>
-                <a:cs typeface="Courier"/>
-              </a:rPr>
-              <a:t> </a:t>
-            </a:r>
-            <a:r>
-              <a:rPr lang="es-ES_tradnl" sz="2400" dirty="0" smtClean="0">
-                <a:latin typeface="Courier"/>
-                <a:cs typeface="Courier"/>
-              </a:rPr>
-              <a:t>16G –CPU 4 \</a:t>
-            </a:r>
-          </a:p>
-          <a:p>
-            <a:r>
-              <a:rPr lang="es-ES_tradnl" sz="2400" dirty="0">
-                <a:latin typeface="Courier"/>
-                <a:cs typeface="Courier"/>
-              </a:rPr>
-              <a:t>	</a:t>
-            </a:r>
-            <a:r>
-              <a:rPr lang="es-ES_tradnl" sz="2400" dirty="0" smtClean="0">
-                <a:latin typeface="Courier"/>
-                <a:cs typeface="Courier"/>
-              </a:rPr>
-              <a:t>-</a:t>
-            </a:r>
-            <a:r>
-              <a:rPr lang="es-ES_tradnl" sz="2400" dirty="0">
-                <a:latin typeface="Courier"/>
-                <a:cs typeface="Courier"/>
-              </a:rPr>
-              <a:t>-</a:t>
-            </a:r>
-            <a:r>
-              <a:rPr lang="es-ES_tradnl" sz="2400" dirty="0" err="1">
-                <a:latin typeface="Courier"/>
-                <a:cs typeface="Courier"/>
-              </a:rPr>
-              <a:t>left</a:t>
-            </a:r>
-            <a:r>
-              <a:rPr lang="es-ES_tradnl" sz="2400" dirty="0">
-                <a:latin typeface="Courier"/>
-                <a:cs typeface="Courier"/>
-              </a:rPr>
-              <a:t> read1.fq --</a:t>
-            </a:r>
-            <a:r>
-              <a:rPr lang="es-ES_tradnl" sz="2400" dirty="0" err="1">
-                <a:latin typeface="Courier"/>
-                <a:cs typeface="Courier"/>
-              </a:rPr>
-              <a:t>right</a:t>
-            </a:r>
-            <a:r>
-              <a:rPr lang="es-ES_tradnl" sz="2400" dirty="0">
-                <a:latin typeface="Courier"/>
-                <a:cs typeface="Courier"/>
-              </a:rPr>
-              <a:t> read2.fq </a:t>
-            </a:r>
-            <a:r>
-              <a:rPr lang="es-ES_tradnl" sz="2400" dirty="0" smtClean="0">
-                <a:latin typeface="Courier"/>
-                <a:cs typeface="Courier"/>
-              </a:rPr>
-              <a:t>\</a:t>
-            </a:r>
-          </a:p>
-          <a:p>
-            <a:r>
-              <a:rPr lang="es-ES_tradnl" sz="2400" dirty="0">
-                <a:latin typeface="Courier"/>
-                <a:cs typeface="Courier"/>
-              </a:rPr>
-              <a:t>	</a:t>
-            </a:r>
-            <a:r>
-              <a:rPr lang="es-ES_tradnl" sz="2400" dirty="0" smtClean="0">
-                <a:latin typeface="Courier"/>
-                <a:cs typeface="Courier"/>
-              </a:rPr>
-              <a:t>–</a:t>
-            </a:r>
-            <a:r>
-              <a:rPr lang="es-ES_tradnl" sz="2400" dirty="0">
-                <a:latin typeface="Courier"/>
-                <a:cs typeface="Courier"/>
-              </a:rPr>
-              <a:t>output </a:t>
-            </a:r>
-            <a:r>
-              <a:rPr lang="es-ES_tradnl" sz="2400" dirty="0" err="1">
-                <a:latin typeface="Courier"/>
-                <a:cs typeface="Courier"/>
-              </a:rPr>
-              <a:t>trinity_out</a:t>
-            </a:r>
-            <a:r>
-              <a:rPr lang="es-ES_tradnl" sz="2400" dirty="0">
-                <a:latin typeface="Courier"/>
-                <a:cs typeface="Courier"/>
-              </a:rPr>
-              <a:t> 1</a:t>
-            </a:r>
-            <a:r>
-              <a:rPr lang="es-ES_tradnl" sz="2400" dirty="0" smtClean="0">
-                <a:latin typeface="Courier"/>
-                <a:cs typeface="Courier"/>
-              </a:rPr>
-              <a:t>&gt;</a:t>
-            </a:r>
-            <a:r>
-              <a:rPr lang="es-ES_tradnl" sz="2400" dirty="0" err="1" smtClean="0">
-                <a:latin typeface="Courier"/>
-                <a:cs typeface="Courier"/>
-              </a:rPr>
-              <a:t>run.log</a:t>
-            </a:r>
-            <a:r>
-              <a:rPr lang="es-ES_tradnl" sz="2400" dirty="0" smtClean="0">
-                <a:latin typeface="Courier"/>
-                <a:cs typeface="Courier"/>
-              </a:rPr>
-              <a:t> </a:t>
-            </a:r>
-            <a:r>
-              <a:rPr lang="es-ES_tradnl" sz="2400" dirty="0">
-                <a:latin typeface="Courier"/>
-                <a:cs typeface="Courier"/>
-              </a:rPr>
-              <a:t>2&gt;&gt;</a:t>
-            </a:r>
-            <a:r>
-              <a:rPr lang="es-ES_tradnl" sz="2400" dirty="0" err="1" smtClean="0">
-                <a:latin typeface="Courier"/>
-                <a:cs typeface="Courier"/>
-              </a:rPr>
-              <a:t>run.log</a:t>
-            </a:r>
-            <a:endParaRPr lang="en-US" sz="2400" dirty="0">
-              <a:latin typeface="Courier"/>
-              <a:cs typeface="Courier"/>
-            </a:endParaRPr>
-          </a:p>
-        </p:txBody>
-      </p:sp>
-      <p:sp>
-        <p:nvSpPr>
-          <p:cNvPr id="5" name="TextBox 4"/>
-          <p:cNvSpPr txBox="1"/>
-          <p:nvPr/>
-        </p:nvSpPr>
-        <p:spPr>
-          <a:xfrm>
-            <a:off x="308950" y="2437115"/>
-            <a:ext cx="1267745" cy="461665"/>
-          </a:xfrm>
-          <a:prstGeom prst="rect">
-            <a:avLst/>
-          </a:prstGeom>
-          <a:noFill/>
-        </p:spPr>
-        <p:txBody>
-          <a:bodyPr wrap="none" rtlCol="0">
-            <a:spAutoFit/>
-          </a:bodyPr>
-          <a:lstStyle/>
-          <a:p>
-            <a:r>
-              <a:rPr lang="en-US" sz="2400" dirty="0" err="1" smtClean="0"/>
-              <a:t>xxx.qsub</a:t>
-            </a:r>
-            <a:endParaRPr lang="en-US" sz="2400" dirty="0" smtClean="0"/>
-          </a:p>
-        </p:txBody>
-      </p:sp>
-      <p:sp>
-        <p:nvSpPr>
-          <p:cNvPr id="6" name="TextBox 5"/>
-          <p:cNvSpPr txBox="1"/>
-          <p:nvPr/>
-        </p:nvSpPr>
-        <p:spPr>
-          <a:xfrm>
-            <a:off x="308950" y="1916334"/>
+            <a:off x="457200" y="1406769"/>
             <a:ext cx="3937947" cy="646331"/>
           </a:xfrm>
           <a:prstGeom prst="rect">
@@ -5901,13 +5868,20 @@
     </p:spTree>
     <p:extLst>
       <p:ext uri="{BB962C8B-B14F-4D97-AF65-F5344CB8AC3E}">
-        <p14:creationId xmlns:p14="http://schemas.microsoft.com/office/powerpoint/2010/main" val="1097154588"/>
+        <p14:creationId xmlns:p14="http://schemas.microsoft.com/office/powerpoint/2010/main" val="4279123950"/>
       </p:ext>
     </p:extLst>
   </p:cSld>
   <p:clrMapOvr>
     <a:masterClrMapping/>
   </p:clrMapOvr>
+  <p:timing>
+    <p:tnLst>
+      <p:par>
+        <p:cTn xmlns:p14="http://schemas.microsoft.com/office/powerpoint/2010/main" id="1" dur="indefinite" restart="never" nodeType="tmRoot"/>
+      </p:par>
+    </p:tnLst>
+  </p:timing>
 </p:sld>
 </file>
 
@@ -5945,7 +5919,15 @@
           <a:p>
             <a:r>
               <a:rPr lang="en-US" dirty="0" smtClean="0"/>
-              <a:t>Trinity parameters</a:t>
+              <a:t>Trinity de novo </a:t>
+            </a:r>
+            <a:r>
+              <a:rPr lang="en-US" dirty="0" err="1" smtClean="0"/>
+              <a:t>transcriptome</a:t>
+            </a:r>
+            <a:r>
+              <a:rPr lang="en-US" dirty="0" smtClean="0"/>
+              <a:t> assembly</a:t>
             </a:r>
             <a:endParaRPr lang="en-US" dirty="0"/>
           </a:p>
@@ -5953,207 +5935,465 @@
       </p:sp>
       <p:sp>
         <p:nvSpPr>
-          <p:cNvPr id="3" name="Content Placeholder 2"/>
-          <p:cNvSpPr>
-            <a:spLocks noGrp="1"/>
-          </p:cNvSpPr>
-          <p:nvPr>
-            <p:ph idx="1"/>
-          </p:nvPr>
+          <p:cNvPr id="4" name="TextBox 3"/>
+          <p:cNvSpPr txBox="1"/>
+          <p:nvPr/>
         </p:nvSpPr>
         <p:spPr>
           <a:xfrm>
-            <a:off x="457200" y="2049184"/>
-            <a:ext cx="8229600" cy="3108970"/>
+            <a:off x="134099" y="2722352"/>
+            <a:ext cx="8835050" cy="2923877"/>
           </a:xfrm>
+          <a:prstGeom prst="rect">
+            <a:avLst/>
+          </a:prstGeom>
+          <a:solidFill>
+            <a:schemeClr val="accent5">
+              <a:lumMod val="20000"/>
+              <a:lumOff val="80000"/>
+            </a:schemeClr>
+          </a:solidFill>
         </p:spPr>
         <p:txBody>
-          <a:bodyPr/>
-          <a:lstStyle/>
-          <a:p>
-            <a:r>
-              <a:rPr lang="es-ES_tradnl" dirty="0" smtClean="0">
-                <a:latin typeface="Courier"/>
-                <a:cs typeface="Courier"/>
-              </a:rPr>
-              <a:t>--</a:t>
-            </a:r>
-            <a:r>
-              <a:rPr lang="es-ES_tradnl" dirty="0" err="1" smtClean="0">
-                <a:latin typeface="Courier"/>
-                <a:cs typeface="Courier"/>
-              </a:rPr>
-              <a:t>seqType</a:t>
-            </a:r>
-            <a:r>
-              <a:rPr lang="es-ES_tradnl" dirty="0" smtClean="0">
-                <a:latin typeface="Courier"/>
-                <a:cs typeface="Courier"/>
-              </a:rPr>
-              <a:t> </a:t>
-            </a:r>
-            <a:r>
-              <a:rPr lang="es-ES_tradnl" dirty="0" err="1" smtClean="0">
-                <a:latin typeface="Courier"/>
-                <a:cs typeface="Courier"/>
-              </a:rPr>
-              <a:t>fq</a:t>
-            </a:r>
-            <a:endParaRPr lang="es-ES_tradnl" dirty="0" smtClean="0">
+          <a:bodyPr wrap="square" rtlCol="0">
+            <a:spAutoFit/>
+          </a:bodyPr>
+          <a:lstStyle/>
+          <a:p>
+            <a:r>
+              <a:rPr lang="en-US" sz="2000" dirty="0">
+                <a:latin typeface="Courier"/>
+                <a:cs typeface="Courier"/>
+              </a:rPr>
+              <a:t>#!/bin/bash</a:t>
+            </a:r>
+          </a:p>
+          <a:p>
+            <a:r>
+              <a:rPr lang="nl-NL" sz="2000" dirty="0">
+                <a:latin typeface="Courier"/>
+                <a:cs typeface="Courier"/>
+              </a:rPr>
+              <a:t>#$ -</a:t>
+            </a:r>
+            <a:r>
+              <a:rPr lang="nl-NL" sz="2000" dirty="0" err="1">
+                <a:latin typeface="Courier"/>
+                <a:cs typeface="Courier"/>
+              </a:rPr>
+              <a:t>cwd</a:t>
+            </a:r>
+            <a:endParaRPr lang="nl-NL" sz="2000" dirty="0">
               <a:latin typeface="Courier"/>
               <a:cs typeface="Courier"/>
             </a:endParaRPr>
           </a:p>
           <a:p>
             <a:r>
-              <a:rPr lang="es-ES_tradnl" dirty="0" smtClean="0">
-                <a:latin typeface="Courier"/>
-                <a:cs typeface="Courier"/>
-              </a:rPr>
-              <a:t>--</a:t>
-            </a:r>
-            <a:r>
-              <a:rPr lang="es-ES_tradnl" dirty="0" err="1" smtClean="0">
-                <a:latin typeface="Courier"/>
-                <a:cs typeface="Courier"/>
-              </a:rPr>
-              <a:t>max_memory</a:t>
-            </a:r>
-            <a:r>
-              <a:rPr lang="es-ES_tradnl" dirty="0" smtClean="0">
-                <a:latin typeface="Courier"/>
-                <a:cs typeface="Courier"/>
-              </a:rPr>
-              <a:t> 16G</a:t>
-            </a:r>
-          </a:p>
-          <a:p>
-            <a:r>
-              <a:rPr lang="es-ES_tradnl" dirty="0" smtClean="0">
-                <a:latin typeface="Courier"/>
-                <a:cs typeface="Courier"/>
-              </a:rPr>
-              <a:t>--CPU 4</a:t>
-            </a:r>
-            <a:endParaRPr lang="es-ES_tradnl" dirty="0">
+              <a:rPr lang="nl-NL" sz="2000" dirty="0">
+                <a:latin typeface="Courier"/>
+                <a:cs typeface="Courier"/>
+              </a:rPr>
+              <a:t>#$ -l mem=4G,h_rt=12:00:00</a:t>
+            </a:r>
+          </a:p>
+          <a:p>
+            <a:r>
+              <a:rPr lang="en-US" sz="2000" dirty="0">
+                <a:latin typeface="Courier"/>
+                <a:cs typeface="Courier"/>
+              </a:rPr>
+              <a:t>#$ -</a:t>
+            </a:r>
+            <a:r>
+              <a:rPr lang="en-US" sz="2000" dirty="0" err="1">
+                <a:latin typeface="Courier"/>
+                <a:cs typeface="Courier"/>
+              </a:rPr>
+              <a:t>pe</a:t>
+            </a:r>
+            <a:r>
+              <a:rPr lang="en-US" sz="2000" dirty="0">
+                <a:latin typeface="Courier"/>
+                <a:cs typeface="Courier"/>
+              </a:rPr>
+              <a:t> single 4</a:t>
+            </a:r>
+          </a:p>
+          <a:p>
+            <a:r>
+              <a:rPr lang="es-ES_tradnl" sz="2000" dirty="0">
+                <a:latin typeface="Courier"/>
+                <a:cs typeface="Courier"/>
+              </a:rPr>
+              <a:t>#$ -j </a:t>
+            </a:r>
+            <a:r>
+              <a:rPr lang="es-ES_tradnl" sz="2000" dirty="0" smtClean="0">
+                <a:latin typeface="Courier"/>
+                <a:cs typeface="Courier"/>
+              </a:rPr>
+              <a:t>y</a:t>
+            </a:r>
+          </a:p>
+          <a:p>
+            <a:r>
+              <a:rPr lang="en-US" sz="2000" dirty="0">
+                <a:latin typeface="Courier"/>
+                <a:cs typeface="Courier"/>
+              </a:rPr>
+              <a:t>PATH=$PATH:/homes/liu3zhen</a:t>
+            </a:r>
+            <a:r>
+              <a:rPr lang="en-US" sz="2000" dirty="0" smtClean="0">
+                <a:latin typeface="Courier"/>
+                <a:cs typeface="Courier"/>
+              </a:rPr>
+              <a:t>/local/bin</a:t>
+            </a:r>
+            <a:endParaRPr lang="es-ES_tradnl" sz="2000" dirty="0">
               <a:latin typeface="Courier"/>
               <a:cs typeface="Courier"/>
             </a:endParaRPr>
           </a:p>
           <a:p>
             <a:r>
-              <a:rPr lang="es-ES_tradnl" dirty="0" smtClean="0">
+              <a:rPr lang="en-US" sz="1600" dirty="0">
+                <a:latin typeface="Courier"/>
+                <a:cs typeface="Courier"/>
+              </a:rPr>
+              <a:t>/homes/liu3zhen/software/trinity/trinityrnaseq-Trinity-</a:t>
+            </a:r>
+            <a:r>
+              <a:rPr lang="en-US" sz="1600" dirty="0" smtClean="0">
+                <a:latin typeface="Courier"/>
+                <a:cs typeface="Courier"/>
+              </a:rPr>
+              <a:t>v2.4.0/</a:t>
+            </a:r>
+            <a:r>
+              <a:rPr lang="es-ES_tradnl" sz="1600" dirty="0" smtClean="0">
+                <a:latin typeface="Courier"/>
+                <a:cs typeface="Courier"/>
+              </a:rPr>
+              <a:t>Trinity \</a:t>
+            </a:r>
+          </a:p>
+          <a:p>
+            <a:r>
+              <a:rPr lang="es-ES_tradnl" sz="1600" dirty="0">
+                <a:latin typeface="Courier"/>
+                <a:cs typeface="Courier"/>
+              </a:rPr>
+              <a:t> </a:t>
+            </a:r>
+            <a:r>
+              <a:rPr lang="es-ES_tradnl" sz="1600" dirty="0" smtClean="0">
+                <a:latin typeface="Courier"/>
+                <a:cs typeface="Courier"/>
+              </a:rPr>
+              <a:t> -</a:t>
+            </a:r>
+            <a:r>
+              <a:rPr lang="es-ES_tradnl" sz="1600" dirty="0">
                 <a:latin typeface="Courier"/>
                 <a:cs typeface="Courier"/>
               </a:rPr>
               <a:t>-</a:t>
             </a:r>
             <a:r>
-              <a:rPr lang="es-ES_tradnl" dirty="0">
+              <a:rPr lang="es-ES_tradnl" sz="1600" dirty="0" err="1">
+                <a:latin typeface="Courier"/>
+                <a:cs typeface="Courier"/>
+              </a:rPr>
+              <a:t>seqType</a:t>
+            </a:r>
+            <a:r>
+              <a:rPr lang="es-ES_tradnl" sz="1600" dirty="0">
+                <a:latin typeface="Courier"/>
+                <a:cs typeface="Courier"/>
+              </a:rPr>
+              <a:t> </a:t>
+            </a:r>
+            <a:r>
+              <a:rPr lang="es-ES_tradnl" sz="1600" dirty="0" err="1">
+                <a:latin typeface="Courier"/>
+                <a:cs typeface="Courier"/>
+              </a:rPr>
+              <a:t>fq</a:t>
+            </a:r>
+            <a:r>
+              <a:rPr lang="es-ES_tradnl" sz="1600" dirty="0">
+                <a:latin typeface="Courier"/>
+                <a:cs typeface="Courier"/>
+              </a:rPr>
+              <a:t> --</a:t>
+            </a:r>
+            <a:r>
+              <a:rPr lang="es-ES_tradnl" sz="1600" dirty="0" err="1">
+                <a:latin typeface="Courier"/>
+                <a:cs typeface="Courier"/>
+              </a:rPr>
+              <a:t>max_memory</a:t>
+            </a:r>
+            <a:r>
+              <a:rPr lang="es-ES_tradnl" sz="1600" dirty="0">
+                <a:latin typeface="Courier"/>
+                <a:cs typeface="Courier"/>
+              </a:rPr>
+              <a:t> </a:t>
+            </a:r>
+            <a:r>
+              <a:rPr lang="es-ES_tradnl" sz="1600" dirty="0" smtClean="0">
+                <a:latin typeface="Courier"/>
+                <a:cs typeface="Courier"/>
+              </a:rPr>
+              <a:t>16G </a:t>
+            </a:r>
+            <a:r>
+              <a:rPr lang="es-ES_tradnl" sz="1600" dirty="0" smtClean="0">
+                <a:latin typeface="Courier"/>
+                <a:cs typeface="Courier"/>
+              </a:rPr>
+              <a:t>--CPU </a:t>
+            </a:r>
+            <a:r>
+              <a:rPr lang="es-ES_tradnl" sz="1600" dirty="0" smtClean="0">
+                <a:latin typeface="Courier"/>
+                <a:cs typeface="Courier"/>
+              </a:rPr>
+              <a:t>4 \</a:t>
+            </a:r>
+          </a:p>
+          <a:p>
+            <a:r>
+              <a:rPr lang="es-ES_tradnl" sz="1600" dirty="0">
+                <a:latin typeface="Courier"/>
+                <a:cs typeface="Courier"/>
+              </a:rPr>
+              <a:t> </a:t>
+            </a:r>
+            <a:r>
+              <a:rPr lang="es-ES_tradnl" sz="1600" dirty="0" smtClean="0">
+                <a:latin typeface="Courier"/>
+                <a:cs typeface="Courier"/>
+              </a:rPr>
+              <a:t> -</a:t>
+            </a:r>
+            <a:r>
+              <a:rPr lang="es-ES_tradnl" sz="1600" dirty="0">
                 <a:latin typeface="Courier"/>
                 <a:cs typeface="Courier"/>
               </a:rPr>
               <a:t>-</a:t>
             </a:r>
             <a:r>
-              <a:rPr lang="es-ES_tradnl" dirty="0" err="1">
+              <a:rPr lang="es-ES_tradnl" sz="1600" dirty="0" err="1">
                 <a:latin typeface="Courier"/>
                 <a:cs typeface="Courier"/>
               </a:rPr>
               <a:t>left</a:t>
             </a:r>
             <a:r>
-              <a:rPr lang="es-ES_tradnl" dirty="0">
-                <a:latin typeface="Courier"/>
-                <a:cs typeface="Courier"/>
-              </a:rPr>
-              <a:t> read1.</a:t>
-            </a:r>
-            <a:r>
-              <a:rPr lang="es-ES_tradnl" dirty="0" smtClean="0">
-                <a:latin typeface="Courier"/>
-                <a:cs typeface="Courier"/>
-              </a:rPr>
-              <a:t>fq</a:t>
-            </a:r>
-          </a:p>
-          <a:p>
-            <a:r>
-              <a:rPr lang="es-ES_tradnl" dirty="0" smtClean="0">
-                <a:latin typeface="Courier"/>
-                <a:cs typeface="Courier"/>
-              </a:rPr>
-              <a:t>-</a:t>
-            </a:r>
-            <a:r>
-              <a:rPr lang="es-ES_tradnl" dirty="0">
-                <a:latin typeface="Courier"/>
-                <a:cs typeface="Courier"/>
-              </a:rPr>
-              <a:t>-</a:t>
-            </a:r>
-            <a:r>
-              <a:rPr lang="es-ES_tradnl" dirty="0" err="1">
+              <a:rPr lang="es-ES_tradnl" sz="1600" dirty="0">
+                <a:latin typeface="Courier"/>
+                <a:cs typeface="Courier"/>
+              </a:rPr>
+              <a:t> read1.fq --</a:t>
+            </a:r>
+            <a:r>
+              <a:rPr lang="es-ES_tradnl" sz="1600" dirty="0" err="1">
                 <a:latin typeface="Courier"/>
                 <a:cs typeface="Courier"/>
               </a:rPr>
               <a:t>right</a:t>
             </a:r>
             <a:r>
-              <a:rPr lang="es-ES_tradnl" dirty="0">
-                <a:latin typeface="Courier"/>
-                <a:cs typeface="Courier"/>
-              </a:rPr>
-              <a:t> read2.</a:t>
-            </a:r>
-            <a:r>
-              <a:rPr lang="es-ES_tradnl" dirty="0" smtClean="0">
-                <a:latin typeface="Courier"/>
-                <a:cs typeface="Courier"/>
-              </a:rPr>
-              <a:t>fq</a:t>
-            </a:r>
-            <a:endParaRPr lang="es-ES_tradnl" dirty="0">
+              <a:rPr lang="es-ES_tradnl" sz="1600" dirty="0">
+                <a:latin typeface="Courier"/>
+                <a:cs typeface="Courier"/>
+              </a:rPr>
+              <a:t> read2.fq </a:t>
+            </a:r>
+            <a:r>
+              <a:rPr lang="es-ES_tradnl" sz="1600" dirty="0" smtClean="0">
+                <a:latin typeface="Courier"/>
+                <a:cs typeface="Courier"/>
+              </a:rPr>
+              <a:t>\</a:t>
+            </a:r>
+          </a:p>
+          <a:p>
+            <a:r>
+              <a:rPr lang="es-ES_tradnl" sz="1600" dirty="0">
+                <a:latin typeface="Courier"/>
+                <a:cs typeface="Courier"/>
+              </a:rPr>
+              <a:t> </a:t>
+            </a:r>
+            <a:r>
+              <a:rPr lang="es-ES_tradnl" sz="1600" dirty="0" smtClean="0">
+                <a:latin typeface="Courier"/>
+                <a:cs typeface="Courier"/>
+              </a:rPr>
+              <a:t> </a:t>
+            </a:r>
+            <a:r>
+              <a:rPr lang="es-ES_tradnl" sz="1600" dirty="0" smtClean="0">
+                <a:latin typeface="Courier"/>
+                <a:cs typeface="Courier"/>
+              </a:rPr>
+              <a:t>--output </a:t>
+            </a:r>
+            <a:r>
+              <a:rPr lang="es-ES_tradnl" sz="1600" dirty="0" err="1">
+                <a:latin typeface="Courier"/>
+                <a:cs typeface="Courier"/>
+              </a:rPr>
+              <a:t>trinity_out</a:t>
+            </a:r>
+            <a:r>
+              <a:rPr lang="es-ES_tradnl" sz="1600" dirty="0">
+                <a:latin typeface="Courier"/>
+                <a:cs typeface="Courier"/>
+              </a:rPr>
+              <a:t> 1</a:t>
+            </a:r>
+            <a:r>
+              <a:rPr lang="es-ES_tradnl" sz="1600" dirty="0" smtClean="0">
+                <a:latin typeface="Courier"/>
+                <a:cs typeface="Courier"/>
+              </a:rPr>
+              <a:t>&gt;</a:t>
+            </a:r>
+            <a:r>
+              <a:rPr lang="es-ES_tradnl" sz="1600" dirty="0" err="1" smtClean="0">
+                <a:latin typeface="Courier"/>
+                <a:cs typeface="Courier"/>
+              </a:rPr>
+              <a:t>run.log</a:t>
+            </a:r>
+            <a:r>
+              <a:rPr lang="es-ES_tradnl" sz="1600" dirty="0" smtClean="0">
+                <a:latin typeface="Courier"/>
+                <a:cs typeface="Courier"/>
+              </a:rPr>
+              <a:t> </a:t>
+            </a:r>
+            <a:r>
+              <a:rPr lang="es-ES_tradnl" sz="1600" dirty="0">
+                <a:latin typeface="Courier"/>
+                <a:cs typeface="Courier"/>
+              </a:rPr>
+              <a:t>2</a:t>
+            </a:r>
+            <a:r>
+              <a:rPr lang="es-ES_tradnl" sz="1600" dirty="0" smtClean="0">
+                <a:latin typeface="Courier"/>
+                <a:cs typeface="Courier"/>
+              </a:rPr>
+              <a:t>&gt;&amp;1</a:t>
+            </a:r>
+            <a:endParaRPr lang="en-US" sz="1600" dirty="0">
               <a:latin typeface="Courier"/>
               <a:cs typeface="Courier"/>
             </a:endParaRPr>
           </a:p>
-          <a:p>
-            <a:r>
-              <a:rPr lang="es-ES_tradnl" dirty="0">
-                <a:latin typeface="Courier"/>
-                <a:cs typeface="Courier"/>
-              </a:rPr>
-              <a:t>	</a:t>
-            </a:r>
-            <a:r>
-              <a:rPr lang="es-ES_tradnl" dirty="0" smtClean="0">
-                <a:latin typeface="Courier"/>
-                <a:cs typeface="Courier"/>
-              </a:rPr>
-              <a:t>--output </a:t>
-            </a:r>
-            <a:r>
-              <a:rPr lang="es-ES_tradnl" dirty="0" err="1">
-                <a:latin typeface="Courier"/>
-                <a:cs typeface="Courier"/>
-              </a:rPr>
-              <a:t>trinity_out</a:t>
-            </a:r>
-            <a:endParaRPr lang="en-US" dirty="0"/>
+        </p:txBody>
+      </p:sp>
+      <p:sp>
+        <p:nvSpPr>
+          <p:cNvPr id="5" name="TextBox 4"/>
+          <p:cNvSpPr txBox="1"/>
+          <p:nvPr/>
+        </p:nvSpPr>
+        <p:spPr>
+          <a:xfrm>
+            <a:off x="308950" y="2142642"/>
+            <a:ext cx="1267745" cy="461665"/>
+          </a:xfrm>
+          <a:prstGeom prst="rect">
+            <a:avLst/>
+          </a:prstGeom>
+          <a:noFill/>
+        </p:spPr>
+        <p:txBody>
+          <a:bodyPr wrap="none" rtlCol="0">
+            <a:spAutoFit/>
+          </a:bodyPr>
+          <a:lstStyle/>
+          <a:p>
+            <a:r>
+              <a:rPr lang="en-US" sz="2400" dirty="0" err="1" smtClean="0"/>
+              <a:t>xxx.qsub</a:t>
+            </a:r>
+            <a:endParaRPr lang="en-US" sz="2400" dirty="0" smtClean="0"/>
+          </a:p>
+        </p:txBody>
+      </p:sp>
+      <p:sp>
+        <p:nvSpPr>
+          <p:cNvPr id="6" name="TextBox 5"/>
+          <p:cNvSpPr txBox="1"/>
+          <p:nvPr/>
+        </p:nvSpPr>
+        <p:spPr>
+          <a:xfrm>
+            <a:off x="308950" y="1621861"/>
+            <a:ext cx="3937947" cy="646331"/>
+          </a:xfrm>
+          <a:prstGeom prst="rect">
+            <a:avLst/>
+          </a:prstGeom>
+          <a:noFill/>
+        </p:spPr>
+        <p:txBody>
+          <a:bodyPr wrap="none" rtlCol="0">
+            <a:spAutoFit/>
+          </a:bodyPr>
+          <a:lstStyle/>
+          <a:p>
+            <a:r>
+              <a:rPr lang="en-US" sz="3600" dirty="0" smtClean="0">
+                <a:solidFill>
+                  <a:srgbClr val="FF0000"/>
+                </a:solidFill>
+              </a:rPr>
+              <a:t>@directory: </a:t>
+            </a:r>
+            <a:r>
+              <a:rPr lang="en-US" sz="3600" dirty="0" err="1" smtClean="0">
+                <a:solidFill>
+                  <a:srgbClr val="FF0000"/>
+                </a:solidFill>
+              </a:rPr>
+              <a:t>denovo</a:t>
+            </a:r>
+            <a:endParaRPr lang="en-US" sz="3600" dirty="0">
+              <a:solidFill>
+                <a:srgbClr val="FF0000"/>
+              </a:solidFill>
+            </a:endParaRPr>
           </a:p>
         </p:txBody>
       </p:sp>
     </p:spTree>
     <p:extLst>
       <p:ext uri="{BB962C8B-B14F-4D97-AF65-F5344CB8AC3E}">
-        <p14:creationId xmlns:p14="http://schemas.microsoft.com/office/powerpoint/2010/main" val="3786042166"/>
+        <p14:creationId xmlns:p14="http://schemas.microsoft.com/office/powerpoint/2010/main" val="1097154588"/>
       </p:ext>
     </p:extLst>
   </p:cSld>
   <p:clrMapOvr>
     <a:masterClrMapping/>
   </p:clrMapOvr>
+  <p:timing>
+    <p:tnLst>
+      <p:par>
+        <p:cTn xmlns:p14="http://schemas.microsoft.com/office/powerpoint/2010/main" id="1" dur="indefinite" restart="never" nodeType="tmRoot"/>
+      </p:par>
+    </p:tnLst>
+  </p:timing>
 </p:sld>
 </file>
 
@@ -6190,8 +6430,12 @@
           <a:lstStyle/>
           <a:p>
             <a:r>
+              <a:rPr lang="en-US" dirty="0" err="1" smtClean="0"/>
+              <a:t>Beocat</a:t>
+            </a:r>
+            <a:r>
               <a:rPr lang="en-US" dirty="0" smtClean="0"/>
-              <a:t>Output</a:t>
+              <a:t> job submission and status checking</a:t>
             </a:r>
             <a:endParaRPr lang="en-US" dirty="0"/>
           </a:p>
@@ -6209,103 +6453,76 @@
         </p:nvSpPr>
         <p:spPr>
           <a:xfrm>
-            <a:off x="457200" y="1499752"/>
-            <a:ext cx="8229600" cy="4339893"/>
+            <a:off x="457200" y="2105957"/>
+            <a:ext cx="8229600" cy="2078396"/>
           </a:xfrm>
         </p:spPr>
         <p:txBody>
-          <a:bodyPr/>
-          <a:lstStyle/>
-          <a:p>
-            <a:pPr marL="0" indent="0">
-              <a:buNone/>
-            </a:pPr>
-            <a:r>
-              <a:rPr lang="en-US" dirty="0" smtClean="0"/>
-              <a:t>Under the output directory:</a:t>
-            </a:r>
-            <a:endParaRPr lang="en-US" dirty="0"/>
-          </a:p>
-          <a:p>
-            <a:pPr marL="0" indent="0">
-              <a:buNone/>
-            </a:pPr>
-            <a:r>
-              <a:rPr lang="en-US" sz="3600" dirty="0" err="1" smtClean="0"/>
-              <a:t>Trinity.fasta</a:t>
-            </a:r>
-            <a:endParaRPr lang="en-US" sz="3600" dirty="0" smtClean="0"/>
-          </a:p>
-          <a:p>
-            <a:pPr marL="0" indent="0">
-              <a:buNone/>
-            </a:pPr>
-            <a:endParaRPr lang="en-US" dirty="0" smtClean="0"/>
-          </a:p>
-          <a:p>
-            <a:pPr marL="0" indent="0">
-              <a:buNone/>
-            </a:pPr>
-            <a:r>
-              <a:rPr lang="en-US" dirty="0"/>
-              <a:t>&gt;TRINITY_DN0_c0_g1_i1 </a:t>
-            </a:r>
-            <a:r>
-              <a:rPr lang="en-US" dirty="0" err="1"/>
-              <a:t>len</a:t>
-            </a:r>
-            <a:r>
-              <a:rPr lang="en-US" dirty="0"/>
-              <a:t>=1335 path=[2742:0-99 2743</a:t>
-            </a:r>
-            <a:r>
-              <a:rPr lang="en-US" dirty="0" smtClean="0"/>
-              <a:t>: ...</a:t>
-            </a:r>
-          </a:p>
-          <a:p>
-            <a:pPr marL="0" indent="0">
-              <a:buNone/>
-            </a:pPr>
-            <a:endParaRPr lang="en-US" dirty="0"/>
-          </a:p>
-          <a:p>
-            <a:r>
-              <a:rPr lang="en-US" i="1" dirty="0" smtClean="0"/>
-              <a:t>DN0: cluster 0?</a:t>
-            </a:r>
-          </a:p>
-          <a:p>
-            <a:r>
-              <a:rPr lang="en-US" dirty="0" smtClean="0"/>
-              <a:t>c0: component 0</a:t>
-            </a:r>
-          </a:p>
-          <a:p>
-            <a:r>
-              <a:rPr lang="en-US" dirty="0" smtClean="0"/>
-              <a:t>g1: gene 1</a:t>
-            </a:r>
-          </a:p>
-          <a:p>
-            <a:r>
-              <a:rPr lang="en-US" dirty="0" smtClean="0"/>
-              <a:t>i1: isoform 1</a:t>
-            </a:r>
-            <a:endParaRPr lang="en-US" dirty="0"/>
+          <a:bodyPr>
+            <a:normAutofit/>
+          </a:bodyPr>
+          <a:lstStyle/>
+          <a:p>
+            <a:r>
+              <a:rPr lang="en-US" sz="2800" dirty="0" err="1" smtClean="0"/>
+              <a:t>qsub</a:t>
+            </a:r>
+            <a:r>
+              <a:rPr lang="en-US" sz="2800" dirty="0" smtClean="0"/>
+              <a:t> </a:t>
+            </a:r>
+            <a:r>
+              <a:rPr lang="en-US" sz="2800" dirty="0" err="1" smtClean="0"/>
+              <a:t>xxx.qsub</a:t>
+            </a:r>
+            <a:endParaRPr lang="en-US" sz="2800" dirty="0" smtClean="0"/>
+          </a:p>
+          <a:p>
+            <a:r>
+              <a:rPr lang="en-US" sz="2800" dirty="0" err="1" smtClean="0"/>
+              <a:t>kstat</a:t>
+            </a:r>
+            <a:r>
+              <a:rPr lang="en-US" sz="2800" dirty="0" smtClean="0"/>
+              <a:t> | </a:t>
+            </a:r>
+            <a:r>
+              <a:rPr lang="en-US" sz="2800" dirty="0" err="1" smtClean="0"/>
+              <a:t>grep</a:t>
+            </a:r>
+            <a:r>
+              <a:rPr lang="en-US" sz="2800" dirty="0" smtClean="0"/>
+              <a:t> &lt;</a:t>
+            </a:r>
+            <a:r>
+              <a:rPr lang="en-US" sz="2800" dirty="0" err="1" smtClean="0"/>
+              <a:t>eid</a:t>
+            </a:r>
+            <a:r>
+              <a:rPr lang="en-US" sz="2800" dirty="0" smtClean="0"/>
+              <a:t>&gt;</a:t>
+            </a:r>
+            <a:endParaRPr lang="en-US" sz="2800" dirty="0"/>
           </a:p>
         </p:txBody>
       </p:sp>
     </p:spTree>
     <p:extLst>
       <p:ext uri="{BB962C8B-B14F-4D97-AF65-F5344CB8AC3E}">
-        <p14:creationId xmlns:p14="http://schemas.microsoft.com/office/powerpoint/2010/main" val="273219371"/>
+        <p14:creationId xmlns:p14="http://schemas.microsoft.com/office/powerpoint/2010/main" val="1731007931"/>
       </p:ext>
     </p:extLst>
   </p:cSld>
   <p:clrMapOvr>
     <a:masterClrMapping/>
   </p:clrMapOvr>
+  <p:timing>
+    <p:tnLst>
+      <p:par>
+        <p:cTn xmlns:p14="http://schemas.microsoft.com/office/powerpoint/2010/main" id="1" dur="indefinite" restart="never" nodeType="tmRoot"/>
+      </p:par>
+    </p:tnLst>
+  </p:timing>
 </p:sld>
 </file>
 
@@ -6338,16 +6555,14 @@
         </p:nvSpPr>
         <p:spPr/>
         <p:txBody>
-          <a:bodyPr>
-            <a:normAutofit/>
-          </a:bodyPr>
-          <a:lstStyle/>
-          <a:p>
-            <a:r>
-              <a:rPr lang="en-US" sz="3200" dirty="0" smtClean="0"/>
-              <a:t>Reference-guided assembly</a:t>
-            </a:r>
-            <a:endParaRPr lang="en-US" sz="3200" dirty="0"/>
+          <a:bodyPr/>
+          <a:lstStyle/>
+          <a:p>
+            <a:r>
+              <a:rPr lang="en-US" dirty="0" smtClean="0"/>
+              <a:t>Trinity parameters</a:t>
+            </a:r>
+            <a:endParaRPr lang="en-US" dirty="0"/>
           </a:p>
         </p:txBody>
       </p:sp>
@@ -6363,68 +6578,204 @@
         </p:nvSpPr>
         <p:spPr>
           <a:xfrm>
-            <a:off x="1785816" y="1851445"/>
-            <a:ext cx="6244492" cy="1975739"/>
+            <a:off x="457200" y="2049184"/>
+            <a:ext cx="8229600" cy="3108970"/>
           </a:xfrm>
         </p:spPr>
         <p:txBody>
-          <a:bodyPr>
-            <a:normAutofit/>
-          </a:bodyPr>
-          <a:lstStyle/>
-          <a:p>
-            <a:pPr marL="514350" indent="-514350">
-              <a:buFont typeface="+mj-lt"/>
-              <a:buAutoNum type="arabicPeriod"/>
-            </a:pPr>
-            <a:r>
-              <a:rPr lang="en-US" sz="3200" dirty="0" smtClean="0"/>
-              <a:t>Index a reference genome</a:t>
-            </a:r>
-          </a:p>
-          <a:p>
-            <a:pPr marL="514350" indent="-514350">
-              <a:buFont typeface="+mj-lt"/>
-              <a:buAutoNum type="arabicPeriod"/>
-            </a:pPr>
-            <a:r>
-              <a:rPr lang="en-US" sz="3200" dirty="0" smtClean="0"/>
-              <a:t>Alignment (reads to reference)</a:t>
-            </a:r>
-          </a:p>
-          <a:p>
-            <a:pPr marL="514350" indent="-514350">
-              <a:buFont typeface="+mj-lt"/>
-              <a:buAutoNum type="arabicPeriod"/>
-            </a:pPr>
-            <a:r>
-              <a:rPr lang="en-US" sz="3200" dirty="0"/>
-              <a:t>A</a:t>
-            </a:r>
-            <a:r>
-              <a:rPr lang="en-US" sz="3200" dirty="0" smtClean="0"/>
-              <a:t>ssembly</a:t>
-            </a:r>
-          </a:p>
-          <a:p>
-            <a:pPr marL="514350" indent="-514350">
-              <a:buFont typeface="+mj-lt"/>
-              <a:buAutoNum type="arabicPeriod"/>
-            </a:pPr>
-            <a:endParaRPr lang="en-US" sz="3200" dirty="0"/>
+          <a:bodyPr/>
+          <a:lstStyle/>
+          <a:p>
+            <a:r>
+              <a:rPr lang="es-ES_tradnl" dirty="0" smtClean="0">
+                <a:latin typeface="Courier"/>
+                <a:cs typeface="Courier"/>
+              </a:rPr>
+              <a:t>--</a:t>
+            </a:r>
+            <a:r>
+              <a:rPr lang="es-ES_tradnl" dirty="0" err="1" smtClean="0">
+                <a:latin typeface="Courier"/>
+                <a:cs typeface="Courier"/>
+              </a:rPr>
+              <a:t>seqType</a:t>
+            </a:r>
+            <a:r>
+              <a:rPr lang="es-ES_tradnl" dirty="0" smtClean="0">
+                <a:latin typeface="Courier"/>
+                <a:cs typeface="Courier"/>
+              </a:rPr>
+              <a:t> </a:t>
+            </a:r>
+            <a:r>
+              <a:rPr lang="es-ES_tradnl" dirty="0" err="1" smtClean="0">
+                <a:latin typeface="Courier"/>
+                <a:cs typeface="Courier"/>
+              </a:rPr>
+              <a:t>fq</a:t>
+            </a:r>
+            <a:endParaRPr lang="es-ES_tradnl" dirty="0" smtClean="0">
+              <a:latin typeface="Courier"/>
+              <a:cs typeface="Courier"/>
+            </a:endParaRPr>
+          </a:p>
+          <a:p>
+            <a:r>
+              <a:rPr lang="es-ES_tradnl" dirty="0" smtClean="0">
+                <a:latin typeface="Courier"/>
+                <a:cs typeface="Courier"/>
+              </a:rPr>
+              <a:t>--</a:t>
+            </a:r>
+            <a:r>
+              <a:rPr lang="es-ES_tradnl" dirty="0" err="1" smtClean="0">
+                <a:latin typeface="Courier"/>
+                <a:cs typeface="Courier"/>
+              </a:rPr>
+              <a:t>max_memory</a:t>
+            </a:r>
+            <a:r>
+              <a:rPr lang="es-ES_tradnl" dirty="0" smtClean="0">
+                <a:latin typeface="Courier"/>
+                <a:cs typeface="Courier"/>
+              </a:rPr>
+              <a:t> 16G</a:t>
+            </a:r>
+          </a:p>
+          <a:p>
+            <a:r>
+              <a:rPr lang="es-ES_tradnl" dirty="0" smtClean="0">
+                <a:latin typeface="Courier"/>
+                <a:cs typeface="Courier"/>
+              </a:rPr>
+              <a:t>--CPU 4</a:t>
+            </a:r>
+            <a:endParaRPr lang="es-ES_tradnl" dirty="0">
+              <a:latin typeface="Courier"/>
+              <a:cs typeface="Courier"/>
+            </a:endParaRPr>
+          </a:p>
+          <a:p>
+            <a:r>
+              <a:rPr lang="es-ES_tradnl" dirty="0" smtClean="0">
+                <a:latin typeface="Courier"/>
+                <a:cs typeface="Courier"/>
+              </a:rPr>
+              <a:t>-</a:t>
+            </a:r>
+            <a:r>
+              <a:rPr lang="es-ES_tradnl" dirty="0">
+                <a:latin typeface="Courier"/>
+                <a:cs typeface="Courier"/>
+              </a:rPr>
+              <a:t>-</a:t>
+            </a:r>
+            <a:r>
+              <a:rPr lang="es-ES_tradnl" dirty="0" err="1">
+                <a:latin typeface="Courier"/>
+                <a:cs typeface="Courier"/>
+              </a:rPr>
+              <a:t>left</a:t>
+            </a:r>
+            <a:r>
+              <a:rPr lang="es-ES_tradnl" dirty="0">
+                <a:latin typeface="Courier"/>
+                <a:cs typeface="Courier"/>
+              </a:rPr>
+              <a:t> read1.</a:t>
+            </a:r>
+            <a:r>
+              <a:rPr lang="es-ES_tradnl" dirty="0" smtClean="0">
+                <a:latin typeface="Courier"/>
+                <a:cs typeface="Courier"/>
+              </a:rPr>
+              <a:t>fq</a:t>
+            </a:r>
+          </a:p>
+          <a:p>
+            <a:r>
+              <a:rPr lang="es-ES_tradnl" dirty="0" smtClean="0">
+                <a:latin typeface="Courier"/>
+                <a:cs typeface="Courier"/>
+              </a:rPr>
+              <a:t>-</a:t>
+            </a:r>
+            <a:r>
+              <a:rPr lang="es-ES_tradnl" dirty="0">
+                <a:latin typeface="Courier"/>
+                <a:cs typeface="Courier"/>
+              </a:rPr>
+              <a:t>-</a:t>
+            </a:r>
+            <a:r>
+              <a:rPr lang="es-ES_tradnl" dirty="0" err="1">
+                <a:latin typeface="Courier"/>
+                <a:cs typeface="Courier"/>
+              </a:rPr>
+              <a:t>right</a:t>
+            </a:r>
+            <a:r>
+              <a:rPr lang="es-ES_tradnl" dirty="0">
+                <a:latin typeface="Courier"/>
+                <a:cs typeface="Courier"/>
+              </a:rPr>
+              <a:t> read2.</a:t>
+            </a:r>
+            <a:r>
+              <a:rPr lang="es-ES_tradnl" dirty="0" smtClean="0">
+                <a:latin typeface="Courier"/>
+                <a:cs typeface="Courier"/>
+              </a:rPr>
+              <a:t>fq</a:t>
+            </a:r>
+            <a:endParaRPr lang="es-ES_tradnl" dirty="0">
+              <a:latin typeface="Courier"/>
+              <a:cs typeface="Courier"/>
+            </a:endParaRPr>
+          </a:p>
+          <a:p>
+            <a:r>
+              <a:rPr lang="es-ES_tradnl" dirty="0" smtClean="0">
+                <a:latin typeface="Courier"/>
+                <a:cs typeface="Courier"/>
+              </a:rPr>
+              <a:t>-</a:t>
+            </a:r>
+            <a:r>
+              <a:rPr lang="es-ES_tradnl" dirty="0" smtClean="0">
+                <a:latin typeface="Courier"/>
+                <a:cs typeface="Courier"/>
+              </a:rPr>
+              <a:t>-output </a:t>
+            </a:r>
+            <a:r>
+              <a:rPr lang="es-ES_tradnl" dirty="0" err="1">
+                <a:latin typeface="Courier"/>
+                <a:cs typeface="Courier"/>
+              </a:rPr>
+              <a:t>trinity_out</a:t>
+            </a:r>
+            <a:endParaRPr lang="en-US" dirty="0"/>
           </a:p>
         </p:txBody>
       </p:sp>
     </p:spTree>
     <p:extLst>
       <p:ext uri="{BB962C8B-B14F-4D97-AF65-F5344CB8AC3E}">
-        <p14:creationId xmlns:p14="http://schemas.microsoft.com/office/powerpoint/2010/main" val="1271655136"/>
+        <p14:creationId xmlns:p14="http://schemas.microsoft.com/office/powerpoint/2010/main" val="3786042166"/>
       </p:ext>
     </p:extLst>
   </p:cSld>
   <p:clrMapOvr>
     <a:masterClrMapping/>
   </p:clrMapOvr>
+  <p:timing>
+    <p:tnLst>
+      <p:par>
+        <p:cTn xmlns:p14="http://schemas.microsoft.com/office/powerpoint/2010/main" id="1" dur="indefinite" restart="never" nodeType="tmRoot"/>
+      </p:par>
+    </p:tnLst>
+  </p:timing>
 </p:sld>
 </file>
 
@@ -6462,7 +6813,7 @@
           <a:p>
             <a:r>
               <a:rPr lang="en-US" dirty="0" smtClean="0"/>
-              <a:t>Index the reference genome for alignments</a:t>
+              <a:t>Output</a:t>
             </a:r>
             <a:endParaRPr lang="en-US" dirty="0"/>
           </a:p>
@@ -6480,229 +6831,97 @@
         </p:nvSpPr>
         <p:spPr>
           <a:xfrm>
-            <a:off x="273537" y="1918144"/>
-            <a:ext cx="8557847" cy="3144006"/>
+            <a:off x="457200" y="1499752"/>
+            <a:ext cx="8229600" cy="4339893"/>
           </a:xfrm>
         </p:spPr>
         <p:txBody>
-          <a:bodyPr>
-            <a:normAutofit/>
-          </a:bodyPr>
+          <a:bodyPr/>
           <a:lstStyle/>
           <a:p>
             <a:pPr marL="0" indent="0">
               <a:buNone/>
             </a:pPr>
             <a:r>
-              <a:rPr lang="en-US" dirty="0" smtClean="0">
-                <a:latin typeface="Courier"/>
-                <a:cs typeface="Courier"/>
-              </a:rPr>
-              <a:t>### make a link</a:t>
-            </a:r>
+              <a:rPr lang="en-US" dirty="0" smtClean="0"/>
+              <a:t>Under the output directory:</a:t>
+            </a:r>
+            <a:endParaRPr lang="en-US" dirty="0"/>
           </a:p>
           <a:p>
             <a:pPr marL="0" indent="0">
               <a:buNone/>
             </a:pPr>
             <a:r>
-              <a:rPr lang="en-US" dirty="0" err="1" smtClean="0">
-                <a:latin typeface="Courier"/>
-                <a:cs typeface="Courier"/>
-              </a:rPr>
-              <a:t>ln</a:t>
-            </a:r>
-            <a:r>
-              <a:rPr lang="en-US" dirty="0" smtClean="0">
-                <a:latin typeface="Courier"/>
-                <a:cs typeface="Courier"/>
-              </a:rPr>
-              <a:t> -s </a:t>
-            </a:r>
-            <a:r>
-              <a:rPr lang="en-US" dirty="0" smtClean="0">
-                <a:solidFill>
-                  <a:srgbClr val="7F7F7F"/>
-                </a:solidFill>
-                <a:latin typeface="Courier"/>
-                <a:cs typeface="Courier"/>
-              </a:rPr>
-              <a:t>/homes/liu3zhen/teaching/PLPTH613/datasets/RNA-</a:t>
-            </a:r>
-            <a:r>
-              <a:rPr lang="en-US" dirty="0" err="1" smtClean="0">
-                <a:solidFill>
-                  <a:srgbClr val="7F7F7F"/>
-                </a:solidFill>
-                <a:latin typeface="Courier"/>
-                <a:cs typeface="Courier"/>
-              </a:rPr>
-              <a:t>Seq</a:t>
-            </a:r>
-            <a:r>
-              <a:rPr lang="en-US" dirty="0" smtClean="0">
-                <a:solidFill>
-                  <a:srgbClr val="7F7F7F"/>
-                </a:solidFill>
-                <a:latin typeface="Courier"/>
-                <a:cs typeface="Courier"/>
-              </a:rPr>
-              <a:t>/reference/</a:t>
-            </a:r>
-            <a:r>
-              <a:rPr lang="en-US" dirty="0" err="1" smtClean="0">
-                <a:solidFill>
-                  <a:srgbClr val="7F7F7F"/>
-                </a:solidFill>
-                <a:latin typeface="Courier"/>
-                <a:cs typeface="Courier"/>
-              </a:rPr>
-              <a:t>SC_reference.fa</a:t>
-            </a:r>
-            <a:r>
-              <a:rPr lang="en-US" dirty="0" smtClean="0">
-                <a:solidFill>
-                  <a:srgbClr val="7F7F7F"/>
-                </a:solidFill>
-                <a:latin typeface="Courier"/>
-                <a:cs typeface="Courier"/>
-              </a:rPr>
-              <a:t> </a:t>
-            </a:r>
-            <a:r>
-              <a:rPr lang="en-US" dirty="0" err="1" smtClean="0">
-                <a:latin typeface="Courier"/>
-                <a:cs typeface="Courier"/>
-              </a:rPr>
-              <a:t>ref.fas</a:t>
-            </a:r>
-            <a:endParaRPr lang="en-US" dirty="0" smtClean="0">
-              <a:latin typeface="Courier"/>
-              <a:cs typeface="Courier"/>
-            </a:endParaRPr>
+              <a:rPr lang="en-US" sz="3600" dirty="0" err="1" smtClean="0"/>
+              <a:t>Trinity.fasta</a:t>
+            </a:r>
+            <a:endParaRPr lang="en-US" sz="3600" dirty="0" smtClean="0"/>
           </a:p>
           <a:p>
             <a:pPr marL="0" indent="0">
               <a:buNone/>
             </a:pPr>
-            <a:endParaRPr lang="en-US" dirty="0" smtClean="0">
-              <a:latin typeface="Courier"/>
-              <a:cs typeface="Courier"/>
-            </a:endParaRPr>
+            <a:endParaRPr lang="en-US" dirty="0" smtClean="0"/>
           </a:p>
           <a:p>
             <a:pPr marL="0" indent="0">
               <a:buNone/>
             </a:pPr>
             <a:r>
-              <a:rPr lang="en-US" dirty="0">
-                <a:latin typeface="Courier"/>
-                <a:cs typeface="Courier"/>
-              </a:rPr>
-              <a:t>### index reference </a:t>
-            </a:r>
-            <a:r>
-              <a:rPr lang="en-US" dirty="0" smtClean="0">
-                <a:latin typeface="Courier"/>
-                <a:cs typeface="Courier"/>
-              </a:rPr>
-              <a:t>genome</a:t>
-            </a:r>
-            <a:endParaRPr lang="en-US" dirty="0">
-              <a:latin typeface="Courier"/>
-              <a:cs typeface="Courier"/>
-            </a:endParaRPr>
+              <a:rPr lang="en-US" dirty="0"/>
+              <a:t>&gt;TRINITY_DN0_c0_g1_i1 </a:t>
+            </a:r>
+            <a:r>
+              <a:rPr lang="en-US" dirty="0" err="1"/>
+              <a:t>len</a:t>
+            </a:r>
+            <a:r>
+              <a:rPr lang="en-US" dirty="0"/>
+              <a:t>=1335 path=[2742:0-99 2743</a:t>
+            </a:r>
+            <a:r>
+              <a:rPr lang="en-US" dirty="0" smtClean="0"/>
+              <a:t>: ...</a:t>
+            </a:r>
           </a:p>
           <a:p>
             <a:pPr marL="0" indent="0">
               <a:buNone/>
             </a:pPr>
-            <a:r>
-              <a:rPr lang="en-US" dirty="0" err="1" smtClean="0">
-                <a:latin typeface="Courier"/>
-                <a:cs typeface="Courier"/>
-              </a:rPr>
-              <a:t>gmap_build</a:t>
-            </a:r>
-            <a:r>
-              <a:rPr lang="en-US" dirty="0" smtClean="0">
-                <a:latin typeface="Courier"/>
-                <a:cs typeface="Courier"/>
-              </a:rPr>
-              <a:t> </a:t>
-            </a:r>
-            <a:r>
-              <a:rPr lang="en-US" dirty="0">
-                <a:latin typeface="Courier"/>
-                <a:cs typeface="Courier"/>
-              </a:rPr>
-              <a:t>-D . -d ref </a:t>
-            </a:r>
-            <a:r>
-              <a:rPr lang="en-US" dirty="0" err="1" smtClean="0">
-                <a:latin typeface="Courier"/>
-                <a:cs typeface="Courier"/>
-              </a:rPr>
-              <a:t>ref.fas</a:t>
-            </a:r>
-            <a:endParaRPr lang="en-US" dirty="0" smtClean="0">
-              <a:latin typeface="Courier"/>
-              <a:cs typeface="Courier"/>
-            </a:endParaRPr>
-          </a:p>
-          <a:p>
-            <a:pPr marL="0" indent="0">
-              <a:buNone/>
-            </a:pPr>
-            <a:endParaRPr lang="en-US" dirty="0">
-              <a:latin typeface="Courier"/>
-              <a:cs typeface="Courier"/>
-            </a:endParaRPr>
-          </a:p>
-        </p:txBody>
-      </p:sp>
-      <p:sp>
-        <p:nvSpPr>
-          <p:cNvPr id="4" name="TextBox 3"/>
-          <p:cNvSpPr txBox="1"/>
-          <p:nvPr/>
-        </p:nvSpPr>
-        <p:spPr>
-          <a:xfrm>
-            <a:off x="2325076" y="5385005"/>
-            <a:ext cx="4457070" cy="523220"/>
-          </a:xfrm>
-          <a:prstGeom prst="rect">
-            <a:avLst/>
-          </a:prstGeom>
-          <a:noFill/>
-        </p:spPr>
-        <p:txBody>
-          <a:bodyPr wrap="none" rtlCol="0">
-            <a:spAutoFit/>
-          </a:bodyPr>
-          <a:lstStyle/>
-          <a:p>
-            <a:r>
-              <a:rPr lang="en-US" sz="2800" dirty="0" smtClean="0">
-                <a:solidFill>
-                  <a:srgbClr val="FF0000"/>
-                </a:solidFill>
-              </a:rPr>
-              <a:t>skip due to long running time</a:t>
-            </a:r>
-            <a:endParaRPr lang="en-US" sz="2800" dirty="0">
-              <a:solidFill>
-                <a:srgbClr val="FF0000"/>
-              </a:solidFill>
-            </a:endParaRPr>
+            <a:endParaRPr lang="en-US" dirty="0"/>
+          </a:p>
+          <a:p>
+            <a:r>
+              <a:rPr lang="en-US" i="1" dirty="0" smtClean="0"/>
+              <a:t>DN0: cluster 0?</a:t>
+            </a:r>
+          </a:p>
+          <a:p>
+            <a:r>
+              <a:rPr lang="en-US" dirty="0" smtClean="0"/>
+              <a:t>c0: component 0</a:t>
+            </a:r>
+          </a:p>
+          <a:p>
+            <a:r>
+              <a:rPr lang="en-US" dirty="0" smtClean="0"/>
+              <a:t>g1: gene 1</a:t>
+            </a:r>
+          </a:p>
+          <a:p>
+            <a:r>
+              <a:rPr lang="en-US" dirty="0" smtClean="0"/>
+              <a:t>i1: isoform 1</a:t>
+            </a:r>
+            <a:endParaRPr lang="en-US" dirty="0"/>
           </a:p>
         </p:txBody>
       </p:sp>
     </p:spTree>
     <p:extLst>
       <p:ext uri="{BB962C8B-B14F-4D97-AF65-F5344CB8AC3E}">
-        <p14:creationId xmlns:p14="http://schemas.microsoft.com/office/powerpoint/2010/main" val="2762056711"/>
+        <p14:creationId xmlns:p14="http://schemas.microsoft.com/office/powerpoint/2010/main" val="273219371"/>
       </p:ext>
     </p:extLst>
   </p:cSld>

--- a/labs/lab11_RNA-Seq.pptx
+++ b/labs/lab11_RNA-Seq.pptx
@@ -204,7 +204,7 @@
           <a:p>
             <a:fld id="{08E6E0A8-E17C-C949-B17E-7A1A6494483A}" type="datetimeFigureOut">
               <a:rPr lang="en-US" smtClean="0"/>
-              <a:t>4/24/17</a:t>
+              <a:t>4/25/17</a:t>
             </a:fld>
             <a:endParaRPr lang="en-US"/>
           </a:p>
@@ -737,7 +737,7 @@
           <a:p>
             <a:fld id="{42B8B0BE-C8D7-EB48-AD68-71DB5002F24B}" type="datetimeFigureOut">
               <a:rPr lang="en-US" smtClean="0"/>
-              <a:t>4/24/17</a:t>
+              <a:t>4/25/17</a:t>
             </a:fld>
             <a:endParaRPr lang="en-US"/>
           </a:p>
@@ -907,7 +907,7 @@
           <a:p>
             <a:fld id="{42B8B0BE-C8D7-EB48-AD68-71DB5002F24B}" type="datetimeFigureOut">
               <a:rPr lang="en-US" smtClean="0"/>
-              <a:t>4/24/17</a:t>
+              <a:t>4/25/17</a:t>
             </a:fld>
             <a:endParaRPr lang="en-US"/>
           </a:p>
@@ -1087,7 +1087,7 @@
           <a:p>
             <a:fld id="{42B8B0BE-C8D7-EB48-AD68-71DB5002F24B}" type="datetimeFigureOut">
               <a:rPr lang="en-US" smtClean="0"/>
-              <a:t>4/24/17</a:t>
+              <a:t>4/25/17</a:t>
             </a:fld>
             <a:endParaRPr lang="en-US"/>
           </a:p>
@@ -1257,7 +1257,7 @@
           <a:p>
             <a:fld id="{42B8B0BE-C8D7-EB48-AD68-71DB5002F24B}" type="datetimeFigureOut">
               <a:rPr lang="en-US" smtClean="0"/>
-              <a:t>4/24/17</a:t>
+              <a:t>4/25/17</a:t>
             </a:fld>
             <a:endParaRPr lang="en-US"/>
           </a:p>
@@ -1503,7 +1503,7 @@
           <a:p>
             <a:fld id="{42B8B0BE-C8D7-EB48-AD68-71DB5002F24B}" type="datetimeFigureOut">
               <a:rPr lang="en-US" smtClean="0"/>
-              <a:t>4/24/17</a:t>
+              <a:t>4/25/17</a:t>
             </a:fld>
             <a:endParaRPr lang="en-US"/>
           </a:p>
@@ -1791,7 +1791,7 @@
           <a:p>
             <a:fld id="{42B8B0BE-C8D7-EB48-AD68-71DB5002F24B}" type="datetimeFigureOut">
               <a:rPr lang="en-US" smtClean="0"/>
-              <a:t>4/24/17</a:t>
+              <a:t>4/25/17</a:t>
             </a:fld>
             <a:endParaRPr lang="en-US"/>
           </a:p>
@@ -2213,7 +2213,7 @@
           <a:p>
             <a:fld id="{42B8B0BE-C8D7-EB48-AD68-71DB5002F24B}" type="datetimeFigureOut">
               <a:rPr lang="en-US" smtClean="0"/>
-              <a:t>4/24/17</a:t>
+              <a:t>4/25/17</a:t>
             </a:fld>
             <a:endParaRPr lang="en-US"/>
           </a:p>
@@ -2331,7 +2331,7 @@
           <a:p>
             <a:fld id="{42B8B0BE-C8D7-EB48-AD68-71DB5002F24B}" type="datetimeFigureOut">
               <a:rPr lang="en-US" smtClean="0"/>
-              <a:t>4/24/17</a:t>
+              <a:t>4/25/17</a:t>
             </a:fld>
             <a:endParaRPr lang="en-US"/>
           </a:p>
@@ -2426,7 +2426,7 @@
           <a:p>
             <a:fld id="{42B8B0BE-C8D7-EB48-AD68-71DB5002F24B}" type="datetimeFigureOut">
               <a:rPr lang="en-US" smtClean="0"/>
-              <a:t>4/24/17</a:t>
+              <a:t>4/25/17</a:t>
             </a:fld>
             <a:endParaRPr lang="en-US"/>
           </a:p>
@@ -2703,7 +2703,7 @@
           <a:p>
             <a:fld id="{42B8B0BE-C8D7-EB48-AD68-71DB5002F24B}" type="datetimeFigureOut">
               <a:rPr lang="en-US" smtClean="0"/>
-              <a:t>4/24/17</a:t>
+              <a:t>4/25/17</a:t>
             </a:fld>
             <a:endParaRPr lang="en-US"/>
           </a:p>
@@ -2956,7 +2956,7 @@
           <a:p>
             <a:fld id="{42B8B0BE-C8D7-EB48-AD68-71DB5002F24B}" type="datetimeFigureOut">
               <a:rPr lang="en-US" smtClean="0"/>
-              <a:t>4/24/17</a:t>
+              <a:t>4/25/17</a:t>
             </a:fld>
             <a:endParaRPr lang="en-US"/>
           </a:p>
@@ -3169,7 +3169,7 @@
           <a:p>
             <a:fld id="{42B8B0BE-C8D7-EB48-AD68-71DB5002F24B}" type="datetimeFigureOut">
               <a:rPr lang="en-US" smtClean="0"/>
-              <a:t>4/24/17</a:t>
+              <a:t>4/25/17</a:t>
             </a:fld>
             <a:endParaRPr lang="en-US"/>
           </a:p>
@@ -4110,7 +4110,12 @@
             <p:ph type="title"/>
           </p:nvPr>
         </p:nvSpPr>
-        <p:spPr/>
+        <p:spPr>
+          <a:xfrm>
+            <a:off x="457200" y="194924"/>
+            <a:ext cx="8229600" cy="772987"/>
+          </a:xfrm>
+        </p:spPr>
         <p:txBody>
           <a:bodyPr/>
           <a:lstStyle/>
@@ -4155,7 +4160,7 @@
         </p:nvSpPr>
         <p:spPr>
           <a:xfrm>
-            <a:off x="101233" y="1497010"/>
+            <a:off x="101233" y="1491128"/>
             <a:ext cx="8981864" cy="5146067"/>
           </a:xfrm>
           <a:solidFill>
@@ -4202,20 +4207,20 @@
               <a:buNone/>
             </a:pPr>
             <a:r>
-              <a:rPr lang="en-US" sz="2000" dirty="0" err="1" smtClean="0">
+              <a:rPr lang="en-US" sz="1800" dirty="0" err="1" smtClean="0">
                 <a:latin typeface="Courier"/>
                 <a:cs typeface="Courier"/>
               </a:rPr>
               <a:t>db</a:t>
             </a:r>
             <a:r>
-              <a:rPr lang="en-US" sz="2000" dirty="0" smtClean="0">
+              <a:rPr lang="en-US" sz="1800" dirty="0" smtClean="0">
                 <a:latin typeface="Courier"/>
                 <a:cs typeface="Courier"/>
               </a:rPr>
               <a:t>=ref</a:t>
             </a:r>
-            <a:endParaRPr lang="en-US" sz="2000" dirty="0">
+            <a:endParaRPr lang="en-US" sz="1800" dirty="0">
               <a:latin typeface="Courier"/>
               <a:cs typeface="Courier"/>
             </a:endParaRPr>
@@ -4225,34 +4230,34 @@
               <a:buNone/>
             </a:pPr>
             <a:r>
-              <a:rPr lang="en-US" sz="2000" dirty="0">
+              <a:rPr lang="en-US" sz="1800" dirty="0">
                 <a:latin typeface="Courier"/>
                 <a:cs typeface="Courier"/>
               </a:rPr>
               <a:t>fq1</a:t>
             </a:r>
             <a:r>
-              <a:rPr lang="en-US" sz="2000" dirty="0" smtClean="0">
+              <a:rPr lang="en-US" sz="1800" dirty="0" smtClean="0">
                 <a:latin typeface="Courier"/>
                 <a:cs typeface="Courier"/>
               </a:rPr>
               <a:t>=../</a:t>
             </a:r>
             <a:r>
-              <a:rPr lang="en-US" sz="2000" dirty="0" err="1" smtClean="0">
+              <a:rPr lang="en-US" sz="1800" dirty="0" err="1" smtClean="0">
                 <a:latin typeface="Courier"/>
                 <a:cs typeface="Courier"/>
               </a:rPr>
               <a:t>denovo</a:t>
             </a:r>
             <a:r>
-              <a:rPr lang="en-US" sz="2000" dirty="0" smtClean="0">
+              <a:rPr lang="en-US" sz="1800" dirty="0" smtClean="0">
                 <a:latin typeface="Courier"/>
                 <a:cs typeface="Courier"/>
               </a:rPr>
               <a:t>/read1.fq</a:t>
             </a:r>
-            <a:endParaRPr lang="en-US" sz="2000" dirty="0">
+            <a:endParaRPr lang="en-US" sz="1800" dirty="0">
               <a:latin typeface="Courier"/>
               <a:cs typeface="Courier"/>
             </a:endParaRPr>
@@ -4262,34 +4267,34 @@
               <a:buNone/>
             </a:pPr>
             <a:r>
-              <a:rPr lang="en-US" sz="2000" dirty="0">
+              <a:rPr lang="en-US" sz="1800" dirty="0">
                 <a:latin typeface="Courier"/>
                 <a:cs typeface="Courier"/>
               </a:rPr>
               <a:t>fq2=../</a:t>
             </a:r>
             <a:r>
-              <a:rPr lang="en-US" sz="2000" dirty="0" err="1">
+              <a:rPr lang="en-US" sz="1800" dirty="0" err="1">
                 <a:latin typeface="Courier"/>
                 <a:cs typeface="Courier"/>
               </a:rPr>
               <a:t>denovo</a:t>
             </a:r>
             <a:r>
-              <a:rPr lang="en-US" sz="2000" dirty="0">
+              <a:rPr lang="en-US" sz="1800" dirty="0">
                 <a:latin typeface="Courier"/>
                 <a:cs typeface="Courier"/>
               </a:rPr>
               <a:t>/read2</a:t>
             </a:r>
             <a:r>
-              <a:rPr lang="en-US" sz="2000" dirty="0" smtClean="0">
+              <a:rPr lang="en-US" sz="1800" dirty="0" smtClean="0">
                 <a:latin typeface="Courier"/>
                 <a:cs typeface="Courier"/>
               </a:rPr>
               <a:t>.fq</a:t>
             </a:r>
-            <a:endParaRPr lang="en-US" sz="2000" dirty="0">
+            <a:endParaRPr lang="en-US" sz="1800" dirty="0">
               <a:latin typeface="Courier"/>
               <a:cs typeface="Courier"/>
             </a:endParaRPr>
@@ -4299,27 +4304,27 @@
               <a:buNone/>
             </a:pPr>
             <a:r>
-              <a:rPr lang="en-US" sz="2000" dirty="0">
+              <a:rPr lang="en-US" sz="1800" dirty="0">
                 <a:latin typeface="Courier"/>
                 <a:cs typeface="Courier"/>
               </a:rPr>
               <a:t>out</a:t>
             </a:r>
             <a:r>
-              <a:rPr lang="en-US" sz="2000" dirty="0" smtClean="0">
+              <a:rPr lang="en-US" sz="1800" dirty="0" smtClean="0">
                 <a:latin typeface="Courier"/>
                 <a:cs typeface="Courier"/>
               </a:rPr>
               <a:t>=</a:t>
             </a:r>
             <a:r>
-              <a:rPr lang="en-US" sz="2000" dirty="0" err="1" smtClean="0">
+              <a:rPr lang="en-US" sz="1800" dirty="0" err="1" smtClean="0">
                 <a:latin typeface="Courier"/>
                 <a:cs typeface="Courier"/>
               </a:rPr>
               <a:t>aln</a:t>
             </a:r>
-            <a:endParaRPr lang="en-US" sz="2000" dirty="0" smtClean="0">
+            <a:endParaRPr lang="en-US" sz="1800" dirty="0" smtClean="0">
               <a:latin typeface="Courier"/>
               <a:cs typeface="Courier"/>
             </a:endParaRPr>
@@ -4328,7 +4333,7 @@
             <a:pPr marL="0" indent="0">
               <a:buNone/>
             </a:pPr>
-            <a:endParaRPr lang="en-US" sz="2000" dirty="0" smtClean="0">
+            <a:endParaRPr lang="en-US" sz="1800" dirty="0" smtClean="0">
               <a:latin typeface="Courier"/>
               <a:cs typeface="Courier"/>
             </a:endParaRPr>
@@ -4338,13 +4343,13 @@
               <a:buNone/>
             </a:pPr>
             <a:r>
-              <a:rPr lang="en-US" sz="2000" dirty="0" smtClean="0">
+              <a:rPr lang="en-US" sz="1800" dirty="0" smtClean="0">
                 <a:latin typeface="Courier"/>
                 <a:cs typeface="Courier"/>
               </a:rPr>
               <a:t>### alignment</a:t>
             </a:r>
-            <a:endParaRPr lang="en-US" sz="2000" dirty="0">
+            <a:endParaRPr lang="en-US" sz="1800" dirty="0">
               <a:latin typeface="Courier"/>
               <a:cs typeface="Courier"/>
             </a:endParaRPr>
@@ -4354,70 +4359,70 @@
               <a:buNone/>
             </a:pPr>
             <a:r>
-              <a:rPr lang="en-US" sz="2000" dirty="0">
+              <a:rPr lang="en-US" sz="1800" dirty="0">
                 <a:latin typeface="Courier"/>
                 <a:cs typeface="Courier"/>
               </a:rPr>
               <a:t>/homes/liu3zhen/software/bin</a:t>
             </a:r>
             <a:r>
-              <a:rPr lang="en-US" sz="2000" dirty="0" smtClean="0">
+              <a:rPr lang="en-US" sz="1800" dirty="0" smtClean="0">
                 <a:latin typeface="Courier"/>
                 <a:cs typeface="Courier"/>
               </a:rPr>
               <a:t>/</a:t>
             </a:r>
             <a:r>
-              <a:rPr lang="en-US" sz="2000" dirty="0" err="1" smtClean="0">
+              <a:rPr lang="en-US" sz="1800" dirty="0" err="1" smtClean="0">
                 <a:latin typeface="Courier"/>
                 <a:cs typeface="Courier"/>
               </a:rPr>
               <a:t>gsnap</a:t>
             </a:r>
             <a:r>
-              <a:rPr lang="en-US" sz="2000" dirty="0" smtClean="0">
+              <a:rPr lang="en-US" sz="1800" dirty="0" smtClean="0">
                 <a:latin typeface="Courier"/>
                 <a:cs typeface="Courier"/>
               </a:rPr>
               <a:t> </a:t>
             </a:r>
             <a:r>
-              <a:rPr lang="en-US" sz="2000" dirty="0">
+              <a:rPr lang="en-US" sz="1800" dirty="0">
                 <a:latin typeface="Courier"/>
                 <a:cs typeface="Courier"/>
               </a:rPr>
               <a:t>-D $</a:t>
             </a:r>
             <a:r>
-              <a:rPr lang="en-US" sz="2000" dirty="0" err="1">
+              <a:rPr lang="en-US" sz="1800" dirty="0" err="1">
                 <a:latin typeface="Courier"/>
                 <a:cs typeface="Courier"/>
               </a:rPr>
               <a:t>refpath</a:t>
             </a:r>
             <a:r>
-              <a:rPr lang="en-US" sz="2000" dirty="0">
+              <a:rPr lang="en-US" sz="1800" dirty="0">
                 <a:latin typeface="Courier"/>
                 <a:cs typeface="Courier"/>
               </a:rPr>
               <a:t> -d $</a:t>
             </a:r>
             <a:r>
-              <a:rPr lang="en-US" sz="2000" dirty="0" err="1" smtClean="0">
+              <a:rPr lang="en-US" sz="1800" dirty="0" err="1" smtClean="0">
                 <a:latin typeface="Courier"/>
                 <a:cs typeface="Courier"/>
               </a:rPr>
               <a:t>db</a:t>
             </a:r>
             <a:r>
-              <a:rPr lang="en-US" sz="2000" dirty="0">
+              <a:rPr lang="en-US" sz="1800" dirty="0">
                 <a:latin typeface="Courier"/>
                 <a:cs typeface="Courier"/>
               </a:rPr>
               <a:t> </a:t>
             </a:r>
             <a:r>
-              <a:rPr lang="en-US" sz="2000" dirty="0" smtClean="0">
+              <a:rPr lang="en-US" sz="1800" dirty="0" smtClean="0">
                 <a:latin typeface="Courier"/>
                 <a:cs typeface="Courier"/>
               </a:rPr>
@@ -4429,83 +4434,83 @@
               <a:buNone/>
             </a:pPr>
             <a:r>
-              <a:rPr lang="en-US" sz="2000" dirty="0" smtClean="0">
+              <a:rPr lang="en-US" sz="1800" dirty="0" smtClean="0">
                 <a:latin typeface="Courier"/>
                 <a:cs typeface="Courier"/>
               </a:rPr>
               <a:t>-</a:t>
             </a:r>
             <a:r>
-              <a:rPr lang="en-US" sz="2000" dirty="0">
+              <a:rPr lang="en-US" sz="1800" dirty="0">
                 <a:latin typeface="Courier"/>
                 <a:cs typeface="Courier"/>
               </a:rPr>
               <a:t>B 2 -N 1 -</a:t>
             </a:r>
             <a:r>
-              <a:rPr lang="en-US" sz="2000" dirty="0" err="1">
+              <a:rPr lang="en-US" sz="1800" dirty="0" err="1">
                 <a:latin typeface="Courier"/>
                 <a:cs typeface="Courier"/>
               </a:rPr>
               <a:t>i</a:t>
             </a:r>
             <a:r>
-              <a:rPr lang="en-US" sz="2000" dirty="0">
+              <a:rPr lang="en-US" sz="1800" dirty="0">
                 <a:latin typeface="Courier"/>
                 <a:cs typeface="Courier"/>
               </a:rPr>
               <a:t> 2 -n 3 -t 4 </a:t>
             </a:r>
             <a:r>
-              <a:rPr lang="en-US" sz="2000" dirty="0" smtClean="0">
+              <a:rPr lang="en-US" sz="1800" dirty="0" smtClean="0">
                 <a:latin typeface="Courier"/>
                 <a:cs typeface="Courier"/>
               </a:rPr>
               <a:t>-</a:t>
             </a:r>
             <a:r>
-              <a:rPr lang="en-US" sz="2000" dirty="0">
+              <a:rPr lang="en-US" sz="1800" dirty="0">
                 <a:latin typeface="Courier"/>
                 <a:cs typeface="Courier"/>
               </a:rPr>
               <a:t>-format=</a:t>
             </a:r>
             <a:r>
-              <a:rPr lang="en-US" sz="2000" dirty="0" err="1">
+              <a:rPr lang="en-US" sz="1800" dirty="0" err="1">
                 <a:latin typeface="Courier"/>
                 <a:cs typeface="Courier"/>
               </a:rPr>
               <a:t>sam</a:t>
             </a:r>
             <a:r>
-              <a:rPr lang="en-US" sz="2000" dirty="0">
+              <a:rPr lang="en-US" sz="1800" dirty="0">
                 <a:latin typeface="Courier"/>
                 <a:cs typeface="Courier"/>
               </a:rPr>
               <a:t> $fq1 $fq2 </a:t>
             </a:r>
             <a:r>
-              <a:rPr lang="en-US" sz="2000" dirty="0" smtClean="0">
+              <a:rPr lang="en-US" sz="1800" dirty="0" smtClean="0">
                 <a:latin typeface="Courier"/>
                 <a:cs typeface="Courier"/>
               </a:rPr>
               <a:t>&gt;</a:t>
             </a:r>
             <a:r>
-              <a:rPr lang="en-US" sz="2000" dirty="0">
+              <a:rPr lang="en-US" sz="1800" dirty="0">
                 <a:latin typeface="Courier"/>
                 <a:cs typeface="Courier"/>
               </a:rPr>
               <a:t>$</a:t>
             </a:r>
             <a:r>
-              <a:rPr lang="en-US" sz="2000" dirty="0" err="1">
+              <a:rPr lang="en-US" sz="1800" dirty="0" err="1">
                 <a:latin typeface="Courier"/>
                 <a:cs typeface="Courier"/>
               </a:rPr>
               <a:t>out.sam</a:t>
             </a:r>
-            <a:endParaRPr lang="en-US" sz="2000" dirty="0">
+            <a:endParaRPr lang="en-US" sz="1800" dirty="0">
               <a:latin typeface="Courier"/>
               <a:cs typeface="Courier"/>
             </a:endParaRPr>
@@ -4514,7 +4519,7 @@
             <a:pPr marL="0" indent="0">
               <a:buNone/>
             </a:pPr>
-            <a:endParaRPr lang="en-US" sz="2000" dirty="0" smtClean="0">
+            <a:endParaRPr lang="en-US" sz="1800" dirty="0" smtClean="0">
               <a:latin typeface="Courier"/>
               <a:cs typeface="Courier"/>
             </a:endParaRPr>
@@ -4524,14 +4529,14 @@
               <a:buNone/>
             </a:pPr>
             <a:r>
-              <a:rPr lang="en-US" sz="2000" dirty="0" smtClean="0">
+              <a:rPr lang="en-US" sz="1800" dirty="0" smtClean="0">
                 <a:latin typeface="Courier"/>
                 <a:cs typeface="Courier"/>
               </a:rPr>
               <a:t>#</a:t>
             </a:r>
             <a:r>
-              <a:rPr lang="en-US" sz="2000" dirty="0">
+              <a:rPr lang="en-US" sz="1800" dirty="0">
                 <a:latin typeface="Courier"/>
                 <a:cs typeface="Courier"/>
               </a:rPr>
@@ -4543,62 +4548,62 @@
               <a:buNone/>
             </a:pPr>
             <a:r>
-              <a:rPr lang="en-US" sz="2000" dirty="0" err="1" smtClean="0">
+              <a:rPr lang="en-US" sz="1800" dirty="0" err="1" smtClean="0">
                 <a:latin typeface="Courier"/>
                 <a:cs typeface="Courier"/>
               </a:rPr>
               <a:t>samtools</a:t>
             </a:r>
             <a:r>
-              <a:rPr lang="en-US" sz="2000" dirty="0" smtClean="0">
+              <a:rPr lang="en-US" sz="1800" dirty="0" smtClean="0">
                 <a:latin typeface="Courier"/>
                 <a:cs typeface="Courier"/>
               </a:rPr>
               <a:t> </a:t>
             </a:r>
             <a:r>
-              <a:rPr lang="en-US" sz="2000" dirty="0">
+              <a:rPr lang="en-US" sz="1800" dirty="0">
                 <a:latin typeface="Courier"/>
                 <a:cs typeface="Courier"/>
               </a:rPr>
               <a:t>view -</a:t>
             </a:r>
             <a:r>
-              <a:rPr lang="en-US" sz="2000" dirty="0" err="1">
+              <a:rPr lang="en-US" sz="1800" dirty="0" err="1">
                 <a:latin typeface="Courier"/>
                 <a:cs typeface="Courier"/>
               </a:rPr>
               <a:t>bS</a:t>
             </a:r>
             <a:r>
-              <a:rPr lang="en-US" sz="2000" dirty="0">
+              <a:rPr lang="en-US" sz="1800" dirty="0">
                 <a:latin typeface="Courier"/>
                 <a:cs typeface="Courier"/>
               </a:rPr>
               <a:t> $</a:t>
             </a:r>
             <a:r>
-              <a:rPr lang="en-US" sz="2000" dirty="0" err="1">
+              <a:rPr lang="en-US" sz="1800" dirty="0" err="1">
                 <a:latin typeface="Courier"/>
                 <a:cs typeface="Courier"/>
               </a:rPr>
               <a:t>out.sam</a:t>
             </a:r>
             <a:r>
-              <a:rPr lang="en-US" sz="2000" dirty="0">
+              <a:rPr lang="en-US" sz="1800" dirty="0">
                 <a:latin typeface="Courier"/>
                 <a:cs typeface="Courier"/>
               </a:rPr>
               <a:t> -o $</a:t>
             </a:r>
             <a:r>
-              <a:rPr lang="en-US" sz="2000" dirty="0" err="1">
-                <a:latin typeface="Courier"/>
-                <a:cs typeface="Courier"/>
-              </a:rPr>
-              <a:t>out.tmp</a:t>
-            </a:r>
-            <a:endParaRPr lang="en-US" sz="2000" dirty="0">
+              <a:rPr lang="en-US" sz="1800" dirty="0" err="1" smtClean="0">
+                <a:latin typeface="Courier"/>
+                <a:cs typeface="Courier"/>
+              </a:rPr>
+              <a:t>out.tmp.bam</a:t>
+            </a:r>
+            <a:endParaRPr lang="en-US" sz="1800" dirty="0">
               <a:latin typeface="Courier"/>
               <a:cs typeface="Courier"/>
             </a:endParaRPr>
@@ -4608,78 +4613,136 @@
               <a:buNone/>
             </a:pPr>
             <a:r>
-              <a:rPr lang="en-US" sz="2000" dirty="0" err="1" smtClean="0">
+              <a:rPr lang="en-US" sz="1800" dirty="0" err="1" smtClean="0">
                 <a:latin typeface="Courier"/>
                 <a:cs typeface="Courier"/>
               </a:rPr>
               <a:t>samtools</a:t>
             </a:r>
             <a:r>
-              <a:rPr lang="en-US" sz="2000" dirty="0" smtClean="0">
+              <a:rPr lang="en-US" sz="1800" dirty="0" smtClean="0">
                 <a:latin typeface="Courier"/>
                 <a:cs typeface="Courier"/>
               </a:rPr>
               <a:t> </a:t>
             </a:r>
             <a:r>
-              <a:rPr lang="en-US" sz="2000" dirty="0">
-                <a:latin typeface="Courier"/>
-                <a:cs typeface="Courier"/>
-              </a:rPr>
-              <a:t>sort $</a:t>
-            </a:r>
-            <a:r>
-              <a:rPr lang="en-US" sz="2000" dirty="0" err="1">
-                <a:latin typeface="Courier"/>
-                <a:cs typeface="Courier"/>
-              </a:rPr>
-              <a:t>out.tmp</a:t>
-            </a:r>
-            <a:r>
-              <a:rPr lang="en-US" sz="2000" dirty="0">
-                <a:latin typeface="Courier"/>
-                <a:cs typeface="Courier"/>
-              </a:rPr>
-              <a:t> $out</a:t>
-            </a:r>
-          </a:p>
-          <a:p>
-            <a:pPr marL="0" indent="0">
-              <a:buNone/>
-            </a:pPr>
-            <a:r>
-              <a:rPr lang="en-US" sz="2000" dirty="0" err="1" smtClean="0">
-                <a:latin typeface="Courier"/>
-                <a:cs typeface="Courier"/>
-              </a:rPr>
-              <a:t>samtools</a:t>
-            </a:r>
-            <a:r>
-              <a:rPr lang="en-US" sz="2000" dirty="0" smtClean="0">
-                <a:latin typeface="Courier"/>
-                <a:cs typeface="Courier"/>
-              </a:rPr>
-              <a:t> </a:t>
-            </a:r>
-            <a:r>
-              <a:rPr lang="en-US" sz="2000" dirty="0">
-                <a:latin typeface="Courier"/>
-                <a:cs typeface="Courier"/>
-              </a:rPr>
-              <a:t>index $</a:t>
-            </a:r>
-            <a:r>
-              <a:rPr lang="en-US" sz="2000" dirty="0" err="1" smtClean="0">
+              <a:rPr lang="en-US" sz="1800">
+                <a:latin typeface="Courier"/>
+                <a:cs typeface="Courier"/>
+              </a:rPr>
+              <a:t>sort </a:t>
+            </a:r>
+            <a:r>
+              <a:rPr lang="en-US" sz="1800" smtClean="0">
+                <a:latin typeface="Courier"/>
+                <a:cs typeface="Courier"/>
+              </a:rPr>
+              <a:t>–f $</a:t>
+            </a:r>
+            <a:r>
+              <a:rPr lang="en-US" sz="1800" dirty="0" err="1" smtClean="0">
+                <a:latin typeface="Courier"/>
+                <a:cs typeface="Courier"/>
+              </a:rPr>
+              <a:t>out.tmp.bam</a:t>
+            </a:r>
+            <a:r>
+              <a:rPr lang="en-US" sz="1800" dirty="0" smtClean="0">
+                <a:latin typeface="Courier"/>
+                <a:cs typeface="Courier"/>
+              </a:rPr>
+              <a:t> –o $</a:t>
+            </a:r>
+            <a:r>
+              <a:rPr lang="en-US" sz="1800" dirty="0" err="1" smtClean="0">
                 <a:latin typeface="Courier"/>
                 <a:cs typeface="Courier"/>
               </a:rPr>
               <a:t>out.bam</a:t>
             </a:r>
-            <a:endParaRPr lang="en-US" sz="2000" dirty="0">
+            <a:endParaRPr lang="en-US" sz="1800" dirty="0">
               <a:latin typeface="Courier"/>
               <a:cs typeface="Courier"/>
             </a:endParaRPr>
           </a:p>
+          <a:p>
+            <a:pPr marL="0" indent="0">
+              <a:buNone/>
+            </a:pPr>
+            <a:r>
+              <a:rPr lang="en-US" sz="1800" dirty="0" err="1" smtClean="0">
+                <a:latin typeface="Courier"/>
+                <a:cs typeface="Courier"/>
+              </a:rPr>
+              <a:t>samtools</a:t>
+            </a:r>
+            <a:r>
+              <a:rPr lang="en-US" sz="1800" dirty="0" smtClean="0">
+                <a:latin typeface="Courier"/>
+                <a:cs typeface="Courier"/>
+              </a:rPr>
+              <a:t> </a:t>
+            </a:r>
+            <a:r>
+              <a:rPr lang="en-US" sz="1800" dirty="0">
+                <a:latin typeface="Courier"/>
+                <a:cs typeface="Courier"/>
+              </a:rPr>
+              <a:t>index $</a:t>
+            </a:r>
+            <a:r>
+              <a:rPr lang="en-US" sz="1800" dirty="0" err="1" smtClean="0">
+                <a:latin typeface="Courier"/>
+                <a:cs typeface="Courier"/>
+              </a:rPr>
+              <a:t>out.bam</a:t>
+            </a:r>
+            <a:endParaRPr lang="en-US" sz="1800" dirty="0" smtClean="0">
+              <a:latin typeface="Courier"/>
+              <a:cs typeface="Courier"/>
+            </a:endParaRPr>
+          </a:p>
+          <a:p>
+            <a:pPr marL="0" indent="0">
+              <a:buNone/>
+            </a:pPr>
+            <a:r>
+              <a:rPr lang="en-US" sz="1800" dirty="0" err="1" smtClean="0">
+                <a:latin typeface="Courier"/>
+                <a:cs typeface="Courier"/>
+              </a:rPr>
+              <a:t>rm</a:t>
+            </a:r>
+            <a:r>
+              <a:rPr lang="en-US" sz="1800" dirty="0" smtClean="0">
+                <a:latin typeface="Courier"/>
+                <a:cs typeface="Courier"/>
+              </a:rPr>
+              <a:t> </a:t>
+            </a:r>
+            <a:r>
+              <a:rPr lang="en-US" sz="1800" dirty="0">
+                <a:latin typeface="Courier"/>
+                <a:cs typeface="Courier"/>
+              </a:rPr>
+              <a:t>$</a:t>
+            </a:r>
+            <a:r>
+              <a:rPr lang="en-US" sz="1800" dirty="0" err="1">
+                <a:latin typeface="Courier"/>
+                <a:cs typeface="Courier"/>
+              </a:rPr>
+              <a:t>out.tmp.bam</a:t>
+            </a:r>
+            <a:r>
+              <a:rPr lang="en-US" sz="1800" dirty="0">
+                <a:latin typeface="Courier"/>
+                <a:cs typeface="Courier"/>
+              </a:rPr>
+              <a:t> </a:t>
+            </a:r>
+          </a:p>
         </p:txBody>
       </p:sp>
       <p:sp>
@@ -4690,7 +4753,7 @@
         </p:nvSpPr>
         <p:spPr>
           <a:xfrm>
-            <a:off x="239208" y="967911"/>
+            <a:off x="239208" y="894292"/>
             <a:ext cx="3595330" cy="523220"/>
           </a:xfrm>
           <a:prstGeom prst="rect">
@@ -6148,21 +6211,65 @@
                 <a:latin typeface="Courier"/>
                 <a:cs typeface="Courier"/>
               </a:rPr>
-              <a:t>16G </a:t>
+              <a:t>16G --CPU 4 \</a:t>
+            </a:r>
+          </a:p>
+          <a:p>
+            <a:r>
+              <a:rPr lang="es-ES_tradnl" sz="1600" dirty="0">
+                <a:latin typeface="Courier"/>
+                <a:cs typeface="Courier"/>
+              </a:rPr>
+              <a:t> </a:t>
             </a:r>
             <a:r>
               <a:rPr lang="es-ES_tradnl" sz="1600" dirty="0" smtClean="0">
                 <a:latin typeface="Courier"/>
                 <a:cs typeface="Courier"/>
               </a:rPr>
-              <a:t>--CPU </a:t>
+              <a:t> -</a:t>
+            </a:r>
+            <a:r>
+              <a:rPr lang="es-ES_tradnl" sz="1600" dirty="0">
+                <a:latin typeface="Courier"/>
+                <a:cs typeface="Courier"/>
+              </a:rPr>
+              <a:t>-</a:t>
+            </a:r>
+            <a:r>
+              <a:rPr lang="es-ES_tradnl" sz="1600" dirty="0" err="1">
+                <a:latin typeface="Courier"/>
+                <a:cs typeface="Courier"/>
+              </a:rPr>
+              <a:t>left</a:t>
+            </a:r>
+            <a:r>
+              <a:rPr lang="es-ES_tradnl" sz="1600" dirty="0">
+                <a:latin typeface="Courier"/>
+                <a:cs typeface="Courier"/>
+              </a:rPr>
+              <a:t> read1.fq --</a:t>
+            </a:r>
+            <a:r>
+              <a:rPr lang="es-ES_tradnl" sz="1600" dirty="0" err="1">
+                <a:latin typeface="Courier"/>
+                <a:cs typeface="Courier"/>
+              </a:rPr>
+              <a:t>right</a:t>
+            </a:r>
+            <a:r>
+              <a:rPr lang="es-ES_tradnl" sz="1600" dirty="0">
+                <a:latin typeface="Courier"/>
+                <a:cs typeface="Courier"/>
+              </a:rPr>
+              <a:t> read2.fq </a:t>
             </a:r>
             <a:r>
               <a:rPr lang="es-ES_tradnl" sz="1600" dirty="0" smtClean="0">
                 <a:latin typeface="Courier"/>
                 <a:cs typeface="Courier"/>
               </a:rPr>
-              <a:t>4 \</a:t>
+              <a:t>\</a:t>
             </a:r>
           </a:p>
           <a:p>
@@ -6178,72 +6285,7 @@
                 <a:latin typeface="Courier"/>
                 <a:cs typeface="Courier"/>
               </a:rPr>
-              <a:t> -</a:t>
-            </a:r>
-            <a:r>
-              <a:rPr lang="es-ES_tradnl" sz="1600" dirty="0">
-                <a:latin typeface="Courier"/>
-                <a:cs typeface="Courier"/>
-              </a:rPr>
-              <a:t>-</a:t>
-            </a:r>
-            <a:r>
-              <a:rPr lang="es-ES_tradnl" sz="1600" dirty="0" err="1">
-                <a:latin typeface="Courier"/>
-                <a:cs typeface="Courier"/>
-              </a:rPr>
-              <a:t>left</a:t>
-            </a:r>
-            <a:r>
-              <a:rPr lang="es-ES_tradnl" sz="1600" dirty="0">
-                <a:latin typeface="Courier"/>
-                <a:cs typeface="Courier"/>
-              </a:rPr>
-              <a:t> read1.fq --</a:t>
-            </a:r>
-            <a:r>
-              <a:rPr lang="es-ES_tradnl" sz="1600" dirty="0" err="1">
-                <a:latin typeface="Courier"/>
-                <a:cs typeface="Courier"/>
-              </a:rPr>
-              <a:t>right</a:t>
-            </a:r>
-            <a:r>
-              <a:rPr lang="es-ES_tradnl" sz="1600" dirty="0">
-                <a:latin typeface="Courier"/>
-                <a:cs typeface="Courier"/>
-              </a:rPr>
-              <a:t> read2.fq </a:t>
-            </a:r>
-            <a:r>
-              <a:rPr lang="es-ES_tradnl" sz="1600" dirty="0" smtClean="0">
-                <a:latin typeface="Courier"/>
-                <a:cs typeface="Courier"/>
-              </a:rPr>
-              <a:t>\</a:t>
-            </a:r>
-          </a:p>
-          <a:p>
-            <a:r>
-              <a:rPr lang="es-ES_tradnl" sz="1600" dirty="0">
-                <a:latin typeface="Courier"/>
-                <a:cs typeface="Courier"/>
-              </a:rPr>
-              <a:t> </a:t>
-            </a:r>
-            <a:r>
-              <a:rPr lang="es-ES_tradnl" sz="1600" dirty="0" smtClean="0">
-                <a:latin typeface="Courier"/>
-                <a:cs typeface="Courier"/>
-              </a:rPr>
-              <a:t> </a:t>
-            </a:r>
-            <a:r>
-              <a:rPr lang="es-ES_tradnl" sz="1600" dirty="0" smtClean="0">
-                <a:latin typeface="Courier"/>
-                <a:cs typeface="Courier"/>
-              </a:rPr>
-              <a:t>--output </a:t>
+              <a:t> --output </a:t>
             </a:r>
             <a:r>
               <a:rPr lang="es-ES_tradnl" sz="1600" dirty="0" err="1">
@@ -6739,14 +6781,7 @@
                 <a:latin typeface="Courier"/>
                 <a:cs typeface="Courier"/>
               </a:rPr>
-              <a:t>-</a:t>
-            </a:r>
-            <a:r>
-              <a:rPr lang="es-ES_tradnl" dirty="0" smtClean="0">
-                <a:latin typeface="Courier"/>
-                <a:cs typeface="Courier"/>
-              </a:rPr>
-              <a:t>-output </a:t>
+              <a:t>--output </a:t>
             </a:r>
             <a:r>
               <a:rPr lang="es-ES_tradnl" dirty="0" err="1">

--- a/labs/lab11_RNA-Seq.pptx
+++ b/labs/lab11_RNA-Seq.pptx
@@ -204,7 +204,7 @@
           <a:p>
             <a:fld id="{08E6E0A8-E17C-C949-B17E-7A1A6494483A}" type="datetimeFigureOut">
               <a:rPr lang="en-US" smtClean="0"/>
-              <a:t>4/25/17</a:t>
+              <a:t>4/27/17</a:t>
             </a:fld>
             <a:endParaRPr lang="en-US"/>
           </a:p>
@@ -737,7 +737,7 @@
           <a:p>
             <a:fld id="{42B8B0BE-C8D7-EB48-AD68-71DB5002F24B}" type="datetimeFigureOut">
               <a:rPr lang="en-US" smtClean="0"/>
-              <a:t>4/25/17</a:t>
+              <a:t>4/27/17</a:t>
             </a:fld>
             <a:endParaRPr lang="en-US"/>
           </a:p>
@@ -907,7 +907,7 @@
           <a:p>
             <a:fld id="{42B8B0BE-C8D7-EB48-AD68-71DB5002F24B}" type="datetimeFigureOut">
               <a:rPr lang="en-US" smtClean="0"/>
-              <a:t>4/25/17</a:t>
+              <a:t>4/27/17</a:t>
             </a:fld>
             <a:endParaRPr lang="en-US"/>
           </a:p>
@@ -1087,7 +1087,7 @@
           <a:p>
             <a:fld id="{42B8B0BE-C8D7-EB48-AD68-71DB5002F24B}" type="datetimeFigureOut">
               <a:rPr lang="en-US" smtClean="0"/>
-              <a:t>4/25/17</a:t>
+              <a:t>4/27/17</a:t>
             </a:fld>
             <a:endParaRPr lang="en-US"/>
           </a:p>
@@ -1257,7 +1257,7 @@
           <a:p>
             <a:fld id="{42B8B0BE-C8D7-EB48-AD68-71DB5002F24B}" type="datetimeFigureOut">
               <a:rPr lang="en-US" smtClean="0"/>
-              <a:t>4/25/17</a:t>
+              <a:t>4/27/17</a:t>
             </a:fld>
             <a:endParaRPr lang="en-US"/>
           </a:p>
@@ -1503,7 +1503,7 @@
           <a:p>
             <a:fld id="{42B8B0BE-C8D7-EB48-AD68-71DB5002F24B}" type="datetimeFigureOut">
               <a:rPr lang="en-US" smtClean="0"/>
-              <a:t>4/25/17</a:t>
+              <a:t>4/27/17</a:t>
             </a:fld>
             <a:endParaRPr lang="en-US"/>
           </a:p>
@@ -1791,7 +1791,7 @@
           <a:p>
             <a:fld id="{42B8B0BE-C8D7-EB48-AD68-71DB5002F24B}" type="datetimeFigureOut">
               <a:rPr lang="en-US" smtClean="0"/>
-              <a:t>4/25/17</a:t>
+              <a:t>4/27/17</a:t>
             </a:fld>
             <a:endParaRPr lang="en-US"/>
           </a:p>
@@ -2213,7 +2213,7 @@
           <a:p>
             <a:fld id="{42B8B0BE-C8D7-EB48-AD68-71DB5002F24B}" type="datetimeFigureOut">
               <a:rPr lang="en-US" smtClean="0"/>
-              <a:t>4/25/17</a:t>
+              <a:t>4/27/17</a:t>
             </a:fld>
             <a:endParaRPr lang="en-US"/>
           </a:p>
@@ -2331,7 +2331,7 @@
           <a:p>
             <a:fld id="{42B8B0BE-C8D7-EB48-AD68-71DB5002F24B}" type="datetimeFigureOut">
               <a:rPr lang="en-US" smtClean="0"/>
-              <a:t>4/25/17</a:t>
+              <a:t>4/27/17</a:t>
             </a:fld>
             <a:endParaRPr lang="en-US"/>
           </a:p>
@@ -2426,7 +2426,7 @@
           <a:p>
             <a:fld id="{42B8B0BE-C8D7-EB48-AD68-71DB5002F24B}" type="datetimeFigureOut">
               <a:rPr lang="en-US" smtClean="0"/>
-              <a:t>4/25/17</a:t>
+              <a:t>4/27/17</a:t>
             </a:fld>
             <a:endParaRPr lang="en-US"/>
           </a:p>
@@ -2703,7 +2703,7 @@
           <a:p>
             <a:fld id="{42B8B0BE-C8D7-EB48-AD68-71DB5002F24B}" type="datetimeFigureOut">
               <a:rPr lang="en-US" smtClean="0"/>
-              <a:t>4/25/17</a:t>
+              <a:t>4/27/17</a:t>
             </a:fld>
             <a:endParaRPr lang="en-US"/>
           </a:p>
@@ -2956,7 +2956,7 @@
           <a:p>
             <a:fld id="{42B8B0BE-C8D7-EB48-AD68-71DB5002F24B}" type="datetimeFigureOut">
               <a:rPr lang="en-US" smtClean="0"/>
-              <a:t>4/25/17</a:t>
+              <a:t>4/27/17</a:t>
             </a:fld>
             <a:endParaRPr lang="en-US"/>
           </a:p>
@@ -3169,7 +3169,7 @@
           <a:p>
             <a:fld id="{42B8B0BE-C8D7-EB48-AD68-71DB5002F24B}" type="datetimeFigureOut">
               <a:rPr lang="en-US" smtClean="0"/>
-              <a:t>4/25/17</a:t>
+              <a:t>4/27/17</a:t>
             </a:fld>
             <a:endParaRPr lang="en-US"/>
           </a:p>
@@ -3974,14 +3974,21 @@
                 <a:latin typeface="Courier"/>
                 <a:cs typeface="Courier"/>
               </a:rPr>
-              <a:t>gmap_buildgmap_build</a:t>
+              <a:t>gmap_build</a:t>
             </a:r>
             <a:r>
               <a:rPr lang="en-US" sz="2000" dirty="0" smtClean="0">
                 <a:latin typeface="Courier"/>
                 <a:cs typeface="Courier"/>
               </a:rPr>
-              <a:t> \</a:t>
+              <a:t> </a:t>
+            </a:r>
+            <a:r>
+              <a:rPr lang="en-US" sz="2000" dirty="0" smtClean="0">
+                <a:latin typeface="Courier"/>
+                <a:cs typeface="Courier"/>
+              </a:rPr>
+              <a:t>\</a:t>
             </a:r>
           </a:p>
           <a:p>
@@ -4627,18 +4634,18 @@
               <a:t> </a:t>
             </a:r>
             <a:r>
-              <a:rPr lang="en-US" sz="1800">
+              <a:rPr lang="en-US" sz="1800" dirty="0">
                 <a:latin typeface="Courier"/>
                 <a:cs typeface="Courier"/>
               </a:rPr>
               <a:t>sort </a:t>
             </a:r>
             <a:r>
-              <a:rPr lang="en-US" sz="1800" smtClean="0">
-                <a:latin typeface="Courier"/>
-                <a:cs typeface="Courier"/>
-              </a:rPr>
-              <a:t>–f $</a:t>
+              <a:rPr lang="en-US" sz="1800" dirty="0" smtClean="0">
+                <a:latin typeface="Courier"/>
+                <a:cs typeface="Courier"/>
+              </a:rPr>
+              <a:t>$</a:t>
             </a:r>
             <a:r>
               <a:rPr lang="en-US" sz="1800" dirty="0" err="1" smtClean="0">
@@ -4652,7 +4659,21 @@
                 <a:latin typeface="Courier"/>
                 <a:cs typeface="Courier"/>
               </a:rPr>
-              <a:t> –o $</a:t>
+              <a:t> </a:t>
+            </a:r>
+            <a:r>
+              <a:rPr lang="en-US" sz="1800" dirty="0" smtClean="0">
+                <a:latin typeface="Courier"/>
+                <a:cs typeface="Courier"/>
+              </a:rPr>
+              <a:t>-o </a:t>
+            </a:r>
+            <a:r>
+              <a:rPr lang="en-US" sz="1800" dirty="0" smtClean="0">
+                <a:latin typeface="Courier"/>
+                <a:cs typeface="Courier"/>
+              </a:rPr>
+              <a:t>$</a:t>
             </a:r>
             <a:r>
               <a:rPr lang="en-US" sz="1800" dirty="0" err="1" smtClean="0">
@@ -4863,8 +4884,8 @@
         </p:nvSpPr>
         <p:spPr>
           <a:xfrm>
-            <a:off x="457200" y="3786930"/>
-            <a:ext cx="8229600" cy="1409124"/>
+            <a:off x="204059" y="2894284"/>
+            <a:ext cx="8880451" cy="3115663"/>
           </a:xfrm>
         </p:spPr>
         <p:txBody>
@@ -4877,42 +4898,183 @@
               <a:buNone/>
             </a:pPr>
             <a:r>
-              <a:rPr lang="en-US" dirty="0">
-                <a:latin typeface="Courier"/>
-                <a:cs typeface="Courier"/>
-              </a:rPr>
-              <a:t> Trinity --</a:t>
-            </a:r>
-            <a:r>
-              <a:rPr lang="en-US" dirty="0" err="1">
+              <a:rPr lang="en-US" sz="1600" dirty="0">
+                <a:latin typeface="Courier"/>
+                <a:cs typeface="Courier"/>
+              </a:rPr>
+              <a:t>#!/bin/bash</a:t>
+            </a:r>
+          </a:p>
+          <a:p>
+            <a:pPr marL="0" indent="0">
+              <a:buNone/>
+            </a:pPr>
+            <a:r>
+              <a:rPr lang="nl-NL" sz="1600" dirty="0">
+                <a:latin typeface="Courier"/>
+                <a:cs typeface="Courier"/>
+              </a:rPr>
+              <a:t>#$ -</a:t>
+            </a:r>
+            <a:r>
+              <a:rPr lang="nl-NL" sz="1600" dirty="0" err="1">
+                <a:latin typeface="Courier"/>
+                <a:cs typeface="Courier"/>
+              </a:rPr>
+              <a:t>cwd</a:t>
+            </a:r>
+            <a:endParaRPr lang="nl-NL" sz="1600" dirty="0">
+              <a:latin typeface="Courier"/>
+              <a:cs typeface="Courier"/>
+            </a:endParaRPr>
+          </a:p>
+          <a:p>
+            <a:pPr marL="0" indent="0">
+              <a:buNone/>
+            </a:pPr>
+            <a:r>
+              <a:rPr lang="nl-NL" sz="1600" dirty="0">
+                <a:latin typeface="Courier"/>
+                <a:cs typeface="Courier"/>
+              </a:rPr>
+              <a:t>#$ -l mem=4G,h_rt=12:00:00</a:t>
+            </a:r>
+          </a:p>
+          <a:p>
+            <a:pPr marL="0" indent="0">
+              <a:buNone/>
+            </a:pPr>
+            <a:r>
+              <a:rPr lang="en-US" sz="1600" dirty="0">
+                <a:latin typeface="Courier"/>
+                <a:cs typeface="Courier"/>
+              </a:rPr>
+              <a:t>#$ -</a:t>
+            </a:r>
+            <a:r>
+              <a:rPr lang="en-US" sz="1600" dirty="0" err="1">
+                <a:latin typeface="Courier"/>
+                <a:cs typeface="Courier"/>
+              </a:rPr>
+              <a:t>pe</a:t>
+            </a:r>
+            <a:r>
+              <a:rPr lang="en-US" sz="1600" dirty="0">
+                <a:latin typeface="Courier"/>
+                <a:cs typeface="Courier"/>
+              </a:rPr>
+              <a:t> single 4</a:t>
+            </a:r>
+          </a:p>
+          <a:p>
+            <a:pPr marL="0" indent="0">
+              <a:buNone/>
+            </a:pPr>
+            <a:r>
+              <a:rPr lang="es-ES_tradnl" sz="1600" dirty="0">
+                <a:latin typeface="Courier"/>
+                <a:cs typeface="Courier"/>
+              </a:rPr>
+              <a:t>#$ -j y</a:t>
+            </a:r>
+          </a:p>
+          <a:p>
+            <a:pPr marL="0" indent="0">
+              <a:buNone/>
+            </a:pPr>
+            <a:r>
+              <a:rPr lang="en-US" sz="1600" dirty="0">
+                <a:latin typeface="Courier"/>
+                <a:cs typeface="Courier"/>
+              </a:rPr>
+              <a:t>PATH=$PATH:/homes/liu3zhen/local/</a:t>
+            </a:r>
+            <a:r>
+              <a:rPr lang="en-US" sz="1600" dirty="0" smtClean="0">
+                <a:latin typeface="Courier"/>
+                <a:cs typeface="Courier"/>
+              </a:rPr>
+              <a:t>bin</a:t>
+            </a:r>
+            <a:endParaRPr lang="en-US" sz="1600" dirty="0" smtClean="0">
+              <a:latin typeface="Courier"/>
+              <a:cs typeface="Courier"/>
+            </a:endParaRPr>
+          </a:p>
+          <a:p>
+            <a:pPr marL="0" indent="0">
+              <a:buNone/>
+            </a:pPr>
+            <a:r>
+              <a:rPr lang="en-US" sz="1600" dirty="0">
+                <a:latin typeface="Courier"/>
+                <a:cs typeface="Courier"/>
+              </a:rPr>
+              <a:t>/homes/liu3zhen/software/trinity/trinityrnaseq-Trinity-v2.4.0/</a:t>
+            </a:r>
+            <a:r>
+              <a:rPr lang="en-US" sz="1600" dirty="0" smtClean="0">
+                <a:latin typeface="Courier"/>
+                <a:cs typeface="Courier"/>
+              </a:rPr>
+              <a:t>Trinity \</a:t>
+            </a:r>
+          </a:p>
+          <a:p>
+            <a:pPr marL="0" indent="0">
+              <a:buNone/>
+            </a:pPr>
+            <a:r>
+              <a:rPr lang="en-US" sz="1600" dirty="0" smtClean="0">
+                <a:latin typeface="Courier"/>
+                <a:cs typeface="Courier"/>
+              </a:rPr>
+              <a:t>  </a:t>
+            </a:r>
+            <a:r>
+              <a:rPr lang="en-US" sz="1600" dirty="0" smtClean="0">
+                <a:latin typeface="Courier"/>
+                <a:cs typeface="Courier"/>
+              </a:rPr>
+              <a:t>-</a:t>
+            </a:r>
+            <a:r>
+              <a:rPr lang="en-US" sz="1600" dirty="0">
+                <a:latin typeface="Courier"/>
+                <a:cs typeface="Courier"/>
+              </a:rPr>
+              <a:t>-</a:t>
+            </a:r>
+            <a:r>
+              <a:rPr lang="en-US" sz="1600" dirty="0" err="1">
                 <a:latin typeface="Courier"/>
                 <a:cs typeface="Courier"/>
               </a:rPr>
               <a:t>genome_guided_bam</a:t>
             </a:r>
             <a:r>
-              <a:rPr lang="en-US" dirty="0">
+              <a:rPr lang="en-US" sz="1600" dirty="0">
                 <a:latin typeface="Courier"/>
                 <a:cs typeface="Courier"/>
               </a:rPr>
               <a:t> </a:t>
             </a:r>
             <a:r>
-              <a:rPr lang="en-US" dirty="0" err="1" smtClean="0">
+              <a:rPr lang="en-US" sz="1600" dirty="0" err="1" smtClean="0">
                 <a:latin typeface="Courier"/>
                 <a:cs typeface="Courier"/>
               </a:rPr>
               <a:t>aln.bam</a:t>
             </a:r>
             <a:r>
-              <a:rPr lang="en-US" dirty="0" smtClean="0">
+              <a:rPr lang="en-US" sz="1600" dirty="0" smtClean="0">
                 <a:latin typeface="Courier"/>
                 <a:cs typeface="Courier"/>
               </a:rPr>
               <a:t> </a:t>
             </a:r>
             <a:r>
-              <a:rPr lang="en-US" dirty="0">
+              <a:rPr lang="en-US" sz="1600" dirty="0">
                 <a:latin typeface="Courier"/>
                 <a:cs typeface="Courier"/>
               </a:rPr>
@@ -4924,21 +5086,35 @@
               <a:buNone/>
             </a:pPr>
             <a:r>
-              <a:rPr lang="en-US" dirty="0">
-                <a:latin typeface="Courier"/>
-                <a:cs typeface="Courier"/>
-              </a:rPr>
-              <a:t>         --</a:t>
-            </a:r>
-            <a:r>
-              <a:rPr lang="en-US" dirty="0" err="1">
+              <a:rPr lang="en-US" sz="1600" dirty="0">
+                <a:latin typeface="Courier"/>
+                <a:cs typeface="Courier"/>
+              </a:rPr>
+              <a:t>  </a:t>
+            </a:r>
+            <a:r>
+              <a:rPr lang="en-US" sz="1600" dirty="0" smtClean="0">
+                <a:latin typeface="Courier"/>
+                <a:cs typeface="Courier"/>
+              </a:rPr>
+              <a:t>-</a:t>
+            </a:r>
+            <a:r>
+              <a:rPr lang="en-US" sz="1600" dirty="0">
+                <a:latin typeface="Courier"/>
+                <a:cs typeface="Courier"/>
+              </a:rPr>
+              <a:t>-</a:t>
+            </a:r>
+            <a:r>
+              <a:rPr lang="en-US" sz="1600" dirty="0" err="1">
                 <a:latin typeface="Courier"/>
                 <a:cs typeface="Courier"/>
               </a:rPr>
               <a:t>genome_guided_max_intron</a:t>
             </a:r>
             <a:r>
-              <a:rPr lang="en-US" dirty="0">
+              <a:rPr lang="en-US" sz="1600" dirty="0">
                 <a:latin typeface="Courier"/>
                 <a:cs typeface="Courier"/>
               </a:rPr>
@@ -4950,21 +5126,35 @@
               <a:buNone/>
             </a:pPr>
             <a:r>
-              <a:rPr lang="en-US" dirty="0">
-                <a:latin typeface="Courier"/>
-                <a:cs typeface="Courier"/>
-              </a:rPr>
-              <a:t>         --</a:t>
-            </a:r>
-            <a:r>
-              <a:rPr lang="en-US" dirty="0" err="1">
+              <a:rPr lang="en-US" sz="1600" dirty="0">
+                <a:latin typeface="Courier"/>
+                <a:cs typeface="Courier"/>
+              </a:rPr>
+              <a:t>  </a:t>
+            </a:r>
+            <a:r>
+              <a:rPr lang="en-US" sz="1600" dirty="0" smtClean="0">
+                <a:latin typeface="Courier"/>
+                <a:cs typeface="Courier"/>
+              </a:rPr>
+              <a:t>-</a:t>
+            </a:r>
+            <a:r>
+              <a:rPr lang="en-US" sz="1600" dirty="0">
+                <a:latin typeface="Courier"/>
+                <a:cs typeface="Courier"/>
+              </a:rPr>
+              <a:t>-</a:t>
+            </a:r>
+            <a:r>
+              <a:rPr lang="en-US" sz="1600" dirty="0" err="1">
                 <a:latin typeface="Courier"/>
                 <a:cs typeface="Courier"/>
               </a:rPr>
               <a:t>max_memory</a:t>
             </a:r>
             <a:r>
-              <a:rPr lang="en-US" dirty="0">
+              <a:rPr lang="en-US" sz="1600" dirty="0">
                 <a:latin typeface="Courier"/>
                 <a:cs typeface="Courier"/>
               </a:rPr>
@@ -4981,7 +5171,7 @@
         </p:nvSpPr>
         <p:spPr>
           <a:xfrm>
-            <a:off x="644769" y="6058251"/>
+            <a:off x="644769" y="6201350"/>
             <a:ext cx="6558206" cy="276999"/>
           </a:xfrm>
           <a:prstGeom prst="rect">
@@ -5042,7 +5232,7 @@
         </p:nvSpPr>
         <p:spPr>
           <a:xfrm>
-            <a:off x="457200" y="1362758"/>
+            <a:off x="457200" y="1047625"/>
             <a:ext cx="8412813" cy="1200328"/>
           </a:xfrm>
           <a:prstGeom prst="rect">
@@ -5083,7 +5273,7 @@
         </p:nvSpPr>
         <p:spPr>
           <a:xfrm>
-            <a:off x="457200" y="3028983"/>
+            <a:off x="457200" y="2247953"/>
             <a:ext cx="4569806" cy="646331"/>
           </a:xfrm>
           <a:prstGeom prst="rect">
